--- a/BookChapterContent/Slides/Chap7.pptx
+++ b/BookChapterContent/Slides/Chap7.pptx
@@ -37,29 +37,37 @@
     <p:sldId id="287" r:id="rId31"/>
     <p:sldId id="288" r:id="rId32"/>
     <p:sldId id="289" r:id="rId33"/>
-    <p:sldId id="290" r:id="rId34"/>
-    <p:sldId id="291" r:id="rId35"/>
-    <p:sldId id="292" r:id="rId36"/>
-    <p:sldId id="293" r:id="rId37"/>
-    <p:sldId id="294" r:id="rId38"/>
-    <p:sldId id="295" r:id="rId39"/>
-    <p:sldId id="296" r:id="rId40"/>
-    <p:sldId id="297" r:id="rId41"/>
-    <p:sldId id="298" r:id="rId42"/>
-    <p:sldId id="299" r:id="rId43"/>
-    <p:sldId id="300" r:id="rId44"/>
-    <p:sldId id="301" r:id="rId45"/>
-    <p:sldId id="302" r:id="rId46"/>
-    <p:sldId id="303" r:id="rId47"/>
-    <p:sldId id="304" r:id="rId48"/>
-    <p:sldId id="305" r:id="rId49"/>
-    <p:sldId id="306" r:id="rId50"/>
-    <p:sldId id="307" r:id="rId51"/>
-    <p:sldId id="308" r:id="rId52"/>
-    <p:sldId id="309" r:id="rId53"/>
-    <p:sldId id="310" r:id="rId54"/>
-    <p:sldId id="311" r:id="rId55"/>
-    <p:sldId id="312" r:id="rId56"/>
+    <p:sldId id="313" r:id="rId34"/>
+    <p:sldId id="290" r:id="rId35"/>
+    <p:sldId id="291" r:id="rId36"/>
+    <p:sldId id="292" r:id="rId37"/>
+    <p:sldId id="293" r:id="rId38"/>
+    <p:sldId id="294" r:id="rId39"/>
+    <p:sldId id="295" r:id="rId40"/>
+    <p:sldId id="296" r:id="rId41"/>
+    <p:sldId id="297" r:id="rId42"/>
+    <p:sldId id="315" r:id="rId43"/>
+    <p:sldId id="317" r:id="rId44"/>
+    <p:sldId id="318" r:id="rId45"/>
+    <p:sldId id="319" r:id="rId46"/>
+    <p:sldId id="320" r:id="rId47"/>
+    <p:sldId id="321" r:id="rId48"/>
+    <p:sldId id="322" r:id="rId49"/>
+    <p:sldId id="298" r:id="rId50"/>
+    <p:sldId id="299" r:id="rId51"/>
+    <p:sldId id="300" r:id="rId52"/>
+    <p:sldId id="301" r:id="rId53"/>
+    <p:sldId id="302" r:id="rId54"/>
+    <p:sldId id="303" r:id="rId55"/>
+    <p:sldId id="304" r:id="rId56"/>
+    <p:sldId id="305" r:id="rId57"/>
+    <p:sldId id="306" r:id="rId58"/>
+    <p:sldId id="307" r:id="rId59"/>
+    <p:sldId id="308" r:id="rId60"/>
+    <p:sldId id="309" r:id="rId61"/>
+    <p:sldId id="310" r:id="rId62"/>
+    <p:sldId id="311" r:id="rId63"/>
+    <p:sldId id="312" r:id="rId64"/>
   </p:sldIdLst>
   <p:sldSz cx="12192000" cy="6858000"/>
   <p:notesSz cx="6858000" cy="9144000"/>
@@ -195,6 +203,7 @@
             <p14:sldId id="287"/>
             <p14:sldId id="288"/>
             <p14:sldId id="289"/>
+            <p14:sldId id="313"/>
             <p14:sldId id="290"/>
             <p14:sldId id="291"/>
             <p14:sldId id="292"/>
@@ -203,6 +212,13 @@
             <p14:sldId id="295"/>
             <p14:sldId id="296"/>
             <p14:sldId id="297"/>
+            <p14:sldId id="315"/>
+            <p14:sldId id="317"/>
+            <p14:sldId id="318"/>
+            <p14:sldId id="319"/>
+            <p14:sldId id="320"/>
+            <p14:sldId id="321"/>
+            <p14:sldId id="322"/>
             <p14:sldId id="298"/>
             <p14:sldId id="299"/>
             <p14:sldId id="300"/>
@@ -629,7 +645,7 @@
           <a:p>
             <a:fld id="{0E6BA319-05E9-49EE-8F99-CA1240CA2757}" type="datetimeFigureOut">
               <a:rPr lang="en-US" smtClean="0"/>
-              <a:t>1/25/2017</a:t>
+              <a:t>1/30/2017</a:t>
             </a:fld>
             <a:endParaRPr lang="en-US"/>
           </a:p>
@@ -833,7 +849,7 @@
           <a:p>
             <a:fld id="{0E6BA319-05E9-49EE-8F99-CA1240CA2757}" type="datetimeFigureOut">
               <a:rPr lang="en-US" smtClean="0"/>
-              <a:t>1/25/2017</a:t>
+              <a:t>1/30/2017</a:t>
             </a:fld>
             <a:endParaRPr lang="en-US"/>
           </a:p>
@@ -1588,7 +1604,7 @@
           <a:p>
             <a:fld id="{0E6BA319-05E9-49EE-8F99-CA1240CA2757}" type="datetimeFigureOut">
               <a:rPr lang="en-US" smtClean="0"/>
-              <a:t>1/25/2017</a:t>
+              <a:t>1/30/2017</a:t>
             </a:fld>
             <a:endParaRPr lang="en-US"/>
           </a:p>
@@ -1844,7 +1860,7 @@
           <a:p>
             <a:fld id="{0E6BA319-05E9-49EE-8F99-CA1240CA2757}" type="datetimeFigureOut">
               <a:rPr lang="en-US" smtClean="0"/>
-              <a:t>1/25/2017</a:t>
+              <a:t>1/30/2017</a:t>
             </a:fld>
             <a:endParaRPr lang="en-US"/>
           </a:p>
@@ -2235,7 +2251,7 @@
           <a:p>
             <a:fld id="{0E6BA319-05E9-49EE-8F99-CA1240CA2757}" type="datetimeFigureOut">
               <a:rPr lang="en-US" smtClean="0"/>
-              <a:t>1/25/2017</a:t>
+              <a:t>1/30/2017</a:t>
             </a:fld>
             <a:endParaRPr lang="en-US"/>
           </a:p>
@@ -2377,7 +2393,7 @@
           <a:p>
             <a:fld id="{0E6BA319-05E9-49EE-8F99-CA1240CA2757}" type="datetimeFigureOut">
               <a:rPr lang="en-US" smtClean="0"/>
-              <a:t>1/25/2017</a:t>
+              <a:t>1/30/2017</a:t>
             </a:fld>
             <a:endParaRPr lang="en-US"/>
           </a:p>
@@ -2496,7 +2512,7 @@
           <a:p>
             <a:fld id="{0E6BA319-05E9-49EE-8F99-CA1240CA2757}" type="datetimeFigureOut">
               <a:rPr lang="en-US" smtClean="0"/>
-              <a:t>1/25/2017</a:t>
+              <a:t>1/30/2017</a:t>
             </a:fld>
             <a:endParaRPr lang="en-US"/>
           </a:p>
@@ -2797,7 +2813,7 @@
           <a:p>
             <a:fld id="{0E6BA319-05E9-49EE-8F99-CA1240CA2757}" type="datetimeFigureOut">
               <a:rPr lang="en-US" smtClean="0"/>
-              <a:t>1/25/2017</a:t>
+              <a:t>1/30/2017</a:t>
             </a:fld>
             <a:endParaRPr lang="en-US"/>
           </a:p>
@@ -3074,7 +3090,7 @@
           <a:p>
             <a:fld id="{0E6BA319-05E9-49EE-8F99-CA1240CA2757}" type="datetimeFigureOut">
               <a:rPr lang="en-US" smtClean="0"/>
-              <a:t>1/25/2017</a:t>
+              <a:t>1/30/2017</a:t>
             </a:fld>
             <a:endParaRPr lang="en-US"/>
           </a:p>
@@ -7526,11 +7542,7 @@
             <a:pPr lvl="2"/>
             <a:r>
               <a:rPr lang="en-US" dirty="0" smtClean="0"/>
-              <a:t>Retargeting: </a:t>
-            </a:r>
-            <a:r>
-              <a:rPr lang="en-US" dirty="0" smtClean="0"/>
-              <a:t>Return “quickly”, and adjust to stop at target</a:t>
+              <a:t>Retargeting: Return “quickly”, and adjust to stop at target</a:t>
             </a:r>
             <a:endParaRPr lang="en-US" dirty="0"/>
           </a:p>
@@ -8405,6 +8417,339 @@
       </p:grpSpPr>
       <p:sp>
         <p:nvSpPr>
+          <p:cNvPr id="2" name="Title 1"/>
+          <p:cNvSpPr>
+            <a:spLocks noGrp="1"/>
+          </p:cNvSpPr>
+          <p:nvPr>
+            <p:ph type="title"/>
+          </p:nvPr>
+        </p:nvSpPr>
+        <p:spPr/>
+        <p:txBody>
+          <a:bodyPr/>
+          <a:lstStyle/>
+          <a:p>
+            <a:r>
+              <a:rPr lang="en-US" dirty="0" smtClean="0"/>
+              <a:t>Update shake position</a:t>
+            </a:r>
+            <a:endParaRPr lang="en-US" dirty="0"/>
+          </a:p>
+        </p:txBody>
+      </p:sp>
+      <p:pic>
+        <p:nvPicPr>
+          <p:cNvPr id="4" name="Content Placeholder 3"/>
+          <p:cNvPicPr>
+            <a:picLocks noGrp="1" noChangeAspect="1"/>
+          </p:cNvPicPr>
+          <p:nvPr>
+            <p:ph idx="1"/>
+          </p:nvPr>
+        </p:nvPicPr>
+        <p:blipFill>
+          <a:blip r:embed="rId2"/>
+          <a:stretch>
+            <a:fillRect/>
+          </a:stretch>
+        </p:blipFill>
+        <p:spPr>
+          <a:xfrm>
+            <a:off x="722054" y="1690688"/>
+            <a:ext cx="6013967" cy="4351338"/>
+          </a:xfrm>
+          <a:prstGeom prst="rect">
+            <a:avLst/>
+          </a:prstGeom>
+        </p:spPr>
+      </p:pic>
+      <p:sp>
+        <p:nvSpPr>
+          <p:cNvPr id="5" name="Rounded Rectangle 4"/>
+          <p:cNvSpPr/>
+          <p:nvPr/>
+        </p:nvSpPr>
+        <p:spPr>
+          <a:xfrm>
+            <a:off x="1520372" y="4376057"/>
+            <a:ext cx="4108223" cy="498022"/>
+          </a:xfrm>
+          <a:prstGeom prst="roundRect">
+            <a:avLst/>
+          </a:prstGeom>
+          <a:noFill/>
+          <a:ln w="50800">
+            <a:solidFill>
+              <a:srgbClr val="FF0000"/>
+            </a:solidFill>
+            <a:prstDash val="sysDot"/>
+          </a:ln>
+        </p:spPr>
+        <p:style>
+          <a:lnRef idx="2">
+            <a:schemeClr val="accent1">
+              <a:shade val="50000"/>
+            </a:schemeClr>
+          </a:lnRef>
+          <a:fillRef idx="1">
+            <a:schemeClr val="accent1"/>
+          </a:fillRef>
+          <a:effectRef idx="0">
+            <a:schemeClr val="accent1"/>
+          </a:effectRef>
+          <a:fontRef idx="minor">
+            <a:schemeClr val="lt1"/>
+          </a:fontRef>
+        </p:style>
+        <p:txBody>
+          <a:bodyPr rtlCol="0" anchor="ctr"/>
+          <a:lstStyle/>
+          <a:p>
+            <a:pPr algn="ctr"/>
+            <a:endParaRPr lang="en-US"/>
+          </a:p>
+        </p:txBody>
+      </p:sp>
+      <p:sp>
+        <p:nvSpPr>
+          <p:cNvPr id="6" name="Rounded Rectangular Callout 5"/>
+          <p:cNvSpPr/>
+          <p:nvPr/>
+        </p:nvSpPr>
+        <p:spPr>
+          <a:xfrm>
+            <a:off x="6557541" y="1948758"/>
+            <a:ext cx="4178494" cy="2427299"/>
+          </a:xfrm>
+          <a:prstGeom prst="wedgeRoundRectCallout">
+            <a:avLst>
+              <a:gd name="adj1" fmla="val -71061"/>
+              <a:gd name="adj2" fmla="val 52858"/>
+              <a:gd name="adj3" fmla="val 16667"/>
+            </a:avLst>
+          </a:prstGeom>
+          <a:solidFill>
+            <a:schemeClr val="accent2">
+              <a:lumMod val="40000"/>
+              <a:lumOff val="60000"/>
+            </a:schemeClr>
+          </a:solidFill>
+          <a:ln>
+            <a:solidFill>
+              <a:schemeClr val="bg1"/>
+            </a:solidFill>
+          </a:ln>
+        </p:spPr>
+        <p:style>
+          <a:lnRef idx="2">
+            <a:schemeClr val="accent1">
+              <a:shade val="50000"/>
+            </a:schemeClr>
+          </a:lnRef>
+          <a:fillRef idx="1">
+            <a:schemeClr val="accent1"/>
+          </a:fillRef>
+          <a:effectRef idx="0">
+            <a:schemeClr val="accent1"/>
+          </a:effectRef>
+          <a:fontRef idx="minor">
+            <a:schemeClr val="lt1"/>
+          </a:fontRef>
+        </p:style>
+        <p:txBody>
+          <a:bodyPr rtlCol="0" anchor="ctr"/>
+          <a:lstStyle/>
+          <a:p>
+            <a:r>
+              <a:rPr lang="en-US" sz="1600" b="1" dirty="0" smtClean="0">
+                <a:solidFill>
+                  <a:schemeClr val="tx1"/>
+                </a:solidFill>
+              </a:rPr>
+              <a:t>Why?</a:t>
+            </a:r>
+            <a:r>
+              <a:rPr lang="en-US" sz="1600" dirty="0" smtClean="0">
+                <a:solidFill>
+                  <a:schemeClr val="tx1"/>
+                </a:solidFill>
+              </a:rPr>
+              <a:t>: to avoid perfect oscillation! </a:t>
+            </a:r>
+          </a:p>
+          <a:p>
+            <a:r>
+              <a:rPr lang="en-US" sz="1600" dirty="0" smtClean="0">
+                <a:solidFill>
+                  <a:schemeClr val="tx1"/>
+                </a:solidFill>
+              </a:rPr>
+              <a:t>Try just returning the v value (without the sign flipping)!! (e.g., Large amplitude (10, 10), frequency of 5, over 600 cycles) [5 complete oscillation in 10 seconds)</a:t>
+            </a:r>
+            <a:endParaRPr lang="en-US" sz="1600" dirty="0">
+              <a:solidFill>
+                <a:schemeClr val="tx1"/>
+              </a:solidFill>
+            </a:endParaRPr>
+          </a:p>
+        </p:txBody>
+      </p:sp>
+    </p:spTree>
+    <p:extLst>
+      <p:ext uri="{BB962C8B-B14F-4D97-AF65-F5344CB8AC3E}">
+        <p14:creationId xmlns:p14="http://schemas.microsoft.com/office/powerpoint/2010/main" val="3220040384"/>
+      </p:ext>
+    </p:extLst>
+  </p:cSld>
+  <p:clrMapOvr>
+    <a:masterClrMapping/>
+  </p:clrMapOvr>
+  <p:timing>
+    <p:tnLst>
+      <p:par>
+        <p:cTn id="1" dur="indefinite" restart="never" nodeType="tmRoot">
+          <p:childTnLst>
+            <p:seq concurrent="1" nextAc="seek">
+              <p:cTn id="2" dur="indefinite" nodeType="mainSeq">
+                <p:childTnLst>
+                  <p:par>
+                    <p:cTn id="3" fill="hold">
+                      <p:stCondLst>
+                        <p:cond delay="indefinite"/>
+                      </p:stCondLst>
+                      <p:childTnLst>
+                        <p:par>
+                          <p:cTn id="4" fill="hold">
+                            <p:stCondLst>
+                              <p:cond delay="0"/>
+                            </p:stCondLst>
+                            <p:childTnLst>
+                              <p:par>
+                                <p:cTn id="5" presetID="1" presetClass="entr" presetSubtype="0" fill="hold" nodeType="clickEffect">
+                                  <p:stCondLst>
+                                    <p:cond delay="0"/>
+                                  </p:stCondLst>
+                                  <p:childTnLst>
+                                    <p:set>
+                                      <p:cBhvr>
+                                        <p:cTn id="6" dur="1" fill="hold">
+                                          <p:stCondLst>
+                                            <p:cond delay="0"/>
+                                          </p:stCondLst>
+                                        </p:cTn>
+                                        <p:tgtEl>
+                                          <p:spTgt spid="4"/>
+                                        </p:tgtEl>
+                                        <p:attrNameLst>
+                                          <p:attrName>style.visibility</p:attrName>
+                                        </p:attrNameLst>
+                                      </p:cBhvr>
+                                      <p:to>
+                                        <p:strVal val="visible"/>
+                                      </p:to>
+                                    </p:set>
+                                  </p:childTnLst>
+                                </p:cTn>
+                              </p:par>
+                            </p:childTnLst>
+                          </p:cTn>
+                        </p:par>
+                      </p:childTnLst>
+                    </p:cTn>
+                  </p:par>
+                  <p:par>
+                    <p:cTn id="7" fill="hold">
+                      <p:stCondLst>
+                        <p:cond delay="indefinite"/>
+                      </p:stCondLst>
+                      <p:childTnLst>
+                        <p:par>
+                          <p:cTn id="8" fill="hold">
+                            <p:stCondLst>
+                              <p:cond delay="0"/>
+                            </p:stCondLst>
+                            <p:childTnLst>
+                              <p:par>
+                                <p:cTn id="9" presetID="1" presetClass="entr" presetSubtype="0" fill="hold" grpId="0" nodeType="clickEffect">
+                                  <p:stCondLst>
+                                    <p:cond delay="0"/>
+                                  </p:stCondLst>
+                                  <p:childTnLst>
+                                    <p:set>
+                                      <p:cBhvr>
+                                        <p:cTn id="10" dur="1" fill="hold">
+                                          <p:stCondLst>
+                                            <p:cond delay="0"/>
+                                          </p:stCondLst>
+                                        </p:cTn>
+                                        <p:tgtEl>
+                                          <p:spTgt spid="5"/>
+                                        </p:tgtEl>
+                                        <p:attrNameLst>
+                                          <p:attrName>style.visibility</p:attrName>
+                                        </p:attrNameLst>
+                                      </p:cBhvr>
+                                      <p:to>
+                                        <p:strVal val="visible"/>
+                                      </p:to>
+                                    </p:set>
+                                  </p:childTnLst>
+                                </p:cTn>
+                              </p:par>
+                            </p:childTnLst>
+                          </p:cTn>
+                        </p:par>
+                      </p:childTnLst>
+                    </p:cTn>
+                  </p:par>
+                </p:childTnLst>
+              </p:cTn>
+              <p:prevCondLst>
+                <p:cond evt="onPrev" delay="0">
+                  <p:tgtEl>
+                    <p:sldTgt/>
+                  </p:tgtEl>
+                </p:cond>
+              </p:prevCondLst>
+              <p:nextCondLst>
+                <p:cond evt="onNext" delay="0">
+                  <p:tgtEl>
+                    <p:sldTgt/>
+                  </p:tgtEl>
+                </p:cond>
+              </p:nextCondLst>
+            </p:seq>
+          </p:childTnLst>
+        </p:cTn>
+      </p:par>
+    </p:tnLst>
+    <p:bldLst>
+      <p:bldP spid="5" grpId="0" animBg="1"/>
+    </p:bldLst>
+  </p:timing>
+</p:sld>
+</file>
+
+<file path=ppt/slides/slide34.xml><?xml version="1.0" encoding="utf-8"?>
+<p:sld xmlns:a="http://schemas.openxmlformats.org/drawingml/2006/main" xmlns:r="http://schemas.openxmlformats.org/officeDocument/2006/relationships" xmlns:p="http://schemas.openxmlformats.org/presentationml/2006/main">
+  <p:cSld>
+    <p:spTree>
+      <p:nvGrpSpPr>
+        <p:cNvPr id="1" name=""/>
+        <p:cNvGrpSpPr/>
+        <p:nvPr/>
+      </p:nvGrpSpPr>
+      <p:grpSpPr>
+        <a:xfrm>
+          <a:off x="0" y="0"/>
+          <a:ext cx="0" cy="0"/>
+          <a:chOff x="0" y="0"/>
+          <a:chExt cx="0" cy="0"/>
+        </a:xfrm>
+      </p:grpSpPr>
+      <p:sp>
+        <p:nvSpPr>
           <p:cNvPr id="3" name="Content Placeholder 2"/>
           <p:cNvSpPr>
             <a:spLocks noGrp="1"/>
@@ -8550,7 +8895,7 @@
 </p:sld>
 </file>
 
-<file path=ppt/slides/slide34.xml><?xml version="1.0" encoding="utf-8"?>
+<file path=ppt/slides/slide35.xml><?xml version="1.0" encoding="utf-8"?>
 <p:sld xmlns:a="http://schemas.openxmlformats.org/drawingml/2006/main" xmlns:r="http://schemas.openxmlformats.org/officeDocument/2006/relationships" xmlns:p="http://schemas.openxmlformats.org/presentationml/2006/main">
   <p:cSld>
     <p:spTree>
@@ -8708,7 +9053,7 @@
 </p:sld>
 </file>
 
-<file path=ppt/slides/slide35.xml><?xml version="1.0" encoding="utf-8"?>
+<file path=ppt/slides/slide36.xml><?xml version="1.0" encoding="utf-8"?>
 <p:sld xmlns:a="http://schemas.openxmlformats.org/drawingml/2006/main" xmlns:r="http://schemas.openxmlformats.org/officeDocument/2006/relationships" xmlns:p="http://schemas.openxmlformats.org/presentationml/2006/main">
   <p:cSld>
     <p:spTree>
@@ -8902,7 +9247,7 @@
 </p:sld>
 </file>
 
-<file path=ppt/slides/slide36.xml><?xml version="1.0" encoding="utf-8"?>
+<file path=ppt/slides/slide37.xml><?xml version="1.0" encoding="utf-8"?>
 <p:sld xmlns:a="http://schemas.openxmlformats.org/drawingml/2006/main" xmlns:r="http://schemas.openxmlformats.org/officeDocument/2006/relationships" xmlns:p="http://schemas.openxmlformats.org/presentationml/2006/main">
   <p:cSld>
     <p:spTree>
@@ -9037,7 +9382,7 @@
 </p:sld>
 </file>
 
-<file path=ppt/slides/slide37.xml><?xml version="1.0" encoding="utf-8"?>
+<file path=ppt/slides/slide38.xml><?xml version="1.0" encoding="utf-8"?>
 <p:sld xmlns:a="http://schemas.openxmlformats.org/drawingml/2006/main" xmlns:r="http://schemas.openxmlformats.org/officeDocument/2006/relationships" xmlns:p="http://schemas.openxmlformats.org/presentationml/2006/main">
   <p:cSld>
     <p:spTree>
@@ -9089,7 +9434,9 @@
         </p:nvSpPr>
         <p:spPr/>
         <p:txBody>
-          <a:bodyPr/>
+          <a:bodyPr>
+            <a:normAutofit fontScale="92500" lnSpcReduction="20000"/>
+          </a:bodyPr>
           <a:lstStyle/>
           <a:p>
             <a:endParaRPr lang="en-US" dirty="0" smtClean="0"/>
@@ -9098,11 +9445,9 @@
             <a:endParaRPr lang="en-US" dirty="0"/>
           </a:p>
           <a:p>
-            <a:pPr lvl="6"/>
-            <a:endParaRPr lang="en-US" dirty="0" smtClean="0"/>
-          </a:p>
-          <a:p>
-            <a:pPr lvl="7"/>
+            <a:pPr marL="3200400" lvl="7" indent="0">
+              <a:buNone/>
+            </a:pPr>
             <a:endParaRPr lang="en-US" dirty="0" smtClean="0"/>
           </a:p>
           <a:p>
@@ -9154,6 +9499,26 @@
             <a:r>
               <a:rPr lang="en-US" dirty="0" smtClean="0"/>
               <a:t>Large duration (300): annoying?  Short duration (3): subtle, seem like error!</a:t>
+            </a:r>
+          </a:p>
+          <a:p>
+            <a:r>
+              <a:rPr lang="en-US" dirty="0" smtClean="0"/>
+              <a:t>WATCH OUT!</a:t>
+            </a:r>
+          </a:p>
+          <a:p>
+            <a:pPr lvl="1"/>
+            <a:r>
+              <a:rPr lang="en-US" dirty="0" smtClean="0"/>
+              <a:t>Shake is an offset (to the original value)</a:t>
+            </a:r>
+          </a:p>
+          <a:p>
+            <a:pPr lvl="1"/>
+            <a:r>
+              <a:rPr lang="en-US" dirty="0" smtClean="0"/>
+              <a:t>Always keep/restore the original value</a:t>
             </a:r>
             <a:endParaRPr lang="en-US" dirty="0"/>
           </a:p>
@@ -9175,7 +9540,7 @@
         </p:blipFill>
         <p:spPr>
           <a:xfrm>
-            <a:off x="717816" y="1720057"/>
+            <a:off x="725980" y="1401649"/>
             <a:ext cx="6391275" cy="800100"/>
           </a:xfrm>
           <a:prstGeom prst="rect">
@@ -9199,7 +9564,7 @@
         </p:blipFill>
         <p:spPr>
           <a:xfrm>
-            <a:off x="1396246" y="2549526"/>
+            <a:off x="1404410" y="2231118"/>
             <a:ext cx="11001375" cy="933450"/>
           </a:xfrm>
           <a:prstGeom prst="rect">
@@ -9207,6 +9572,117 @@
           </a:prstGeom>
         </p:spPr>
       </p:pic>
+      <p:pic>
+        <p:nvPicPr>
+          <p:cNvPr id="6" name="Picture 5"/>
+          <p:cNvPicPr>
+            <a:picLocks noChangeAspect="1"/>
+          </p:cNvPicPr>
+          <p:nvPr/>
+        </p:nvPicPr>
+        <p:blipFill rotWithShape="1">
+          <a:blip r:embed="rId4"/>
+          <a:srcRect t="34357" r="36367" b="27700"/>
+          <a:stretch/>
+        </p:blipFill>
+        <p:spPr>
+          <a:xfrm>
+            <a:off x="6352075" y="5006749"/>
+            <a:ext cx="5527718" cy="1575707"/>
+          </a:xfrm>
+          <a:prstGeom prst="rect">
+            <a:avLst/>
+          </a:prstGeom>
+          <a:ln>
+            <a:solidFill>
+              <a:schemeClr val="bg1"/>
+            </a:solidFill>
+          </a:ln>
+        </p:spPr>
+      </p:pic>
+      <p:cxnSp>
+        <p:nvCxnSpPr>
+          <p:cNvPr id="8" name="Straight Arrow Connector 7"/>
+          <p:cNvCxnSpPr/>
+          <p:nvPr/>
+        </p:nvCxnSpPr>
+        <p:spPr>
+          <a:xfrm>
+            <a:off x="5996026" y="5794602"/>
+            <a:ext cx="1121229" cy="304119"/>
+          </a:xfrm>
+          <a:prstGeom prst="straightConnector1">
+            <a:avLst/>
+          </a:prstGeom>
+          <a:ln w="66675">
+            <a:solidFill>
+              <a:srgbClr val="FF0000"/>
+            </a:solidFill>
+            <a:tailEnd type="triangle"/>
+          </a:ln>
+        </p:spPr>
+        <p:style>
+          <a:lnRef idx="1">
+            <a:schemeClr val="accent1"/>
+          </a:lnRef>
+          <a:fillRef idx="0">
+            <a:schemeClr val="accent1"/>
+          </a:fillRef>
+          <a:effectRef idx="0">
+            <a:schemeClr val="accent1"/>
+          </a:effectRef>
+          <a:fontRef idx="minor">
+            <a:schemeClr val="tx1"/>
+          </a:fontRef>
+        </p:style>
+      </p:cxnSp>
+      <p:sp>
+        <p:nvSpPr>
+          <p:cNvPr id="11" name="Rounded Rectangle 10"/>
+          <p:cNvSpPr/>
+          <p:nvPr/>
+        </p:nvSpPr>
+        <p:spPr>
+          <a:xfrm>
+            <a:off x="7117255" y="5946661"/>
+            <a:ext cx="3271068" cy="341114"/>
+          </a:xfrm>
+          <a:prstGeom prst="roundRect">
+            <a:avLst/>
+          </a:prstGeom>
+          <a:noFill/>
+          <a:ln w="50800">
+            <a:solidFill>
+              <a:srgbClr val="FF0000"/>
+            </a:solidFill>
+            <a:prstDash val="sysDot"/>
+          </a:ln>
+        </p:spPr>
+        <p:style>
+          <a:lnRef idx="2">
+            <a:schemeClr val="accent1">
+              <a:shade val="50000"/>
+            </a:schemeClr>
+          </a:lnRef>
+          <a:fillRef idx="1">
+            <a:schemeClr val="accent1"/>
+          </a:fillRef>
+          <a:effectRef idx="0">
+            <a:schemeClr val="accent1"/>
+          </a:effectRef>
+          <a:fontRef idx="minor">
+            <a:schemeClr val="lt1"/>
+          </a:fontRef>
+        </p:style>
+        <p:txBody>
+          <a:bodyPr rtlCol="0" anchor="ctr"/>
+          <a:lstStyle/>
+          <a:p>
+            <a:pPr algn="ctr"/>
+            <a:endParaRPr lang="en-US"/>
+          </a:p>
+        </p:txBody>
+      </p:sp>
     </p:spTree>
     <p:extLst>
       <p:ext uri="{BB962C8B-B14F-4D97-AF65-F5344CB8AC3E}">
@@ -9227,7 +9703,7 @@
 </p:sld>
 </file>
 
-<file path=ppt/slides/slide38.xml><?xml version="1.0" encoding="utf-8"?>
+<file path=ppt/slides/slide39.xml><?xml version="1.0" encoding="utf-8"?>
 <p:sld xmlns:a="http://schemas.openxmlformats.org/drawingml/2006/main" xmlns:r="http://schemas.openxmlformats.org/officeDocument/2006/relationships" xmlns:p="http://schemas.openxmlformats.org/presentationml/2006/main">
   <p:cSld>
     <p:spTree>
@@ -9350,135 +9826,6 @@
     <p:extLst>
       <p:ext uri="{BB962C8B-B14F-4D97-AF65-F5344CB8AC3E}">
         <p14:creationId xmlns:p14="http://schemas.microsoft.com/office/powerpoint/2010/main" val="2287027233"/>
-      </p:ext>
-    </p:extLst>
-  </p:cSld>
-  <p:clrMapOvr>
-    <a:masterClrMapping/>
-  </p:clrMapOvr>
-  <p:timing>
-    <p:tnLst>
-      <p:par>
-        <p:cTn id="1" dur="indefinite" restart="never" nodeType="tmRoot"/>
-      </p:par>
-    </p:tnLst>
-  </p:timing>
-</p:sld>
-</file>
-
-<file path=ppt/slides/slide39.xml><?xml version="1.0" encoding="utf-8"?>
-<p:sld xmlns:a="http://schemas.openxmlformats.org/drawingml/2006/main" xmlns:r="http://schemas.openxmlformats.org/officeDocument/2006/relationships" xmlns:p="http://schemas.openxmlformats.org/presentationml/2006/main">
-  <p:cSld>
-    <p:spTree>
-      <p:nvGrpSpPr>
-        <p:cNvPr id="1" name=""/>
-        <p:cNvGrpSpPr/>
-        <p:nvPr/>
-      </p:nvGrpSpPr>
-      <p:grpSpPr>
-        <a:xfrm>
-          <a:off x="0" y="0"/>
-          <a:ext cx="0" cy="0"/>
-          <a:chOff x="0" y="0"/>
-          <a:chExt cx="0" cy="0"/>
-        </a:xfrm>
-      </p:grpSpPr>
-      <p:sp>
-        <p:nvSpPr>
-          <p:cNvPr id="2" name="Title 1"/>
-          <p:cNvSpPr>
-            <a:spLocks noGrp="1"/>
-          </p:cNvSpPr>
-          <p:nvPr>
-            <p:ph type="title"/>
-          </p:nvPr>
-        </p:nvSpPr>
-        <p:spPr/>
-        <p:txBody>
-          <a:bodyPr/>
-          <a:lstStyle/>
-          <a:p>
-            <a:r>
-              <a:rPr lang="en-US" dirty="0" smtClean="0"/>
-              <a:t>Working with Mouse Input (Selection!)</a:t>
-            </a:r>
-            <a:endParaRPr lang="en-US" dirty="0"/>
-          </a:p>
-        </p:txBody>
-      </p:sp>
-      <p:sp>
-        <p:nvSpPr>
-          <p:cNvPr id="3" name="Content Placeholder 2"/>
-          <p:cNvSpPr>
-            <a:spLocks noGrp="1"/>
-          </p:cNvSpPr>
-          <p:nvPr>
-            <p:ph idx="1"/>
-          </p:nvPr>
-        </p:nvSpPr>
-        <p:spPr/>
-        <p:txBody>
-          <a:bodyPr/>
-          <a:lstStyle/>
-          <a:p>
-            <a:r>
-              <a:rPr lang="en-US" dirty="0" smtClean="0"/>
-              <a:t>Mouse positions: Canvas coordinate! </a:t>
-            </a:r>
-          </a:p>
-          <a:p>
-            <a:pPr lvl="1"/>
-            <a:r>
-              <a:rPr lang="en-US" dirty="0" err="1" smtClean="0"/>
-              <a:t>GameObjects</a:t>
-            </a:r>
-            <a:r>
-              <a:rPr lang="en-US" dirty="0" smtClean="0"/>
-              <a:t> are in WC!</a:t>
-            </a:r>
-          </a:p>
-          <a:p>
-            <a:r>
-              <a:rPr lang="en-US" dirty="0" smtClean="0"/>
-              <a:t>Canvas to Viewport</a:t>
-            </a:r>
-          </a:p>
-          <a:p>
-            <a:pPr marL="0" indent="0">
-              <a:buNone/>
-            </a:pPr>
-            <a:endParaRPr lang="en-US" dirty="0"/>
-          </a:p>
-        </p:txBody>
-      </p:sp>
-      <p:pic>
-        <p:nvPicPr>
-          <p:cNvPr id="4" name="Picture 3"/>
-          <p:cNvPicPr>
-            <a:picLocks noChangeAspect="1"/>
-          </p:cNvPicPr>
-          <p:nvPr/>
-        </p:nvPicPr>
-        <p:blipFill>
-          <a:blip r:embed="rId2"/>
-          <a:stretch>
-            <a:fillRect/>
-          </a:stretch>
-        </p:blipFill>
-        <p:spPr>
-          <a:xfrm>
-            <a:off x="2849991" y="3291618"/>
-            <a:ext cx="8590785" cy="3566382"/>
-          </a:xfrm>
-          <a:prstGeom prst="rect">
-            <a:avLst/>
-          </a:prstGeom>
-        </p:spPr>
-      </p:pic>
-    </p:spTree>
-    <p:extLst>
-      <p:ext uri="{BB962C8B-B14F-4D97-AF65-F5344CB8AC3E}">
-        <p14:creationId xmlns:p14="http://schemas.microsoft.com/office/powerpoint/2010/main" val="2157603660"/>
       </p:ext>
     </p:extLst>
   </p:cSld>
@@ -9765,6 +10112,135 @@
           <a:p>
             <a:r>
               <a:rPr lang="en-US" dirty="0" smtClean="0"/>
+              <a:t>Working with Mouse Input (Selection!)</a:t>
+            </a:r>
+            <a:endParaRPr lang="en-US" dirty="0"/>
+          </a:p>
+        </p:txBody>
+      </p:sp>
+      <p:sp>
+        <p:nvSpPr>
+          <p:cNvPr id="3" name="Content Placeholder 2"/>
+          <p:cNvSpPr>
+            <a:spLocks noGrp="1"/>
+          </p:cNvSpPr>
+          <p:nvPr>
+            <p:ph idx="1"/>
+          </p:nvPr>
+        </p:nvSpPr>
+        <p:spPr/>
+        <p:txBody>
+          <a:bodyPr/>
+          <a:lstStyle/>
+          <a:p>
+            <a:r>
+              <a:rPr lang="en-US" dirty="0" smtClean="0"/>
+              <a:t>Mouse positions: Canvas coordinate! </a:t>
+            </a:r>
+          </a:p>
+          <a:p>
+            <a:pPr lvl="1"/>
+            <a:r>
+              <a:rPr lang="en-US" dirty="0" err="1" smtClean="0"/>
+              <a:t>GameObjects</a:t>
+            </a:r>
+            <a:r>
+              <a:rPr lang="en-US" dirty="0" smtClean="0"/>
+              <a:t> are in WC!</a:t>
+            </a:r>
+          </a:p>
+          <a:p>
+            <a:r>
+              <a:rPr lang="en-US" dirty="0" smtClean="0"/>
+              <a:t>Canvas to Viewport</a:t>
+            </a:r>
+          </a:p>
+          <a:p>
+            <a:pPr marL="0" indent="0">
+              <a:buNone/>
+            </a:pPr>
+            <a:endParaRPr lang="en-US" dirty="0"/>
+          </a:p>
+        </p:txBody>
+      </p:sp>
+      <p:pic>
+        <p:nvPicPr>
+          <p:cNvPr id="4" name="Picture 3"/>
+          <p:cNvPicPr>
+            <a:picLocks noChangeAspect="1"/>
+          </p:cNvPicPr>
+          <p:nvPr/>
+        </p:nvPicPr>
+        <p:blipFill>
+          <a:blip r:embed="rId2"/>
+          <a:stretch>
+            <a:fillRect/>
+          </a:stretch>
+        </p:blipFill>
+        <p:spPr>
+          <a:xfrm>
+            <a:off x="2849991" y="3291618"/>
+            <a:ext cx="8590785" cy="3566382"/>
+          </a:xfrm>
+          <a:prstGeom prst="rect">
+            <a:avLst/>
+          </a:prstGeom>
+        </p:spPr>
+      </p:pic>
+    </p:spTree>
+    <p:extLst>
+      <p:ext uri="{BB962C8B-B14F-4D97-AF65-F5344CB8AC3E}">
+        <p14:creationId xmlns:p14="http://schemas.microsoft.com/office/powerpoint/2010/main" val="2157603660"/>
+      </p:ext>
+    </p:extLst>
+  </p:cSld>
+  <p:clrMapOvr>
+    <a:masterClrMapping/>
+  </p:clrMapOvr>
+  <p:timing>
+    <p:tnLst>
+      <p:par>
+        <p:cTn id="1" dur="indefinite" restart="never" nodeType="tmRoot"/>
+      </p:par>
+    </p:tnLst>
+  </p:timing>
+</p:sld>
+</file>
+
+<file path=ppt/slides/slide41.xml><?xml version="1.0" encoding="utf-8"?>
+<p:sld xmlns:a="http://schemas.openxmlformats.org/drawingml/2006/main" xmlns:r="http://schemas.openxmlformats.org/officeDocument/2006/relationships" xmlns:p="http://schemas.openxmlformats.org/presentationml/2006/main">
+  <p:cSld>
+    <p:spTree>
+      <p:nvGrpSpPr>
+        <p:cNvPr id="1" name=""/>
+        <p:cNvGrpSpPr/>
+        <p:nvPr/>
+      </p:nvGrpSpPr>
+      <p:grpSpPr>
+        <a:xfrm>
+          <a:off x="0" y="0"/>
+          <a:ext cx="0" cy="0"/>
+          <a:chOff x="0" y="0"/>
+          <a:chExt cx="0" cy="0"/>
+        </a:xfrm>
+      </p:grpSpPr>
+      <p:sp>
+        <p:nvSpPr>
+          <p:cNvPr id="2" name="Title 1"/>
+          <p:cNvSpPr>
+            <a:spLocks noGrp="1"/>
+          </p:cNvSpPr>
+          <p:nvPr>
+            <p:ph type="title"/>
+          </p:nvPr>
+        </p:nvSpPr>
+        <p:spPr/>
+        <p:txBody>
+          <a:bodyPr/>
+          <a:lstStyle/>
+          <a:p>
+            <a:r>
+              <a:rPr lang="en-US" dirty="0" smtClean="0"/>
               <a:t>Viewport (device) to World Coordinate!</a:t>
             </a:r>
             <a:endParaRPr lang="en-US" dirty="0"/>
@@ -9815,7 +10291,5548 @@
 </p:sld>
 </file>
 
-<file path=ppt/slides/slide41.xml><?xml version="1.0" encoding="utf-8"?>
+<file path=ppt/slides/slide42.xml><?xml version="1.0" encoding="utf-8"?>
+<p:sld xmlns:a="http://schemas.openxmlformats.org/drawingml/2006/main" xmlns:r="http://schemas.openxmlformats.org/officeDocument/2006/relationships" xmlns:p="http://schemas.openxmlformats.org/presentationml/2006/main">
+  <p:cSld>
+    <p:spTree>
+      <p:nvGrpSpPr>
+        <p:cNvPr id="1" name=""/>
+        <p:cNvGrpSpPr/>
+        <p:nvPr/>
+      </p:nvGrpSpPr>
+      <p:grpSpPr>
+        <a:xfrm>
+          <a:off x="0" y="0"/>
+          <a:ext cx="0" cy="0"/>
+          <a:chOff x="0" y="0"/>
+          <a:chExt cx="0" cy="0"/>
+        </a:xfrm>
+      </p:grpSpPr>
+      <p:sp>
+        <p:nvSpPr>
+          <p:cNvPr id="2" name="Title 1"/>
+          <p:cNvSpPr>
+            <a:spLocks noGrp="1"/>
+          </p:cNvSpPr>
+          <p:nvPr>
+            <p:ph type="title"/>
+          </p:nvPr>
+        </p:nvSpPr>
+        <p:spPr/>
+        <p:txBody>
+          <a:bodyPr/>
+          <a:lstStyle/>
+          <a:p>
+            <a:r>
+              <a:rPr lang="en-US" b="1" dirty="0" smtClean="0">
+                <a:solidFill>
+                  <a:srgbClr val="FF0000"/>
+                </a:solidFill>
+              </a:rPr>
+              <a:t>Questions</a:t>
+            </a:r>
+            <a:endParaRPr lang="en-US" b="1" dirty="0">
+              <a:solidFill>
+                <a:srgbClr val="FF0000"/>
+              </a:solidFill>
+            </a:endParaRPr>
+          </a:p>
+        </p:txBody>
+      </p:sp>
+      <p:sp>
+        <p:nvSpPr>
+          <p:cNvPr id="3" name="Content Placeholder 2"/>
+          <p:cNvSpPr>
+            <a:spLocks noGrp="1"/>
+          </p:cNvSpPr>
+          <p:nvPr>
+            <p:ph idx="1"/>
+          </p:nvPr>
+        </p:nvSpPr>
+        <p:spPr/>
+        <p:txBody>
+          <a:bodyPr>
+            <a:normAutofit/>
+          </a:bodyPr>
+          <a:lstStyle/>
+          <a:p>
+            <a:r>
+              <a:rPr lang="en-US" dirty="0" smtClean="0"/>
+              <a:t>My canvas is 1000x800</a:t>
+            </a:r>
+          </a:p>
+          <a:p>
+            <a:pPr lvl="1"/>
+            <a:r>
+              <a:rPr lang="en-US" dirty="0" smtClean="0"/>
+              <a:t>My camera1: Center(50, 50), Width=100, Viewport:[100, 200, 400, 600]</a:t>
+            </a:r>
+          </a:p>
+          <a:p>
+            <a:pPr lvl="1"/>
+            <a:r>
+              <a:rPr lang="en-US" dirty="0" smtClean="0"/>
+              <a:t>My camera2: Center(100, 100), Width=10, Viewport: [50, 100, 100, 100]</a:t>
+            </a:r>
+          </a:p>
+          <a:p>
+            <a:pPr lvl="1"/>
+            <a:r>
+              <a:rPr lang="en-US" dirty="0" smtClean="0"/>
+              <a:t>Sketch my viewports in the canvas</a:t>
+            </a:r>
+          </a:p>
+          <a:p>
+            <a:r>
+              <a:rPr lang="en-US" dirty="0" smtClean="0"/>
+              <a:t>HTML5 reports that a mouse click occurs at: (</a:t>
+            </a:r>
+            <a:r>
+              <a:rPr lang="en-US" dirty="0" err="1" smtClean="0"/>
+              <a:t>mouseX</a:t>
+            </a:r>
+            <a:r>
+              <a:rPr lang="en-US" dirty="0" smtClean="0"/>
+              <a:t>, </a:t>
+            </a:r>
+            <a:r>
+              <a:rPr lang="en-US" dirty="0" err="1" smtClean="0"/>
+              <a:t>mouseY</a:t>
+            </a:r>
+            <a:r>
+              <a:rPr lang="en-US" dirty="0" smtClean="0"/>
+              <a:t>)</a:t>
+            </a:r>
+          </a:p>
+          <a:p>
+            <a:pPr lvl="1"/>
+            <a:r>
+              <a:rPr lang="en-US" dirty="0" smtClean="0"/>
+              <a:t>(50, 100): should I care about this?</a:t>
+            </a:r>
+            <a:endParaRPr lang="en-US" dirty="0"/>
+          </a:p>
+          <a:p>
+            <a:pPr lvl="1"/>
+            <a:r>
+              <a:rPr lang="en-US" dirty="0" smtClean="0"/>
+              <a:t>(300, 400): how about now?</a:t>
+            </a:r>
+          </a:p>
+          <a:p>
+            <a:r>
+              <a:rPr lang="en-US" dirty="0" smtClean="0"/>
+              <a:t>What are the point in </a:t>
+            </a:r>
+            <a:r>
+              <a:rPr lang="en-US" dirty="0" err="1" smtClean="0"/>
+              <a:t>DCx</a:t>
+            </a:r>
+            <a:r>
+              <a:rPr lang="en-US" dirty="0" smtClean="0"/>
+              <a:t>, </a:t>
+            </a:r>
+            <a:r>
+              <a:rPr lang="en-US" dirty="0" err="1" smtClean="0"/>
+              <a:t>DCy</a:t>
+            </a:r>
+            <a:r>
+              <a:rPr lang="en-US" dirty="0" smtClean="0"/>
+              <a:t> for my two viewports?</a:t>
+            </a:r>
+          </a:p>
+          <a:p>
+            <a:r>
+              <a:rPr lang="en-US" dirty="0" smtClean="0"/>
+              <a:t>What are the points in </a:t>
+            </a:r>
+            <a:r>
+              <a:rPr lang="en-US" dirty="0" err="1" smtClean="0"/>
+              <a:t>WCx</a:t>
+            </a:r>
+            <a:r>
+              <a:rPr lang="en-US" dirty="0" smtClean="0"/>
+              <a:t>, </a:t>
+            </a:r>
+            <a:r>
+              <a:rPr lang="en-US" dirty="0" err="1" smtClean="0"/>
+              <a:t>WCy</a:t>
+            </a:r>
+            <a:r>
+              <a:rPr lang="en-US" dirty="0" smtClean="0"/>
+              <a:t> for my two cameras?</a:t>
+            </a:r>
+            <a:endParaRPr lang="en-US" dirty="0"/>
+          </a:p>
+        </p:txBody>
+      </p:sp>
+    </p:spTree>
+    <p:extLst>
+      <p:ext uri="{BB962C8B-B14F-4D97-AF65-F5344CB8AC3E}">
+        <p14:creationId xmlns:p14="http://schemas.microsoft.com/office/powerpoint/2010/main" val="854582173"/>
+      </p:ext>
+    </p:extLst>
+  </p:cSld>
+  <p:clrMapOvr>
+    <a:masterClrMapping/>
+  </p:clrMapOvr>
+  <p:timing>
+    <p:tnLst>
+      <p:par>
+        <p:cTn id="1" dur="indefinite" restart="never" nodeType="tmRoot"/>
+      </p:par>
+    </p:tnLst>
+  </p:timing>
+</p:sld>
+</file>
+
+<file path=ppt/slides/slide43.xml><?xml version="1.0" encoding="utf-8"?>
+<p:sld xmlns:a="http://schemas.openxmlformats.org/drawingml/2006/main" xmlns:r="http://schemas.openxmlformats.org/officeDocument/2006/relationships" xmlns:p="http://schemas.openxmlformats.org/presentationml/2006/main">
+  <p:cSld>
+    <p:spTree>
+      <p:nvGrpSpPr>
+        <p:cNvPr id="1" name=""/>
+        <p:cNvGrpSpPr/>
+        <p:nvPr/>
+      </p:nvGrpSpPr>
+      <p:grpSpPr>
+        <a:xfrm>
+          <a:off x="0" y="0"/>
+          <a:ext cx="0" cy="0"/>
+          <a:chOff x="0" y="0"/>
+          <a:chExt cx="0" cy="0"/>
+        </a:xfrm>
+      </p:grpSpPr>
+      <p:sp>
+        <p:nvSpPr>
+          <p:cNvPr id="2" name="Title 1"/>
+          <p:cNvSpPr>
+            <a:spLocks noGrp="1"/>
+          </p:cNvSpPr>
+          <p:nvPr>
+            <p:ph type="title"/>
+          </p:nvPr>
+        </p:nvSpPr>
+        <p:spPr/>
+        <p:txBody>
+          <a:bodyPr/>
+          <a:lstStyle/>
+          <a:p>
+            <a:r>
+              <a:rPr lang="en-US" b="1" dirty="0" smtClean="0">
+                <a:solidFill>
+                  <a:srgbClr val="FF0000"/>
+                </a:solidFill>
+              </a:rPr>
+              <a:t>Questions</a:t>
+            </a:r>
+            <a:endParaRPr lang="en-US" b="1" dirty="0">
+              <a:solidFill>
+                <a:srgbClr val="FF0000"/>
+              </a:solidFill>
+            </a:endParaRPr>
+          </a:p>
+        </p:txBody>
+      </p:sp>
+      <p:sp>
+        <p:nvSpPr>
+          <p:cNvPr id="3" name="Content Placeholder 2"/>
+          <p:cNvSpPr>
+            <a:spLocks noGrp="1"/>
+          </p:cNvSpPr>
+          <p:nvPr>
+            <p:ph idx="1"/>
+          </p:nvPr>
+        </p:nvSpPr>
+        <p:spPr/>
+        <p:txBody>
+          <a:bodyPr>
+            <a:normAutofit/>
+          </a:bodyPr>
+          <a:lstStyle/>
+          <a:p>
+            <a:r>
+              <a:rPr lang="en-US" dirty="0" smtClean="0"/>
+              <a:t>My canvas is 1000x800</a:t>
+            </a:r>
+          </a:p>
+          <a:p>
+            <a:pPr lvl="1"/>
+            <a:r>
+              <a:rPr lang="en-US" dirty="0" smtClean="0"/>
+              <a:t>My camera1: Center(50, 50), Width=100, Viewport:[</a:t>
+            </a:r>
+            <a:r>
+              <a:rPr lang="en-US" dirty="0" smtClean="0">
+                <a:solidFill>
+                  <a:schemeClr val="accent2"/>
+                </a:solidFill>
+              </a:rPr>
+              <a:t>100, 200, 400, 600</a:t>
+            </a:r>
+            <a:r>
+              <a:rPr lang="en-US" dirty="0" smtClean="0"/>
+              <a:t>]</a:t>
+            </a:r>
+          </a:p>
+          <a:p>
+            <a:pPr lvl="1"/>
+            <a:r>
+              <a:rPr lang="en-US" dirty="0" smtClean="0"/>
+              <a:t>My camera2: Center(100, 100), Width=10, Viewport: [</a:t>
+            </a:r>
+            <a:r>
+              <a:rPr lang="en-US" dirty="0" smtClean="0">
+                <a:solidFill>
+                  <a:srgbClr val="FF0000"/>
+                </a:solidFill>
+              </a:rPr>
+              <a:t>50, 100, 100, 100</a:t>
+            </a:r>
+            <a:r>
+              <a:rPr lang="en-US" dirty="0" smtClean="0"/>
+              <a:t>]</a:t>
+            </a:r>
+          </a:p>
+          <a:p>
+            <a:pPr lvl="1"/>
+            <a:r>
+              <a:rPr lang="en-US" dirty="0" smtClean="0"/>
+              <a:t>Sketch my viewports in the canvas</a:t>
+            </a:r>
+          </a:p>
+        </p:txBody>
+      </p:sp>
+      <p:grpSp>
+        <p:nvGrpSpPr>
+          <p:cNvPr id="7" name="Group 6"/>
+          <p:cNvGrpSpPr/>
+          <p:nvPr/>
+        </p:nvGrpSpPr>
+        <p:grpSpPr>
+          <a:xfrm>
+            <a:off x="6461760" y="3058160"/>
+            <a:ext cx="4572000" cy="3657600"/>
+            <a:chOff x="2316480" y="3098800"/>
+            <a:chExt cx="4572000" cy="3657600"/>
+          </a:xfrm>
+        </p:grpSpPr>
+        <p:sp>
+          <p:nvSpPr>
+            <p:cNvPr id="5" name="Rectangle 4"/>
+            <p:cNvSpPr/>
+            <p:nvPr/>
+          </p:nvSpPr>
+          <p:spPr>
+            <a:xfrm>
+              <a:off x="2316480" y="3098800"/>
+              <a:ext cx="4572000" cy="3657600"/>
+            </a:xfrm>
+            <a:prstGeom prst="rect">
+              <a:avLst/>
+            </a:prstGeom>
+          </p:spPr>
+          <p:style>
+            <a:lnRef idx="2">
+              <a:schemeClr val="accent1">
+                <a:shade val="50000"/>
+              </a:schemeClr>
+            </a:lnRef>
+            <a:fillRef idx="1">
+              <a:schemeClr val="accent1"/>
+            </a:fillRef>
+            <a:effectRef idx="0">
+              <a:schemeClr val="accent1"/>
+            </a:effectRef>
+            <a:fontRef idx="minor">
+              <a:schemeClr val="lt1"/>
+            </a:fontRef>
+          </p:style>
+          <p:txBody>
+            <a:bodyPr rtlCol="0" anchor="ctr"/>
+            <a:lstStyle/>
+            <a:p>
+              <a:pPr algn="ctr"/>
+              <a:endParaRPr lang="en-US"/>
+            </a:p>
+          </p:txBody>
+        </p:sp>
+        <p:sp>
+          <p:nvSpPr>
+            <p:cNvPr id="4" name="Rectangle 3"/>
+            <p:cNvSpPr/>
+            <p:nvPr/>
+          </p:nvSpPr>
+          <p:spPr>
+            <a:xfrm>
+              <a:off x="2773680" y="3111500"/>
+              <a:ext cx="1828800" cy="2743200"/>
+            </a:xfrm>
+            <a:prstGeom prst="rect">
+              <a:avLst/>
+            </a:prstGeom>
+            <a:solidFill>
+              <a:schemeClr val="accent2"/>
+            </a:solidFill>
+          </p:spPr>
+          <p:style>
+            <a:lnRef idx="2">
+              <a:schemeClr val="accent1">
+                <a:shade val="50000"/>
+              </a:schemeClr>
+            </a:lnRef>
+            <a:fillRef idx="1">
+              <a:schemeClr val="accent1"/>
+            </a:fillRef>
+            <a:effectRef idx="0">
+              <a:schemeClr val="accent1"/>
+            </a:effectRef>
+            <a:fontRef idx="minor">
+              <a:schemeClr val="lt1"/>
+            </a:fontRef>
+          </p:style>
+          <p:txBody>
+            <a:bodyPr rtlCol="0" anchor="ctr"/>
+            <a:lstStyle/>
+            <a:p>
+              <a:pPr algn="ctr"/>
+              <a:endParaRPr lang="en-US"/>
+            </a:p>
+          </p:txBody>
+        </p:sp>
+        <p:sp>
+          <p:nvSpPr>
+            <p:cNvPr id="6" name="Rectangle 5"/>
+            <p:cNvSpPr/>
+            <p:nvPr/>
+          </p:nvSpPr>
+          <p:spPr>
+            <a:xfrm>
+              <a:off x="2545080" y="5854700"/>
+              <a:ext cx="457200" cy="457200"/>
+            </a:xfrm>
+            <a:prstGeom prst="rect">
+              <a:avLst/>
+            </a:prstGeom>
+            <a:solidFill>
+              <a:srgbClr val="FF0000"/>
+            </a:solidFill>
+          </p:spPr>
+          <p:style>
+            <a:lnRef idx="2">
+              <a:schemeClr val="accent1">
+                <a:shade val="50000"/>
+              </a:schemeClr>
+            </a:lnRef>
+            <a:fillRef idx="1">
+              <a:schemeClr val="accent1"/>
+            </a:fillRef>
+            <a:effectRef idx="0">
+              <a:schemeClr val="accent1"/>
+            </a:effectRef>
+            <a:fontRef idx="minor">
+              <a:schemeClr val="lt1"/>
+            </a:fontRef>
+          </p:style>
+          <p:txBody>
+            <a:bodyPr rtlCol="0" anchor="ctr"/>
+            <a:lstStyle/>
+            <a:p>
+              <a:pPr algn="ctr"/>
+              <a:endParaRPr lang="en-US"/>
+            </a:p>
+          </p:txBody>
+        </p:sp>
+      </p:grpSp>
+    </p:spTree>
+    <p:extLst>
+      <p:ext uri="{BB962C8B-B14F-4D97-AF65-F5344CB8AC3E}">
+        <p14:creationId xmlns:p14="http://schemas.microsoft.com/office/powerpoint/2010/main" val="1638793369"/>
+      </p:ext>
+    </p:extLst>
+  </p:cSld>
+  <p:clrMapOvr>
+    <a:masterClrMapping/>
+  </p:clrMapOvr>
+  <p:timing>
+    <p:tnLst>
+      <p:par>
+        <p:cTn id="1" dur="indefinite" restart="never" nodeType="tmRoot"/>
+      </p:par>
+    </p:tnLst>
+  </p:timing>
+</p:sld>
+</file>
+
+<file path=ppt/slides/slide44.xml><?xml version="1.0" encoding="utf-8"?>
+<p:sld xmlns:a="http://schemas.openxmlformats.org/drawingml/2006/main" xmlns:r="http://schemas.openxmlformats.org/officeDocument/2006/relationships" xmlns:p="http://schemas.openxmlformats.org/presentationml/2006/main">
+  <p:cSld>
+    <p:spTree>
+      <p:nvGrpSpPr>
+        <p:cNvPr id="1" name=""/>
+        <p:cNvGrpSpPr/>
+        <p:nvPr/>
+      </p:nvGrpSpPr>
+      <p:grpSpPr>
+        <a:xfrm>
+          <a:off x="0" y="0"/>
+          <a:ext cx="0" cy="0"/>
+          <a:chOff x="0" y="0"/>
+          <a:chExt cx="0" cy="0"/>
+        </a:xfrm>
+      </p:grpSpPr>
+      <p:sp>
+        <p:nvSpPr>
+          <p:cNvPr id="2" name="Title 1"/>
+          <p:cNvSpPr>
+            <a:spLocks noGrp="1"/>
+          </p:cNvSpPr>
+          <p:nvPr>
+            <p:ph type="title"/>
+          </p:nvPr>
+        </p:nvSpPr>
+        <p:spPr/>
+        <p:txBody>
+          <a:bodyPr/>
+          <a:lstStyle/>
+          <a:p>
+            <a:r>
+              <a:rPr lang="en-US" b="1" dirty="0" smtClean="0">
+                <a:solidFill>
+                  <a:srgbClr val="FF0000"/>
+                </a:solidFill>
+              </a:rPr>
+              <a:t>Questions</a:t>
+            </a:r>
+            <a:endParaRPr lang="en-US" b="1" dirty="0">
+              <a:solidFill>
+                <a:srgbClr val="FF0000"/>
+              </a:solidFill>
+            </a:endParaRPr>
+          </a:p>
+        </p:txBody>
+      </p:sp>
+      <p:sp>
+        <p:nvSpPr>
+          <p:cNvPr id="3" name="Content Placeholder 2"/>
+          <p:cNvSpPr>
+            <a:spLocks noGrp="1"/>
+          </p:cNvSpPr>
+          <p:nvPr>
+            <p:ph idx="1"/>
+          </p:nvPr>
+        </p:nvSpPr>
+        <p:spPr>
+          <a:xfrm>
+            <a:off x="838200" y="1397475"/>
+            <a:ext cx="10515600" cy="4351338"/>
+          </a:xfrm>
+        </p:spPr>
+        <p:txBody>
+          <a:bodyPr>
+            <a:normAutofit/>
+          </a:bodyPr>
+          <a:lstStyle/>
+          <a:p>
+            <a:r>
+              <a:rPr lang="en-US" dirty="0" smtClean="0"/>
+              <a:t>My camera1: Viewport</a:t>
+            </a:r>
+            <a:r>
+              <a:rPr lang="en-US" dirty="0" smtClean="0">
+                <a:solidFill>
+                  <a:schemeClr val="accent2"/>
+                </a:solidFill>
+              </a:rPr>
+              <a:t>:[100, 200, 400, 600</a:t>
+            </a:r>
+            <a:r>
+              <a:rPr lang="en-US" dirty="0" smtClean="0"/>
+              <a:t>]</a:t>
+            </a:r>
+          </a:p>
+          <a:p>
+            <a:r>
+              <a:rPr lang="en-US" dirty="0" smtClean="0"/>
+              <a:t>My camera2: Viewport: [</a:t>
+            </a:r>
+            <a:r>
+              <a:rPr lang="en-US" dirty="0" smtClean="0">
+                <a:solidFill>
+                  <a:srgbClr val="FF0000"/>
+                </a:solidFill>
+              </a:rPr>
+              <a:t>50, 100, 100, 100</a:t>
+            </a:r>
+            <a:r>
+              <a:rPr lang="en-US" dirty="0" smtClean="0"/>
+              <a:t>]</a:t>
+            </a:r>
+          </a:p>
+          <a:p>
+            <a:r>
+              <a:rPr lang="en-US" dirty="0" smtClean="0"/>
+              <a:t>HTML5 reports mouse click occurs at: (</a:t>
+            </a:r>
+            <a:r>
+              <a:rPr lang="en-US" dirty="0" err="1" smtClean="0"/>
+              <a:t>mouseX</a:t>
+            </a:r>
+            <a:r>
+              <a:rPr lang="en-US" dirty="0" smtClean="0"/>
+              <a:t>, </a:t>
+            </a:r>
+            <a:r>
+              <a:rPr lang="en-US" dirty="0" err="1" smtClean="0"/>
+              <a:t>mouseY</a:t>
+            </a:r>
+            <a:r>
+              <a:rPr lang="en-US" dirty="0" smtClean="0"/>
+              <a:t>)</a:t>
+            </a:r>
+          </a:p>
+          <a:p>
+            <a:pPr lvl="1"/>
+            <a:r>
+              <a:rPr lang="en-US" b="1" dirty="0" smtClean="0">
+                <a:solidFill>
+                  <a:srgbClr val="00B050"/>
+                </a:solidFill>
+              </a:rPr>
+              <a:t>(50, 100): </a:t>
+            </a:r>
+            <a:r>
+              <a:rPr lang="en-US" dirty="0" smtClean="0"/>
+              <a:t>should I care about this?</a:t>
+            </a:r>
+            <a:endParaRPr lang="en-US" dirty="0"/>
+          </a:p>
+          <a:p>
+            <a:pPr lvl="1"/>
+            <a:r>
+              <a:rPr lang="en-US" b="1" dirty="0" smtClean="0">
+                <a:solidFill>
+                  <a:srgbClr val="0070C0"/>
+                </a:solidFill>
+              </a:rPr>
+              <a:t>(300, 400): </a:t>
+            </a:r>
+            <a:r>
+              <a:rPr lang="en-US" dirty="0" smtClean="0"/>
+              <a:t>how about now?</a:t>
+            </a:r>
+          </a:p>
+        </p:txBody>
+      </p:sp>
+      <p:grpSp>
+        <p:nvGrpSpPr>
+          <p:cNvPr id="31" name="Group 30"/>
+          <p:cNvGrpSpPr/>
+          <p:nvPr/>
+        </p:nvGrpSpPr>
+        <p:grpSpPr>
+          <a:xfrm>
+            <a:off x="7172325" y="2958465"/>
+            <a:ext cx="4572000" cy="3660616"/>
+            <a:chOff x="7700645" y="1310640"/>
+            <a:chExt cx="4572000" cy="3660616"/>
+          </a:xfrm>
+        </p:grpSpPr>
+        <p:grpSp>
+          <p:nvGrpSpPr>
+            <p:cNvPr id="13" name="Group 12"/>
+            <p:cNvGrpSpPr/>
+            <p:nvPr/>
+          </p:nvGrpSpPr>
+          <p:grpSpPr>
+            <a:xfrm>
+              <a:off x="7700645" y="1310640"/>
+              <a:ext cx="4572000" cy="3657600"/>
+              <a:chOff x="7700645" y="1310640"/>
+              <a:chExt cx="4572000" cy="3657600"/>
+            </a:xfrm>
+          </p:grpSpPr>
+          <p:sp>
+            <p:nvSpPr>
+              <p:cNvPr id="14" name="Rectangle 13"/>
+              <p:cNvSpPr/>
+              <p:nvPr/>
+            </p:nvSpPr>
+            <p:spPr>
+              <a:xfrm>
+                <a:off x="7700645" y="1310640"/>
+                <a:ext cx="4572000" cy="3657600"/>
+              </a:xfrm>
+              <a:prstGeom prst="rect">
+                <a:avLst/>
+              </a:prstGeom>
+            </p:spPr>
+            <p:style>
+              <a:lnRef idx="2">
+                <a:schemeClr val="accent1">
+                  <a:shade val="50000"/>
+                </a:schemeClr>
+              </a:lnRef>
+              <a:fillRef idx="1">
+                <a:schemeClr val="accent1"/>
+              </a:fillRef>
+              <a:effectRef idx="0">
+                <a:schemeClr val="accent1"/>
+              </a:effectRef>
+              <a:fontRef idx="minor">
+                <a:schemeClr val="lt1"/>
+              </a:fontRef>
+            </p:style>
+            <p:txBody>
+              <a:bodyPr rtlCol="0" anchor="ctr"/>
+              <a:lstStyle/>
+              <a:p>
+                <a:pPr algn="ctr"/>
+                <a:endParaRPr lang="en-US"/>
+              </a:p>
+            </p:txBody>
+          </p:sp>
+          <p:sp>
+            <p:nvSpPr>
+              <p:cNvPr id="15" name="Rectangle 14"/>
+              <p:cNvSpPr/>
+              <p:nvPr/>
+            </p:nvSpPr>
+            <p:spPr>
+              <a:xfrm>
+                <a:off x="8148320" y="1323340"/>
+                <a:ext cx="1828800" cy="2743200"/>
+              </a:xfrm>
+              <a:prstGeom prst="rect">
+                <a:avLst/>
+              </a:prstGeom>
+              <a:solidFill>
+                <a:schemeClr val="accent2"/>
+              </a:solidFill>
+            </p:spPr>
+            <p:style>
+              <a:lnRef idx="2">
+                <a:schemeClr val="accent1">
+                  <a:shade val="50000"/>
+                </a:schemeClr>
+              </a:lnRef>
+              <a:fillRef idx="1">
+                <a:schemeClr val="accent1"/>
+              </a:fillRef>
+              <a:effectRef idx="0">
+                <a:schemeClr val="accent1"/>
+              </a:effectRef>
+              <a:fontRef idx="minor">
+                <a:schemeClr val="lt1"/>
+              </a:fontRef>
+            </p:style>
+            <p:txBody>
+              <a:bodyPr rtlCol="0" anchor="ctr"/>
+              <a:lstStyle/>
+              <a:p>
+                <a:pPr algn="ctr"/>
+                <a:endParaRPr lang="en-US"/>
+              </a:p>
+            </p:txBody>
+          </p:sp>
+          <p:sp>
+            <p:nvSpPr>
+              <p:cNvPr id="16" name="Rectangle 15"/>
+              <p:cNvSpPr/>
+              <p:nvPr/>
+            </p:nvSpPr>
+            <p:spPr>
+              <a:xfrm>
+                <a:off x="7919720" y="4066540"/>
+                <a:ext cx="457200" cy="457200"/>
+              </a:xfrm>
+              <a:prstGeom prst="rect">
+                <a:avLst/>
+              </a:prstGeom>
+              <a:solidFill>
+                <a:srgbClr val="FF0000"/>
+              </a:solidFill>
+            </p:spPr>
+            <p:style>
+              <a:lnRef idx="2">
+                <a:schemeClr val="accent1">
+                  <a:shade val="50000"/>
+                </a:schemeClr>
+              </a:lnRef>
+              <a:fillRef idx="1">
+                <a:schemeClr val="accent1"/>
+              </a:fillRef>
+              <a:effectRef idx="0">
+                <a:schemeClr val="accent1"/>
+              </a:effectRef>
+              <a:fontRef idx="minor">
+                <a:schemeClr val="lt1"/>
+              </a:fontRef>
+            </p:style>
+            <p:txBody>
+              <a:bodyPr rtlCol="0" anchor="ctr"/>
+              <a:lstStyle/>
+              <a:p>
+                <a:pPr algn="ctr"/>
+                <a:endParaRPr lang="en-US"/>
+              </a:p>
+            </p:txBody>
+          </p:sp>
+          <p:sp>
+            <p:nvSpPr>
+              <p:cNvPr id="17" name="Flowchart: Summing Junction 16"/>
+              <p:cNvSpPr/>
+              <p:nvPr/>
+            </p:nvSpPr>
+            <p:spPr>
+              <a:xfrm>
+                <a:off x="7762240" y="4388166"/>
+                <a:ext cx="314960" cy="270511"/>
+              </a:xfrm>
+              <a:prstGeom prst="flowChartSummingJunction">
+                <a:avLst/>
+              </a:prstGeom>
+              <a:solidFill>
+                <a:schemeClr val="accent1">
+                  <a:alpha val="12000"/>
+                </a:schemeClr>
+              </a:solidFill>
+              <a:ln w="76200">
+                <a:solidFill>
+                  <a:schemeClr val="accent6">
+                    <a:lumMod val="75000"/>
+                  </a:schemeClr>
+                </a:solidFill>
+              </a:ln>
+            </p:spPr>
+            <p:style>
+              <a:lnRef idx="2">
+                <a:schemeClr val="accent1">
+                  <a:shade val="50000"/>
+                </a:schemeClr>
+              </a:lnRef>
+              <a:fillRef idx="1">
+                <a:schemeClr val="accent1"/>
+              </a:fillRef>
+              <a:effectRef idx="0">
+                <a:schemeClr val="accent1"/>
+              </a:effectRef>
+              <a:fontRef idx="minor">
+                <a:schemeClr val="lt1"/>
+              </a:fontRef>
+            </p:style>
+            <p:txBody>
+              <a:bodyPr rtlCol="0" anchor="ctr"/>
+              <a:lstStyle/>
+              <a:p>
+                <a:pPr algn="ctr"/>
+                <a:endParaRPr lang="en-US"/>
+              </a:p>
+            </p:txBody>
+          </p:sp>
+          <p:sp>
+            <p:nvSpPr>
+              <p:cNvPr id="18" name="Flowchart: Summing Junction 17"/>
+              <p:cNvSpPr/>
+              <p:nvPr/>
+            </p:nvSpPr>
+            <p:spPr>
+              <a:xfrm>
+                <a:off x="8902700" y="3026093"/>
+                <a:ext cx="314960" cy="270511"/>
+              </a:xfrm>
+              <a:prstGeom prst="flowChartSummingJunction">
+                <a:avLst/>
+              </a:prstGeom>
+              <a:solidFill>
+                <a:schemeClr val="accent1">
+                  <a:alpha val="12000"/>
+                </a:schemeClr>
+              </a:solidFill>
+              <a:ln w="76200">
+                <a:solidFill>
+                  <a:schemeClr val="accent5">
+                    <a:lumMod val="75000"/>
+                  </a:schemeClr>
+                </a:solidFill>
+              </a:ln>
+            </p:spPr>
+            <p:style>
+              <a:lnRef idx="2">
+                <a:schemeClr val="accent1">
+                  <a:shade val="50000"/>
+                </a:schemeClr>
+              </a:lnRef>
+              <a:fillRef idx="1">
+                <a:schemeClr val="accent1"/>
+              </a:fillRef>
+              <a:effectRef idx="0">
+                <a:schemeClr val="accent1"/>
+              </a:effectRef>
+              <a:fontRef idx="minor">
+                <a:schemeClr val="lt1"/>
+              </a:fontRef>
+            </p:style>
+            <p:txBody>
+              <a:bodyPr rtlCol="0" anchor="ctr"/>
+              <a:lstStyle/>
+              <a:p>
+                <a:pPr algn="ctr"/>
+                <a:endParaRPr lang="en-US"/>
+              </a:p>
+            </p:txBody>
+          </p:sp>
+        </p:grpSp>
+        <p:sp>
+          <p:nvSpPr>
+            <p:cNvPr id="22" name="Rectangle 21"/>
+            <p:cNvSpPr/>
+            <p:nvPr/>
+          </p:nvSpPr>
+          <p:spPr>
+            <a:xfrm>
+              <a:off x="7700645" y="1323340"/>
+              <a:ext cx="457200" cy="3644900"/>
+            </a:xfrm>
+            <a:prstGeom prst="rect">
+              <a:avLst/>
+            </a:prstGeom>
+            <a:noFill/>
+            <a:ln>
+              <a:solidFill>
+                <a:schemeClr val="tx1"/>
+              </a:solidFill>
+              <a:prstDash val="dash"/>
+            </a:ln>
+          </p:spPr>
+          <p:style>
+            <a:lnRef idx="2">
+              <a:schemeClr val="accent1">
+                <a:shade val="50000"/>
+              </a:schemeClr>
+            </a:lnRef>
+            <a:fillRef idx="1">
+              <a:schemeClr val="accent1"/>
+            </a:fillRef>
+            <a:effectRef idx="0">
+              <a:schemeClr val="accent1"/>
+            </a:effectRef>
+            <a:fontRef idx="minor">
+              <a:schemeClr val="lt1"/>
+            </a:fontRef>
+          </p:style>
+          <p:txBody>
+            <a:bodyPr rtlCol="0" anchor="ctr"/>
+            <a:lstStyle/>
+            <a:p>
+              <a:pPr algn="ctr"/>
+              <a:endParaRPr lang="en-US"/>
+            </a:p>
+          </p:txBody>
+        </p:sp>
+        <p:sp>
+          <p:nvSpPr>
+            <p:cNvPr id="23" name="Rectangle 22"/>
+            <p:cNvSpPr/>
+            <p:nvPr/>
+          </p:nvSpPr>
+          <p:spPr>
+            <a:xfrm>
+              <a:off x="8148320" y="1310640"/>
+              <a:ext cx="457200" cy="3644900"/>
+            </a:xfrm>
+            <a:prstGeom prst="rect">
+              <a:avLst/>
+            </a:prstGeom>
+            <a:noFill/>
+            <a:ln>
+              <a:solidFill>
+                <a:schemeClr val="tx1"/>
+              </a:solidFill>
+              <a:prstDash val="dash"/>
+            </a:ln>
+          </p:spPr>
+          <p:style>
+            <a:lnRef idx="2">
+              <a:schemeClr val="accent1">
+                <a:shade val="50000"/>
+              </a:schemeClr>
+            </a:lnRef>
+            <a:fillRef idx="1">
+              <a:schemeClr val="accent1"/>
+            </a:fillRef>
+            <a:effectRef idx="0">
+              <a:schemeClr val="accent1"/>
+            </a:effectRef>
+            <a:fontRef idx="minor">
+              <a:schemeClr val="lt1"/>
+            </a:fontRef>
+          </p:style>
+          <p:txBody>
+            <a:bodyPr rtlCol="0" anchor="ctr"/>
+            <a:lstStyle/>
+            <a:p>
+              <a:pPr algn="ctr"/>
+              <a:endParaRPr lang="en-US"/>
+            </a:p>
+          </p:txBody>
+        </p:sp>
+        <p:sp>
+          <p:nvSpPr>
+            <p:cNvPr id="24" name="Rectangle 23"/>
+            <p:cNvSpPr/>
+            <p:nvPr/>
+          </p:nvSpPr>
+          <p:spPr>
+            <a:xfrm>
+              <a:off x="8608060" y="1314767"/>
+              <a:ext cx="457200" cy="3644900"/>
+            </a:xfrm>
+            <a:prstGeom prst="rect">
+              <a:avLst/>
+            </a:prstGeom>
+            <a:noFill/>
+            <a:ln>
+              <a:solidFill>
+                <a:schemeClr val="tx1"/>
+              </a:solidFill>
+              <a:prstDash val="dash"/>
+            </a:ln>
+          </p:spPr>
+          <p:style>
+            <a:lnRef idx="2">
+              <a:schemeClr val="accent1">
+                <a:shade val="50000"/>
+              </a:schemeClr>
+            </a:lnRef>
+            <a:fillRef idx="1">
+              <a:schemeClr val="accent1"/>
+            </a:fillRef>
+            <a:effectRef idx="0">
+              <a:schemeClr val="accent1"/>
+            </a:effectRef>
+            <a:fontRef idx="minor">
+              <a:schemeClr val="lt1"/>
+            </a:fontRef>
+          </p:style>
+          <p:txBody>
+            <a:bodyPr rtlCol="0" anchor="ctr"/>
+            <a:lstStyle/>
+            <a:p>
+              <a:pPr algn="ctr"/>
+              <a:endParaRPr lang="en-US"/>
+            </a:p>
+          </p:txBody>
+        </p:sp>
+        <p:sp>
+          <p:nvSpPr>
+            <p:cNvPr id="25" name="Rectangle 24"/>
+            <p:cNvSpPr/>
+            <p:nvPr/>
+          </p:nvSpPr>
+          <p:spPr>
+            <a:xfrm>
+              <a:off x="9077325" y="1310957"/>
+              <a:ext cx="457200" cy="3644900"/>
+            </a:xfrm>
+            <a:prstGeom prst="rect">
+              <a:avLst/>
+            </a:prstGeom>
+            <a:noFill/>
+            <a:ln>
+              <a:solidFill>
+                <a:schemeClr val="tx1"/>
+              </a:solidFill>
+              <a:prstDash val="dash"/>
+            </a:ln>
+          </p:spPr>
+          <p:style>
+            <a:lnRef idx="2">
+              <a:schemeClr val="accent1">
+                <a:shade val="50000"/>
+              </a:schemeClr>
+            </a:lnRef>
+            <a:fillRef idx="1">
+              <a:schemeClr val="accent1"/>
+            </a:fillRef>
+            <a:effectRef idx="0">
+              <a:schemeClr val="accent1"/>
+            </a:effectRef>
+            <a:fontRef idx="minor">
+              <a:schemeClr val="lt1"/>
+            </a:fontRef>
+          </p:style>
+          <p:txBody>
+            <a:bodyPr rtlCol="0" anchor="ctr"/>
+            <a:lstStyle/>
+            <a:p>
+              <a:pPr algn="ctr"/>
+              <a:endParaRPr lang="en-US"/>
+            </a:p>
+          </p:txBody>
+        </p:sp>
+        <p:sp>
+          <p:nvSpPr>
+            <p:cNvPr id="26" name="Rectangle 25"/>
+            <p:cNvSpPr/>
+            <p:nvPr/>
+          </p:nvSpPr>
+          <p:spPr>
+            <a:xfrm>
+              <a:off x="9534525" y="1320482"/>
+              <a:ext cx="457200" cy="3644900"/>
+            </a:xfrm>
+            <a:prstGeom prst="rect">
+              <a:avLst/>
+            </a:prstGeom>
+            <a:noFill/>
+            <a:ln>
+              <a:solidFill>
+                <a:schemeClr val="tx1"/>
+              </a:solidFill>
+              <a:prstDash val="dash"/>
+            </a:ln>
+          </p:spPr>
+          <p:style>
+            <a:lnRef idx="2">
+              <a:schemeClr val="accent1">
+                <a:shade val="50000"/>
+              </a:schemeClr>
+            </a:lnRef>
+            <a:fillRef idx="1">
+              <a:schemeClr val="accent1"/>
+            </a:fillRef>
+            <a:effectRef idx="0">
+              <a:schemeClr val="accent1"/>
+            </a:effectRef>
+            <a:fontRef idx="minor">
+              <a:schemeClr val="lt1"/>
+            </a:fontRef>
+          </p:style>
+          <p:txBody>
+            <a:bodyPr rtlCol="0" anchor="ctr"/>
+            <a:lstStyle/>
+            <a:p>
+              <a:pPr algn="ctr"/>
+              <a:endParaRPr lang="en-US"/>
+            </a:p>
+          </p:txBody>
+        </p:sp>
+        <p:sp>
+          <p:nvSpPr>
+            <p:cNvPr id="27" name="Rectangle 26"/>
+            <p:cNvSpPr/>
+            <p:nvPr/>
+          </p:nvSpPr>
+          <p:spPr>
+            <a:xfrm>
+              <a:off x="7710169" y="4508024"/>
+              <a:ext cx="3005455" cy="463232"/>
+            </a:xfrm>
+            <a:prstGeom prst="rect">
+              <a:avLst/>
+            </a:prstGeom>
+            <a:noFill/>
+            <a:ln>
+              <a:solidFill>
+                <a:schemeClr val="tx1"/>
+              </a:solidFill>
+              <a:prstDash val="dash"/>
+            </a:ln>
+          </p:spPr>
+          <p:style>
+            <a:lnRef idx="2">
+              <a:schemeClr val="accent1">
+                <a:shade val="50000"/>
+              </a:schemeClr>
+            </a:lnRef>
+            <a:fillRef idx="1">
+              <a:schemeClr val="accent1"/>
+            </a:fillRef>
+            <a:effectRef idx="0">
+              <a:schemeClr val="accent1"/>
+            </a:effectRef>
+            <a:fontRef idx="minor">
+              <a:schemeClr val="lt1"/>
+            </a:fontRef>
+          </p:style>
+          <p:txBody>
+            <a:bodyPr rtlCol="0" anchor="ctr"/>
+            <a:lstStyle/>
+            <a:p>
+              <a:pPr algn="ctr"/>
+              <a:endParaRPr lang="en-US"/>
+            </a:p>
+          </p:txBody>
+        </p:sp>
+        <p:sp>
+          <p:nvSpPr>
+            <p:cNvPr id="28" name="Rectangle 27"/>
+            <p:cNvSpPr/>
+            <p:nvPr/>
+          </p:nvSpPr>
+          <p:spPr>
+            <a:xfrm>
+              <a:off x="7700645" y="4039394"/>
+              <a:ext cx="3005455" cy="463232"/>
+            </a:xfrm>
+            <a:prstGeom prst="rect">
+              <a:avLst/>
+            </a:prstGeom>
+            <a:noFill/>
+            <a:ln>
+              <a:solidFill>
+                <a:schemeClr val="tx1"/>
+              </a:solidFill>
+              <a:prstDash val="dash"/>
+            </a:ln>
+          </p:spPr>
+          <p:style>
+            <a:lnRef idx="2">
+              <a:schemeClr val="accent1">
+                <a:shade val="50000"/>
+              </a:schemeClr>
+            </a:lnRef>
+            <a:fillRef idx="1">
+              <a:schemeClr val="accent1"/>
+            </a:fillRef>
+            <a:effectRef idx="0">
+              <a:schemeClr val="accent1"/>
+            </a:effectRef>
+            <a:fontRef idx="minor">
+              <a:schemeClr val="lt1"/>
+            </a:fontRef>
+          </p:style>
+          <p:txBody>
+            <a:bodyPr rtlCol="0" anchor="ctr"/>
+            <a:lstStyle/>
+            <a:p>
+              <a:pPr algn="ctr"/>
+              <a:endParaRPr lang="en-US"/>
+            </a:p>
+          </p:txBody>
+        </p:sp>
+        <p:sp>
+          <p:nvSpPr>
+            <p:cNvPr id="29" name="Rectangle 28"/>
+            <p:cNvSpPr/>
+            <p:nvPr/>
+          </p:nvSpPr>
+          <p:spPr>
+            <a:xfrm>
+              <a:off x="7700645" y="3572669"/>
+              <a:ext cx="3005455" cy="463232"/>
+            </a:xfrm>
+            <a:prstGeom prst="rect">
+              <a:avLst/>
+            </a:prstGeom>
+            <a:noFill/>
+            <a:ln>
+              <a:solidFill>
+                <a:schemeClr val="tx1"/>
+              </a:solidFill>
+              <a:prstDash val="dash"/>
+            </a:ln>
+          </p:spPr>
+          <p:style>
+            <a:lnRef idx="2">
+              <a:schemeClr val="accent1">
+                <a:shade val="50000"/>
+              </a:schemeClr>
+            </a:lnRef>
+            <a:fillRef idx="1">
+              <a:schemeClr val="accent1"/>
+            </a:fillRef>
+            <a:effectRef idx="0">
+              <a:schemeClr val="accent1"/>
+            </a:effectRef>
+            <a:fontRef idx="minor">
+              <a:schemeClr val="lt1"/>
+            </a:fontRef>
+          </p:style>
+          <p:txBody>
+            <a:bodyPr rtlCol="0" anchor="ctr"/>
+            <a:lstStyle/>
+            <a:p>
+              <a:pPr algn="ctr"/>
+              <a:endParaRPr lang="en-US"/>
+            </a:p>
+          </p:txBody>
+        </p:sp>
+        <p:sp>
+          <p:nvSpPr>
+            <p:cNvPr id="30" name="Rectangle 29"/>
+            <p:cNvSpPr/>
+            <p:nvPr/>
+          </p:nvSpPr>
+          <p:spPr>
+            <a:xfrm>
+              <a:off x="7700645" y="3105944"/>
+              <a:ext cx="3005455" cy="463232"/>
+            </a:xfrm>
+            <a:prstGeom prst="rect">
+              <a:avLst/>
+            </a:prstGeom>
+            <a:noFill/>
+            <a:ln>
+              <a:solidFill>
+                <a:schemeClr val="tx1"/>
+              </a:solidFill>
+              <a:prstDash val="dash"/>
+            </a:ln>
+          </p:spPr>
+          <p:style>
+            <a:lnRef idx="2">
+              <a:schemeClr val="accent1">
+                <a:shade val="50000"/>
+              </a:schemeClr>
+            </a:lnRef>
+            <a:fillRef idx="1">
+              <a:schemeClr val="accent1"/>
+            </a:fillRef>
+            <a:effectRef idx="0">
+              <a:schemeClr val="accent1"/>
+            </a:effectRef>
+            <a:fontRef idx="minor">
+              <a:schemeClr val="lt1"/>
+            </a:fontRef>
+          </p:style>
+          <p:txBody>
+            <a:bodyPr rtlCol="0" anchor="ctr"/>
+            <a:lstStyle/>
+            <a:p>
+              <a:pPr algn="ctr"/>
+              <a:endParaRPr lang="en-US"/>
+            </a:p>
+          </p:txBody>
+        </p:sp>
+      </p:grpSp>
+    </p:spTree>
+    <p:extLst>
+      <p:ext uri="{BB962C8B-B14F-4D97-AF65-F5344CB8AC3E}">
+        <p14:creationId xmlns:p14="http://schemas.microsoft.com/office/powerpoint/2010/main" val="397131931"/>
+      </p:ext>
+    </p:extLst>
+  </p:cSld>
+  <p:clrMapOvr>
+    <a:masterClrMapping/>
+  </p:clrMapOvr>
+  <p:timing>
+    <p:tnLst>
+      <p:par>
+        <p:cTn id="1" dur="indefinite" restart="never" nodeType="tmRoot"/>
+      </p:par>
+    </p:tnLst>
+  </p:timing>
+</p:sld>
+</file>
+
+<file path=ppt/slides/slide45.xml><?xml version="1.0" encoding="utf-8"?>
+<p:sld xmlns:a="http://schemas.openxmlformats.org/drawingml/2006/main" xmlns:r="http://schemas.openxmlformats.org/officeDocument/2006/relationships" xmlns:p="http://schemas.openxmlformats.org/presentationml/2006/main">
+  <p:cSld>
+    <p:spTree>
+      <p:nvGrpSpPr>
+        <p:cNvPr id="1" name=""/>
+        <p:cNvGrpSpPr/>
+        <p:nvPr/>
+      </p:nvGrpSpPr>
+      <p:grpSpPr>
+        <a:xfrm>
+          <a:off x="0" y="0"/>
+          <a:ext cx="0" cy="0"/>
+          <a:chOff x="0" y="0"/>
+          <a:chExt cx="0" cy="0"/>
+        </a:xfrm>
+      </p:grpSpPr>
+      <p:sp>
+        <p:nvSpPr>
+          <p:cNvPr id="2" name="Title 1"/>
+          <p:cNvSpPr>
+            <a:spLocks noGrp="1"/>
+          </p:cNvSpPr>
+          <p:nvPr>
+            <p:ph type="title"/>
+          </p:nvPr>
+        </p:nvSpPr>
+        <p:spPr/>
+        <p:txBody>
+          <a:bodyPr/>
+          <a:lstStyle/>
+          <a:p>
+            <a:r>
+              <a:rPr lang="en-US" b="1" dirty="0" smtClean="0">
+                <a:solidFill>
+                  <a:srgbClr val="FF0000"/>
+                </a:solidFill>
+              </a:rPr>
+              <a:t>Questions</a:t>
+            </a:r>
+            <a:endParaRPr lang="en-US" b="1" dirty="0">
+              <a:solidFill>
+                <a:srgbClr val="FF0000"/>
+              </a:solidFill>
+            </a:endParaRPr>
+          </a:p>
+        </p:txBody>
+      </p:sp>
+      <p:sp>
+        <p:nvSpPr>
+          <p:cNvPr id="3" name="Content Placeholder 2"/>
+          <p:cNvSpPr>
+            <a:spLocks noGrp="1"/>
+          </p:cNvSpPr>
+          <p:nvPr>
+            <p:ph idx="1"/>
+          </p:nvPr>
+        </p:nvSpPr>
+        <p:spPr/>
+        <p:txBody>
+          <a:bodyPr>
+            <a:normAutofit/>
+          </a:bodyPr>
+          <a:lstStyle/>
+          <a:p>
+            <a:r>
+              <a:rPr lang="en-US" dirty="0" smtClean="0">
+                <a:solidFill>
+                  <a:schemeClr val="accent2"/>
+                </a:solidFill>
+              </a:rPr>
+              <a:t>[100, 200, 400, 600</a:t>
+            </a:r>
+            <a:r>
+              <a:rPr lang="en-US" dirty="0" smtClean="0"/>
+              <a:t>]      [</a:t>
+            </a:r>
+            <a:r>
+              <a:rPr lang="en-US" dirty="0" smtClean="0">
+                <a:solidFill>
+                  <a:srgbClr val="FF0000"/>
+                </a:solidFill>
+              </a:rPr>
+              <a:t>50, 100, 100, 100</a:t>
+            </a:r>
+            <a:r>
+              <a:rPr lang="en-US" dirty="0" smtClean="0"/>
+              <a:t>]</a:t>
+            </a:r>
+          </a:p>
+          <a:p>
+            <a:pPr lvl="1"/>
+            <a:r>
+              <a:rPr lang="en-US" b="1" dirty="0" smtClean="0">
+                <a:solidFill>
+                  <a:srgbClr val="00B050"/>
+                </a:solidFill>
+              </a:rPr>
+              <a:t>(50, 100): </a:t>
+            </a:r>
+            <a:r>
+              <a:rPr lang="en-US" dirty="0" smtClean="0"/>
+              <a:t>should I care about this?</a:t>
+            </a:r>
+          </a:p>
+          <a:p>
+            <a:pPr lvl="2"/>
+            <a:r>
+              <a:rPr lang="en-US" dirty="0" smtClean="0"/>
+              <a:t>With respect to </a:t>
+            </a:r>
+            <a:r>
+              <a:rPr lang="en-US" b="1" dirty="0" smtClean="0">
+                <a:solidFill>
+                  <a:schemeClr val="accent2"/>
+                </a:solidFill>
+              </a:rPr>
+              <a:t>Orange: </a:t>
+            </a:r>
+            <a:r>
+              <a:rPr lang="en-US" b="1" dirty="0" err="1" smtClean="0">
+                <a:solidFill>
+                  <a:schemeClr val="accent2"/>
+                </a:solidFill>
+              </a:rPr>
+              <a:t>DCx</a:t>
+            </a:r>
+            <a:r>
+              <a:rPr lang="en-US" b="1" dirty="0" smtClean="0">
+                <a:solidFill>
+                  <a:schemeClr val="accent2"/>
+                </a:solidFill>
+              </a:rPr>
+              <a:t> = -50, </a:t>
+            </a:r>
+            <a:r>
+              <a:rPr lang="en-US" b="1" dirty="0" err="1" smtClean="0">
+                <a:solidFill>
+                  <a:schemeClr val="accent2"/>
+                </a:solidFill>
+              </a:rPr>
+              <a:t>DCy</a:t>
+            </a:r>
+            <a:r>
+              <a:rPr lang="en-US" b="1" dirty="0" smtClean="0">
+                <a:solidFill>
+                  <a:schemeClr val="accent2"/>
+                </a:solidFill>
+              </a:rPr>
+              <a:t>=-100</a:t>
+            </a:r>
+          </a:p>
+          <a:p>
+            <a:pPr lvl="3"/>
+            <a:r>
+              <a:rPr lang="en-US" b="1" dirty="0" smtClean="0">
+                <a:solidFill>
+                  <a:schemeClr val="accent2"/>
+                </a:solidFill>
+                <a:sym typeface="Wingdings" panose="05000000000000000000" pitchFamily="2" charset="2"/>
+              </a:rPr>
+              <a:t>Orange does not care about this point</a:t>
+            </a:r>
+            <a:endParaRPr lang="en-US" b="1" dirty="0" smtClean="0">
+              <a:solidFill>
+                <a:schemeClr val="accent2"/>
+              </a:solidFill>
+            </a:endParaRPr>
+          </a:p>
+          <a:p>
+            <a:pPr lvl="2"/>
+            <a:r>
+              <a:rPr lang="en-US" dirty="0"/>
+              <a:t>With respect to </a:t>
+            </a:r>
+            <a:r>
+              <a:rPr lang="en-US" b="1" dirty="0" smtClean="0">
+                <a:solidFill>
+                  <a:srgbClr val="FF0000"/>
+                </a:solidFill>
+              </a:rPr>
+              <a:t>Red: </a:t>
+            </a:r>
+            <a:r>
+              <a:rPr lang="en-US" b="1" dirty="0" err="1" smtClean="0">
+                <a:solidFill>
+                  <a:srgbClr val="FF0000"/>
+                </a:solidFill>
+              </a:rPr>
+              <a:t>DCx</a:t>
+            </a:r>
+            <a:r>
+              <a:rPr lang="en-US" b="1" dirty="0" smtClean="0">
+                <a:solidFill>
+                  <a:srgbClr val="FF0000"/>
+                </a:solidFill>
+              </a:rPr>
+              <a:t> </a:t>
+            </a:r>
+            <a:r>
+              <a:rPr lang="en-US" b="1" dirty="0">
+                <a:solidFill>
+                  <a:srgbClr val="FF0000"/>
+                </a:solidFill>
+              </a:rPr>
+              <a:t>= </a:t>
+            </a:r>
+            <a:r>
+              <a:rPr lang="en-US" b="1" dirty="0" smtClean="0">
+                <a:solidFill>
+                  <a:srgbClr val="FF0000"/>
+                </a:solidFill>
+              </a:rPr>
+              <a:t>0</a:t>
+            </a:r>
+            <a:r>
+              <a:rPr lang="en-US" b="1" dirty="0">
+                <a:solidFill>
+                  <a:srgbClr val="FF0000"/>
+                </a:solidFill>
+              </a:rPr>
+              <a:t>, </a:t>
+            </a:r>
+            <a:r>
+              <a:rPr lang="en-US" b="1" dirty="0" err="1" smtClean="0">
+                <a:solidFill>
+                  <a:srgbClr val="FF0000"/>
+                </a:solidFill>
+              </a:rPr>
+              <a:t>DCy</a:t>
+            </a:r>
+            <a:r>
+              <a:rPr lang="en-US" b="1" dirty="0" smtClean="0">
+                <a:solidFill>
+                  <a:srgbClr val="FF0000"/>
+                </a:solidFill>
+              </a:rPr>
+              <a:t>= 0</a:t>
+            </a:r>
+          </a:p>
+          <a:p>
+            <a:pPr lvl="3"/>
+            <a:r>
+              <a:rPr lang="en-US" b="1" dirty="0" smtClean="0">
+                <a:solidFill>
+                  <a:srgbClr val="FF0000"/>
+                </a:solidFill>
+                <a:sym typeface="Wingdings" panose="05000000000000000000" pitchFamily="2" charset="2"/>
+              </a:rPr>
+              <a:t> Red cares about this point (inside Red viewport)</a:t>
+            </a:r>
+            <a:endParaRPr lang="en-US" b="1" dirty="0">
+              <a:solidFill>
+                <a:srgbClr val="FF0000"/>
+              </a:solidFill>
+            </a:endParaRPr>
+          </a:p>
+          <a:p>
+            <a:pPr lvl="1"/>
+            <a:r>
+              <a:rPr lang="en-US" b="1" dirty="0" smtClean="0">
+                <a:solidFill>
+                  <a:srgbClr val="0070C0"/>
+                </a:solidFill>
+              </a:rPr>
+              <a:t>(300, 400): </a:t>
+            </a:r>
+            <a:r>
+              <a:rPr lang="en-US" dirty="0" smtClean="0"/>
+              <a:t>how about now?</a:t>
+            </a:r>
+          </a:p>
+          <a:p>
+            <a:pPr lvl="2"/>
+            <a:r>
+              <a:rPr lang="en-US" dirty="0"/>
+              <a:t>With respect to </a:t>
+            </a:r>
+            <a:r>
+              <a:rPr lang="en-US" b="1" dirty="0">
+                <a:solidFill>
+                  <a:schemeClr val="accent2"/>
+                </a:solidFill>
+              </a:rPr>
+              <a:t>Orange: </a:t>
+            </a:r>
+            <a:r>
+              <a:rPr lang="en-US" b="1" dirty="0" err="1" smtClean="0">
+                <a:solidFill>
+                  <a:schemeClr val="accent2"/>
+                </a:solidFill>
+              </a:rPr>
+              <a:t>DCx</a:t>
+            </a:r>
+            <a:r>
+              <a:rPr lang="en-US" b="1" dirty="0" smtClean="0">
+                <a:solidFill>
+                  <a:schemeClr val="accent2"/>
+                </a:solidFill>
+              </a:rPr>
+              <a:t> </a:t>
+            </a:r>
+            <a:r>
+              <a:rPr lang="en-US" b="1" dirty="0">
+                <a:solidFill>
+                  <a:schemeClr val="accent2"/>
+                </a:solidFill>
+              </a:rPr>
+              <a:t>= </a:t>
+            </a:r>
+            <a:r>
+              <a:rPr lang="en-US" b="1" dirty="0" smtClean="0">
+                <a:solidFill>
+                  <a:schemeClr val="accent2"/>
+                </a:solidFill>
+              </a:rPr>
+              <a:t>200</a:t>
+            </a:r>
+            <a:r>
+              <a:rPr lang="en-US" b="1" dirty="0">
+                <a:solidFill>
+                  <a:schemeClr val="accent2"/>
+                </a:solidFill>
+              </a:rPr>
+              <a:t>, </a:t>
+            </a:r>
+            <a:r>
+              <a:rPr lang="en-US" b="1" dirty="0" err="1" smtClean="0">
+                <a:solidFill>
+                  <a:schemeClr val="accent2"/>
+                </a:solidFill>
+              </a:rPr>
+              <a:t>DCy</a:t>
+            </a:r>
+            <a:r>
+              <a:rPr lang="en-US" b="1" dirty="0" smtClean="0">
+                <a:solidFill>
+                  <a:schemeClr val="accent2"/>
+                </a:solidFill>
+              </a:rPr>
+              <a:t>=200</a:t>
+            </a:r>
+          </a:p>
+          <a:p>
+            <a:pPr lvl="3"/>
+            <a:r>
+              <a:rPr lang="en-US" b="1" dirty="0" smtClean="0">
+                <a:solidFill>
+                  <a:schemeClr val="accent2"/>
+                </a:solidFill>
+                <a:sym typeface="Wingdings" panose="05000000000000000000" pitchFamily="2" charset="2"/>
+              </a:rPr>
+              <a:t> Orange cares about this point (in Orange viewport)</a:t>
+            </a:r>
+            <a:endParaRPr lang="en-US" b="1" dirty="0">
+              <a:solidFill>
+                <a:schemeClr val="accent2"/>
+              </a:solidFill>
+            </a:endParaRPr>
+          </a:p>
+          <a:p>
+            <a:pPr lvl="2"/>
+            <a:r>
+              <a:rPr lang="en-US" dirty="0"/>
+              <a:t>With respect to </a:t>
+            </a:r>
+            <a:r>
+              <a:rPr lang="en-US" b="1" dirty="0">
+                <a:solidFill>
+                  <a:srgbClr val="FF0000"/>
+                </a:solidFill>
+              </a:rPr>
+              <a:t>Red: X = </a:t>
+            </a:r>
+            <a:r>
+              <a:rPr lang="en-US" b="1" dirty="0" smtClean="0">
+                <a:solidFill>
+                  <a:srgbClr val="FF0000"/>
+                </a:solidFill>
+              </a:rPr>
+              <a:t>250, </a:t>
+            </a:r>
+            <a:r>
+              <a:rPr lang="en-US" b="1" dirty="0">
+                <a:solidFill>
+                  <a:srgbClr val="FF0000"/>
+                </a:solidFill>
+              </a:rPr>
+              <a:t>Y= </a:t>
+            </a:r>
+            <a:r>
+              <a:rPr lang="en-US" b="1" dirty="0" smtClean="0">
+                <a:solidFill>
+                  <a:srgbClr val="FF0000"/>
+                </a:solidFill>
+              </a:rPr>
+              <a:t>300</a:t>
+            </a:r>
+          </a:p>
+          <a:p>
+            <a:pPr lvl="3"/>
+            <a:r>
+              <a:rPr lang="en-US" b="1" dirty="0" smtClean="0">
+                <a:solidFill>
+                  <a:srgbClr val="FF0000"/>
+                </a:solidFill>
+                <a:sym typeface="Wingdings" panose="05000000000000000000" pitchFamily="2" charset="2"/>
+              </a:rPr>
+              <a:t> Red does not care (outside of Red viewport)</a:t>
+            </a:r>
+            <a:endParaRPr lang="en-US" b="1" dirty="0">
+              <a:solidFill>
+                <a:srgbClr val="FF0000"/>
+              </a:solidFill>
+            </a:endParaRPr>
+          </a:p>
+          <a:p>
+            <a:pPr marL="914400" lvl="2" indent="0">
+              <a:buNone/>
+            </a:pPr>
+            <a:endParaRPr lang="en-US" dirty="0" smtClean="0"/>
+          </a:p>
+        </p:txBody>
+      </p:sp>
+      <p:grpSp>
+        <p:nvGrpSpPr>
+          <p:cNvPr id="14" name="Group 13"/>
+          <p:cNvGrpSpPr/>
+          <p:nvPr/>
+        </p:nvGrpSpPr>
+        <p:grpSpPr>
+          <a:xfrm>
+            <a:off x="7534275" y="862965"/>
+            <a:ext cx="4572000" cy="3660616"/>
+            <a:chOff x="7700645" y="1310640"/>
+            <a:chExt cx="4572000" cy="3660616"/>
+          </a:xfrm>
+        </p:grpSpPr>
+        <p:grpSp>
+          <p:nvGrpSpPr>
+            <p:cNvPr id="15" name="Group 14"/>
+            <p:cNvGrpSpPr/>
+            <p:nvPr/>
+          </p:nvGrpSpPr>
+          <p:grpSpPr>
+            <a:xfrm>
+              <a:off x="7700645" y="1310640"/>
+              <a:ext cx="4572000" cy="3657600"/>
+              <a:chOff x="7700645" y="1310640"/>
+              <a:chExt cx="4572000" cy="3657600"/>
+            </a:xfrm>
+          </p:grpSpPr>
+          <p:sp>
+            <p:nvSpPr>
+              <p:cNvPr id="25" name="Rectangle 24"/>
+              <p:cNvSpPr/>
+              <p:nvPr/>
+            </p:nvSpPr>
+            <p:spPr>
+              <a:xfrm>
+                <a:off x="7700645" y="1310640"/>
+                <a:ext cx="4572000" cy="3657600"/>
+              </a:xfrm>
+              <a:prstGeom prst="rect">
+                <a:avLst/>
+              </a:prstGeom>
+            </p:spPr>
+            <p:style>
+              <a:lnRef idx="2">
+                <a:schemeClr val="accent1">
+                  <a:shade val="50000"/>
+                </a:schemeClr>
+              </a:lnRef>
+              <a:fillRef idx="1">
+                <a:schemeClr val="accent1"/>
+              </a:fillRef>
+              <a:effectRef idx="0">
+                <a:schemeClr val="accent1"/>
+              </a:effectRef>
+              <a:fontRef idx="minor">
+                <a:schemeClr val="lt1"/>
+              </a:fontRef>
+            </p:style>
+            <p:txBody>
+              <a:bodyPr rtlCol="0" anchor="ctr"/>
+              <a:lstStyle/>
+              <a:p>
+                <a:pPr algn="ctr"/>
+                <a:endParaRPr lang="en-US"/>
+              </a:p>
+            </p:txBody>
+          </p:sp>
+          <p:sp>
+            <p:nvSpPr>
+              <p:cNvPr id="26" name="Rectangle 25"/>
+              <p:cNvSpPr/>
+              <p:nvPr/>
+            </p:nvSpPr>
+            <p:spPr>
+              <a:xfrm>
+                <a:off x="8148320" y="1323340"/>
+                <a:ext cx="1828800" cy="2743200"/>
+              </a:xfrm>
+              <a:prstGeom prst="rect">
+                <a:avLst/>
+              </a:prstGeom>
+              <a:solidFill>
+                <a:schemeClr val="accent2"/>
+              </a:solidFill>
+            </p:spPr>
+            <p:style>
+              <a:lnRef idx="2">
+                <a:schemeClr val="accent1">
+                  <a:shade val="50000"/>
+                </a:schemeClr>
+              </a:lnRef>
+              <a:fillRef idx="1">
+                <a:schemeClr val="accent1"/>
+              </a:fillRef>
+              <a:effectRef idx="0">
+                <a:schemeClr val="accent1"/>
+              </a:effectRef>
+              <a:fontRef idx="minor">
+                <a:schemeClr val="lt1"/>
+              </a:fontRef>
+            </p:style>
+            <p:txBody>
+              <a:bodyPr rtlCol="0" anchor="ctr"/>
+              <a:lstStyle/>
+              <a:p>
+                <a:pPr algn="ctr"/>
+                <a:endParaRPr lang="en-US"/>
+              </a:p>
+            </p:txBody>
+          </p:sp>
+          <p:sp>
+            <p:nvSpPr>
+              <p:cNvPr id="27" name="Rectangle 26"/>
+              <p:cNvSpPr/>
+              <p:nvPr/>
+            </p:nvSpPr>
+            <p:spPr>
+              <a:xfrm>
+                <a:off x="7919720" y="4066540"/>
+                <a:ext cx="457200" cy="457200"/>
+              </a:xfrm>
+              <a:prstGeom prst="rect">
+                <a:avLst/>
+              </a:prstGeom>
+              <a:solidFill>
+                <a:srgbClr val="FF0000"/>
+              </a:solidFill>
+            </p:spPr>
+            <p:style>
+              <a:lnRef idx="2">
+                <a:schemeClr val="accent1">
+                  <a:shade val="50000"/>
+                </a:schemeClr>
+              </a:lnRef>
+              <a:fillRef idx="1">
+                <a:schemeClr val="accent1"/>
+              </a:fillRef>
+              <a:effectRef idx="0">
+                <a:schemeClr val="accent1"/>
+              </a:effectRef>
+              <a:fontRef idx="minor">
+                <a:schemeClr val="lt1"/>
+              </a:fontRef>
+            </p:style>
+            <p:txBody>
+              <a:bodyPr rtlCol="0" anchor="ctr"/>
+              <a:lstStyle/>
+              <a:p>
+                <a:pPr algn="ctr"/>
+                <a:endParaRPr lang="en-US"/>
+              </a:p>
+            </p:txBody>
+          </p:sp>
+          <p:sp>
+            <p:nvSpPr>
+              <p:cNvPr id="28" name="Flowchart: Summing Junction 27"/>
+              <p:cNvSpPr/>
+              <p:nvPr/>
+            </p:nvSpPr>
+            <p:spPr>
+              <a:xfrm>
+                <a:off x="7762240" y="4388166"/>
+                <a:ext cx="314960" cy="270511"/>
+              </a:xfrm>
+              <a:prstGeom prst="flowChartSummingJunction">
+                <a:avLst/>
+              </a:prstGeom>
+              <a:solidFill>
+                <a:schemeClr val="accent1">
+                  <a:alpha val="12000"/>
+                </a:schemeClr>
+              </a:solidFill>
+              <a:ln w="76200">
+                <a:solidFill>
+                  <a:schemeClr val="accent6">
+                    <a:lumMod val="75000"/>
+                  </a:schemeClr>
+                </a:solidFill>
+              </a:ln>
+            </p:spPr>
+            <p:style>
+              <a:lnRef idx="2">
+                <a:schemeClr val="accent1">
+                  <a:shade val="50000"/>
+                </a:schemeClr>
+              </a:lnRef>
+              <a:fillRef idx="1">
+                <a:schemeClr val="accent1"/>
+              </a:fillRef>
+              <a:effectRef idx="0">
+                <a:schemeClr val="accent1"/>
+              </a:effectRef>
+              <a:fontRef idx="minor">
+                <a:schemeClr val="lt1"/>
+              </a:fontRef>
+            </p:style>
+            <p:txBody>
+              <a:bodyPr rtlCol="0" anchor="ctr"/>
+              <a:lstStyle/>
+              <a:p>
+                <a:pPr algn="ctr"/>
+                <a:endParaRPr lang="en-US"/>
+              </a:p>
+            </p:txBody>
+          </p:sp>
+          <p:sp>
+            <p:nvSpPr>
+              <p:cNvPr id="29" name="Flowchart: Summing Junction 28"/>
+              <p:cNvSpPr/>
+              <p:nvPr/>
+            </p:nvSpPr>
+            <p:spPr>
+              <a:xfrm>
+                <a:off x="8902700" y="3026093"/>
+                <a:ext cx="314960" cy="270511"/>
+              </a:xfrm>
+              <a:prstGeom prst="flowChartSummingJunction">
+                <a:avLst/>
+              </a:prstGeom>
+              <a:solidFill>
+                <a:schemeClr val="accent1">
+                  <a:alpha val="12000"/>
+                </a:schemeClr>
+              </a:solidFill>
+              <a:ln w="76200">
+                <a:solidFill>
+                  <a:schemeClr val="accent5">
+                    <a:lumMod val="75000"/>
+                  </a:schemeClr>
+                </a:solidFill>
+              </a:ln>
+            </p:spPr>
+            <p:style>
+              <a:lnRef idx="2">
+                <a:schemeClr val="accent1">
+                  <a:shade val="50000"/>
+                </a:schemeClr>
+              </a:lnRef>
+              <a:fillRef idx="1">
+                <a:schemeClr val="accent1"/>
+              </a:fillRef>
+              <a:effectRef idx="0">
+                <a:schemeClr val="accent1"/>
+              </a:effectRef>
+              <a:fontRef idx="minor">
+                <a:schemeClr val="lt1"/>
+              </a:fontRef>
+            </p:style>
+            <p:txBody>
+              <a:bodyPr rtlCol="0" anchor="ctr"/>
+              <a:lstStyle/>
+              <a:p>
+                <a:pPr algn="ctr"/>
+                <a:endParaRPr lang="en-US"/>
+              </a:p>
+            </p:txBody>
+          </p:sp>
+        </p:grpSp>
+        <p:sp>
+          <p:nvSpPr>
+            <p:cNvPr id="16" name="Rectangle 15"/>
+            <p:cNvSpPr/>
+            <p:nvPr/>
+          </p:nvSpPr>
+          <p:spPr>
+            <a:xfrm>
+              <a:off x="7700645" y="1323340"/>
+              <a:ext cx="457200" cy="3644900"/>
+            </a:xfrm>
+            <a:prstGeom prst="rect">
+              <a:avLst/>
+            </a:prstGeom>
+            <a:noFill/>
+            <a:ln>
+              <a:solidFill>
+                <a:schemeClr val="tx1"/>
+              </a:solidFill>
+              <a:prstDash val="dash"/>
+            </a:ln>
+          </p:spPr>
+          <p:style>
+            <a:lnRef idx="2">
+              <a:schemeClr val="accent1">
+                <a:shade val="50000"/>
+              </a:schemeClr>
+            </a:lnRef>
+            <a:fillRef idx="1">
+              <a:schemeClr val="accent1"/>
+            </a:fillRef>
+            <a:effectRef idx="0">
+              <a:schemeClr val="accent1"/>
+            </a:effectRef>
+            <a:fontRef idx="minor">
+              <a:schemeClr val="lt1"/>
+            </a:fontRef>
+          </p:style>
+          <p:txBody>
+            <a:bodyPr rtlCol="0" anchor="ctr"/>
+            <a:lstStyle/>
+            <a:p>
+              <a:pPr algn="ctr"/>
+              <a:endParaRPr lang="en-US"/>
+            </a:p>
+          </p:txBody>
+        </p:sp>
+        <p:sp>
+          <p:nvSpPr>
+            <p:cNvPr id="17" name="Rectangle 16"/>
+            <p:cNvSpPr/>
+            <p:nvPr/>
+          </p:nvSpPr>
+          <p:spPr>
+            <a:xfrm>
+              <a:off x="8148320" y="1310640"/>
+              <a:ext cx="457200" cy="3644900"/>
+            </a:xfrm>
+            <a:prstGeom prst="rect">
+              <a:avLst/>
+            </a:prstGeom>
+            <a:noFill/>
+            <a:ln>
+              <a:solidFill>
+                <a:schemeClr val="tx1"/>
+              </a:solidFill>
+              <a:prstDash val="dash"/>
+            </a:ln>
+          </p:spPr>
+          <p:style>
+            <a:lnRef idx="2">
+              <a:schemeClr val="accent1">
+                <a:shade val="50000"/>
+              </a:schemeClr>
+            </a:lnRef>
+            <a:fillRef idx="1">
+              <a:schemeClr val="accent1"/>
+            </a:fillRef>
+            <a:effectRef idx="0">
+              <a:schemeClr val="accent1"/>
+            </a:effectRef>
+            <a:fontRef idx="minor">
+              <a:schemeClr val="lt1"/>
+            </a:fontRef>
+          </p:style>
+          <p:txBody>
+            <a:bodyPr rtlCol="0" anchor="ctr"/>
+            <a:lstStyle/>
+            <a:p>
+              <a:pPr algn="ctr"/>
+              <a:endParaRPr lang="en-US"/>
+            </a:p>
+          </p:txBody>
+        </p:sp>
+        <p:sp>
+          <p:nvSpPr>
+            <p:cNvPr id="18" name="Rectangle 17"/>
+            <p:cNvSpPr/>
+            <p:nvPr/>
+          </p:nvSpPr>
+          <p:spPr>
+            <a:xfrm>
+              <a:off x="8608060" y="1314767"/>
+              <a:ext cx="457200" cy="3644900"/>
+            </a:xfrm>
+            <a:prstGeom prst="rect">
+              <a:avLst/>
+            </a:prstGeom>
+            <a:noFill/>
+            <a:ln>
+              <a:solidFill>
+                <a:schemeClr val="tx1"/>
+              </a:solidFill>
+              <a:prstDash val="dash"/>
+            </a:ln>
+          </p:spPr>
+          <p:style>
+            <a:lnRef idx="2">
+              <a:schemeClr val="accent1">
+                <a:shade val="50000"/>
+              </a:schemeClr>
+            </a:lnRef>
+            <a:fillRef idx="1">
+              <a:schemeClr val="accent1"/>
+            </a:fillRef>
+            <a:effectRef idx="0">
+              <a:schemeClr val="accent1"/>
+            </a:effectRef>
+            <a:fontRef idx="minor">
+              <a:schemeClr val="lt1"/>
+            </a:fontRef>
+          </p:style>
+          <p:txBody>
+            <a:bodyPr rtlCol="0" anchor="ctr"/>
+            <a:lstStyle/>
+            <a:p>
+              <a:pPr algn="ctr"/>
+              <a:endParaRPr lang="en-US"/>
+            </a:p>
+          </p:txBody>
+        </p:sp>
+        <p:sp>
+          <p:nvSpPr>
+            <p:cNvPr id="19" name="Rectangle 18"/>
+            <p:cNvSpPr/>
+            <p:nvPr/>
+          </p:nvSpPr>
+          <p:spPr>
+            <a:xfrm>
+              <a:off x="9077325" y="1310957"/>
+              <a:ext cx="457200" cy="3644900"/>
+            </a:xfrm>
+            <a:prstGeom prst="rect">
+              <a:avLst/>
+            </a:prstGeom>
+            <a:noFill/>
+            <a:ln>
+              <a:solidFill>
+                <a:schemeClr val="tx1"/>
+              </a:solidFill>
+              <a:prstDash val="dash"/>
+            </a:ln>
+          </p:spPr>
+          <p:style>
+            <a:lnRef idx="2">
+              <a:schemeClr val="accent1">
+                <a:shade val="50000"/>
+              </a:schemeClr>
+            </a:lnRef>
+            <a:fillRef idx="1">
+              <a:schemeClr val="accent1"/>
+            </a:fillRef>
+            <a:effectRef idx="0">
+              <a:schemeClr val="accent1"/>
+            </a:effectRef>
+            <a:fontRef idx="minor">
+              <a:schemeClr val="lt1"/>
+            </a:fontRef>
+          </p:style>
+          <p:txBody>
+            <a:bodyPr rtlCol="0" anchor="ctr"/>
+            <a:lstStyle/>
+            <a:p>
+              <a:pPr algn="ctr"/>
+              <a:endParaRPr lang="en-US"/>
+            </a:p>
+          </p:txBody>
+        </p:sp>
+        <p:sp>
+          <p:nvSpPr>
+            <p:cNvPr id="20" name="Rectangle 19"/>
+            <p:cNvSpPr/>
+            <p:nvPr/>
+          </p:nvSpPr>
+          <p:spPr>
+            <a:xfrm>
+              <a:off x="9534525" y="1320482"/>
+              <a:ext cx="457200" cy="3644900"/>
+            </a:xfrm>
+            <a:prstGeom prst="rect">
+              <a:avLst/>
+            </a:prstGeom>
+            <a:noFill/>
+            <a:ln>
+              <a:solidFill>
+                <a:schemeClr val="tx1"/>
+              </a:solidFill>
+              <a:prstDash val="dash"/>
+            </a:ln>
+          </p:spPr>
+          <p:style>
+            <a:lnRef idx="2">
+              <a:schemeClr val="accent1">
+                <a:shade val="50000"/>
+              </a:schemeClr>
+            </a:lnRef>
+            <a:fillRef idx="1">
+              <a:schemeClr val="accent1"/>
+            </a:fillRef>
+            <a:effectRef idx="0">
+              <a:schemeClr val="accent1"/>
+            </a:effectRef>
+            <a:fontRef idx="minor">
+              <a:schemeClr val="lt1"/>
+            </a:fontRef>
+          </p:style>
+          <p:txBody>
+            <a:bodyPr rtlCol="0" anchor="ctr"/>
+            <a:lstStyle/>
+            <a:p>
+              <a:pPr algn="ctr"/>
+              <a:endParaRPr lang="en-US"/>
+            </a:p>
+          </p:txBody>
+        </p:sp>
+        <p:sp>
+          <p:nvSpPr>
+            <p:cNvPr id="21" name="Rectangle 20"/>
+            <p:cNvSpPr/>
+            <p:nvPr/>
+          </p:nvSpPr>
+          <p:spPr>
+            <a:xfrm>
+              <a:off x="7710169" y="4508024"/>
+              <a:ext cx="3005455" cy="463232"/>
+            </a:xfrm>
+            <a:prstGeom prst="rect">
+              <a:avLst/>
+            </a:prstGeom>
+            <a:noFill/>
+            <a:ln>
+              <a:solidFill>
+                <a:schemeClr val="tx1"/>
+              </a:solidFill>
+              <a:prstDash val="dash"/>
+            </a:ln>
+          </p:spPr>
+          <p:style>
+            <a:lnRef idx="2">
+              <a:schemeClr val="accent1">
+                <a:shade val="50000"/>
+              </a:schemeClr>
+            </a:lnRef>
+            <a:fillRef idx="1">
+              <a:schemeClr val="accent1"/>
+            </a:fillRef>
+            <a:effectRef idx="0">
+              <a:schemeClr val="accent1"/>
+            </a:effectRef>
+            <a:fontRef idx="minor">
+              <a:schemeClr val="lt1"/>
+            </a:fontRef>
+          </p:style>
+          <p:txBody>
+            <a:bodyPr rtlCol="0" anchor="ctr"/>
+            <a:lstStyle/>
+            <a:p>
+              <a:pPr algn="ctr"/>
+              <a:endParaRPr lang="en-US"/>
+            </a:p>
+          </p:txBody>
+        </p:sp>
+        <p:sp>
+          <p:nvSpPr>
+            <p:cNvPr id="22" name="Rectangle 21"/>
+            <p:cNvSpPr/>
+            <p:nvPr/>
+          </p:nvSpPr>
+          <p:spPr>
+            <a:xfrm>
+              <a:off x="7700645" y="4039394"/>
+              <a:ext cx="3005455" cy="463232"/>
+            </a:xfrm>
+            <a:prstGeom prst="rect">
+              <a:avLst/>
+            </a:prstGeom>
+            <a:noFill/>
+            <a:ln>
+              <a:solidFill>
+                <a:schemeClr val="tx1"/>
+              </a:solidFill>
+              <a:prstDash val="dash"/>
+            </a:ln>
+          </p:spPr>
+          <p:style>
+            <a:lnRef idx="2">
+              <a:schemeClr val="accent1">
+                <a:shade val="50000"/>
+              </a:schemeClr>
+            </a:lnRef>
+            <a:fillRef idx="1">
+              <a:schemeClr val="accent1"/>
+            </a:fillRef>
+            <a:effectRef idx="0">
+              <a:schemeClr val="accent1"/>
+            </a:effectRef>
+            <a:fontRef idx="minor">
+              <a:schemeClr val="lt1"/>
+            </a:fontRef>
+          </p:style>
+          <p:txBody>
+            <a:bodyPr rtlCol="0" anchor="ctr"/>
+            <a:lstStyle/>
+            <a:p>
+              <a:pPr algn="ctr"/>
+              <a:endParaRPr lang="en-US"/>
+            </a:p>
+          </p:txBody>
+        </p:sp>
+        <p:sp>
+          <p:nvSpPr>
+            <p:cNvPr id="23" name="Rectangle 22"/>
+            <p:cNvSpPr/>
+            <p:nvPr/>
+          </p:nvSpPr>
+          <p:spPr>
+            <a:xfrm>
+              <a:off x="7700645" y="3572669"/>
+              <a:ext cx="3005455" cy="463232"/>
+            </a:xfrm>
+            <a:prstGeom prst="rect">
+              <a:avLst/>
+            </a:prstGeom>
+            <a:noFill/>
+            <a:ln>
+              <a:solidFill>
+                <a:schemeClr val="tx1"/>
+              </a:solidFill>
+              <a:prstDash val="dash"/>
+            </a:ln>
+          </p:spPr>
+          <p:style>
+            <a:lnRef idx="2">
+              <a:schemeClr val="accent1">
+                <a:shade val="50000"/>
+              </a:schemeClr>
+            </a:lnRef>
+            <a:fillRef idx="1">
+              <a:schemeClr val="accent1"/>
+            </a:fillRef>
+            <a:effectRef idx="0">
+              <a:schemeClr val="accent1"/>
+            </a:effectRef>
+            <a:fontRef idx="minor">
+              <a:schemeClr val="lt1"/>
+            </a:fontRef>
+          </p:style>
+          <p:txBody>
+            <a:bodyPr rtlCol="0" anchor="ctr"/>
+            <a:lstStyle/>
+            <a:p>
+              <a:pPr algn="ctr"/>
+              <a:endParaRPr lang="en-US"/>
+            </a:p>
+          </p:txBody>
+        </p:sp>
+        <p:sp>
+          <p:nvSpPr>
+            <p:cNvPr id="24" name="Rectangle 23"/>
+            <p:cNvSpPr/>
+            <p:nvPr/>
+          </p:nvSpPr>
+          <p:spPr>
+            <a:xfrm>
+              <a:off x="7700645" y="3105944"/>
+              <a:ext cx="3005455" cy="463232"/>
+            </a:xfrm>
+            <a:prstGeom prst="rect">
+              <a:avLst/>
+            </a:prstGeom>
+            <a:noFill/>
+            <a:ln>
+              <a:solidFill>
+                <a:schemeClr val="tx1"/>
+              </a:solidFill>
+              <a:prstDash val="dash"/>
+            </a:ln>
+          </p:spPr>
+          <p:style>
+            <a:lnRef idx="2">
+              <a:schemeClr val="accent1">
+                <a:shade val="50000"/>
+              </a:schemeClr>
+            </a:lnRef>
+            <a:fillRef idx="1">
+              <a:schemeClr val="accent1"/>
+            </a:fillRef>
+            <a:effectRef idx="0">
+              <a:schemeClr val="accent1"/>
+            </a:effectRef>
+            <a:fontRef idx="minor">
+              <a:schemeClr val="lt1"/>
+            </a:fontRef>
+          </p:style>
+          <p:txBody>
+            <a:bodyPr rtlCol="0" anchor="ctr"/>
+            <a:lstStyle/>
+            <a:p>
+              <a:pPr algn="ctr"/>
+              <a:endParaRPr lang="en-US"/>
+            </a:p>
+          </p:txBody>
+        </p:sp>
+      </p:grpSp>
+    </p:spTree>
+    <p:extLst>
+      <p:ext uri="{BB962C8B-B14F-4D97-AF65-F5344CB8AC3E}">
+        <p14:creationId xmlns:p14="http://schemas.microsoft.com/office/powerpoint/2010/main" val="676875713"/>
+      </p:ext>
+    </p:extLst>
+  </p:cSld>
+  <p:clrMapOvr>
+    <a:masterClrMapping/>
+  </p:clrMapOvr>
+  <p:timing>
+    <p:tnLst>
+      <p:par>
+        <p:cTn id="1" dur="indefinite" restart="never" nodeType="tmRoot"/>
+      </p:par>
+    </p:tnLst>
+  </p:timing>
+</p:sld>
+</file>
+
+<file path=ppt/slides/slide46.xml><?xml version="1.0" encoding="utf-8"?>
+<p:sld xmlns:a="http://schemas.openxmlformats.org/drawingml/2006/main" xmlns:r="http://schemas.openxmlformats.org/officeDocument/2006/relationships" xmlns:p="http://schemas.openxmlformats.org/presentationml/2006/main">
+  <p:cSld>
+    <p:spTree>
+      <p:nvGrpSpPr>
+        <p:cNvPr id="1" name=""/>
+        <p:cNvGrpSpPr/>
+        <p:nvPr/>
+      </p:nvGrpSpPr>
+      <p:grpSpPr>
+        <a:xfrm>
+          <a:off x="0" y="0"/>
+          <a:ext cx="0" cy="0"/>
+          <a:chOff x="0" y="0"/>
+          <a:chExt cx="0" cy="0"/>
+        </a:xfrm>
+      </p:grpSpPr>
+      <p:grpSp>
+        <p:nvGrpSpPr>
+          <p:cNvPr id="13" name="Group 12"/>
+          <p:cNvGrpSpPr/>
+          <p:nvPr/>
+        </p:nvGrpSpPr>
+        <p:grpSpPr>
+          <a:xfrm>
+            <a:off x="7353299" y="-157321"/>
+            <a:ext cx="5029201" cy="4953318"/>
+            <a:chOff x="7162799" y="454024"/>
+            <a:chExt cx="5029201" cy="4953318"/>
+          </a:xfrm>
+        </p:grpSpPr>
+        <p:grpSp>
+          <p:nvGrpSpPr>
+            <p:cNvPr id="6" name="Group 5"/>
+            <p:cNvGrpSpPr/>
+            <p:nvPr/>
+          </p:nvGrpSpPr>
+          <p:grpSpPr>
+            <a:xfrm>
+              <a:off x="7509510" y="712946"/>
+              <a:ext cx="4572000" cy="3657600"/>
+              <a:chOff x="2316480" y="3098800"/>
+              <a:chExt cx="4572000" cy="3657600"/>
+            </a:xfrm>
+          </p:grpSpPr>
+          <p:sp>
+            <p:nvSpPr>
+              <p:cNvPr id="7" name="Rectangle 6"/>
+              <p:cNvSpPr/>
+              <p:nvPr/>
+            </p:nvSpPr>
+            <p:spPr>
+              <a:xfrm>
+                <a:off x="2316480" y="3098800"/>
+                <a:ext cx="4572000" cy="3657600"/>
+              </a:xfrm>
+              <a:prstGeom prst="rect">
+                <a:avLst/>
+              </a:prstGeom>
+            </p:spPr>
+            <p:style>
+              <a:lnRef idx="2">
+                <a:schemeClr val="accent1">
+                  <a:shade val="50000"/>
+                </a:schemeClr>
+              </a:lnRef>
+              <a:fillRef idx="1">
+                <a:schemeClr val="accent1"/>
+              </a:fillRef>
+              <a:effectRef idx="0">
+                <a:schemeClr val="accent1"/>
+              </a:effectRef>
+              <a:fontRef idx="minor">
+                <a:schemeClr val="lt1"/>
+              </a:fontRef>
+            </p:style>
+            <p:txBody>
+              <a:bodyPr rtlCol="0" anchor="ctr"/>
+              <a:lstStyle/>
+              <a:p>
+                <a:pPr algn="ctr"/>
+                <a:endParaRPr lang="en-US"/>
+              </a:p>
+            </p:txBody>
+          </p:sp>
+          <p:sp>
+            <p:nvSpPr>
+              <p:cNvPr id="8" name="Rectangle 7"/>
+              <p:cNvSpPr/>
+              <p:nvPr/>
+            </p:nvSpPr>
+            <p:spPr>
+              <a:xfrm>
+                <a:off x="2773680" y="3111500"/>
+                <a:ext cx="1828800" cy="2743200"/>
+              </a:xfrm>
+              <a:prstGeom prst="rect">
+                <a:avLst/>
+              </a:prstGeom>
+              <a:solidFill>
+                <a:schemeClr val="accent2"/>
+              </a:solidFill>
+            </p:spPr>
+            <p:style>
+              <a:lnRef idx="2">
+                <a:schemeClr val="accent1">
+                  <a:shade val="50000"/>
+                </a:schemeClr>
+              </a:lnRef>
+              <a:fillRef idx="1">
+                <a:schemeClr val="accent1"/>
+              </a:fillRef>
+              <a:effectRef idx="0">
+                <a:schemeClr val="accent1"/>
+              </a:effectRef>
+              <a:fontRef idx="minor">
+                <a:schemeClr val="lt1"/>
+              </a:fontRef>
+            </p:style>
+            <p:txBody>
+              <a:bodyPr rtlCol="0" anchor="ctr"/>
+              <a:lstStyle/>
+              <a:p>
+                <a:pPr algn="ctr"/>
+                <a:endParaRPr lang="en-US"/>
+              </a:p>
+            </p:txBody>
+          </p:sp>
+          <p:sp>
+            <p:nvSpPr>
+              <p:cNvPr id="9" name="Rectangle 8"/>
+              <p:cNvSpPr/>
+              <p:nvPr/>
+            </p:nvSpPr>
+            <p:spPr>
+              <a:xfrm>
+                <a:off x="2545080" y="5854700"/>
+                <a:ext cx="457200" cy="457200"/>
+              </a:xfrm>
+              <a:prstGeom prst="rect">
+                <a:avLst/>
+              </a:prstGeom>
+              <a:solidFill>
+                <a:srgbClr val="FF0000"/>
+              </a:solidFill>
+            </p:spPr>
+            <p:style>
+              <a:lnRef idx="2">
+                <a:schemeClr val="accent1">
+                  <a:shade val="50000"/>
+                </a:schemeClr>
+              </a:lnRef>
+              <a:fillRef idx="1">
+                <a:schemeClr val="accent1"/>
+              </a:fillRef>
+              <a:effectRef idx="0">
+                <a:schemeClr val="accent1"/>
+              </a:effectRef>
+              <a:fontRef idx="minor">
+                <a:schemeClr val="lt1"/>
+              </a:fontRef>
+            </p:style>
+            <p:txBody>
+              <a:bodyPr rtlCol="0" anchor="ctr"/>
+              <a:lstStyle/>
+              <a:p>
+                <a:pPr algn="ctr"/>
+                <a:endParaRPr lang="en-US"/>
+              </a:p>
+            </p:txBody>
+          </p:sp>
+        </p:grpSp>
+        <p:sp>
+          <p:nvSpPr>
+            <p:cNvPr id="10" name="Rectangle 9"/>
+            <p:cNvSpPr/>
+            <p:nvPr/>
+          </p:nvSpPr>
+          <p:spPr>
+            <a:xfrm>
+              <a:off x="7162799" y="454024"/>
+              <a:ext cx="5029201" cy="2470151"/>
+            </a:xfrm>
+            <a:prstGeom prst="rect">
+              <a:avLst/>
+            </a:prstGeom>
+            <a:solidFill>
+              <a:schemeClr val="bg1"/>
+            </a:solidFill>
+            <a:ln>
+              <a:noFill/>
+            </a:ln>
+          </p:spPr>
+          <p:style>
+            <a:lnRef idx="2">
+              <a:schemeClr val="accent1">
+                <a:shade val="50000"/>
+              </a:schemeClr>
+            </a:lnRef>
+            <a:fillRef idx="1">
+              <a:schemeClr val="accent1"/>
+            </a:fillRef>
+            <a:effectRef idx="0">
+              <a:schemeClr val="accent1"/>
+            </a:effectRef>
+            <a:fontRef idx="minor">
+              <a:schemeClr val="lt1"/>
+            </a:fontRef>
+          </p:style>
+          <p:txBody>
+            <a:bodyPr rtlCol="0" anchor="ctr"/>
+            <a:lstStyle/>
+            <a:p>
+              <a:pPr algn="ctr"/>
+              <a:endParaRPr lang="en-US"/>
+            </a:p>
+          </p:txBody>
+        </p:sp>
+        <p:sp>
+          <p:nvSpPr>
+            <p:cNvPr id="11" name="Rectangle 10"/>
+            <p:cNvSpPr/>
+            <p:nvPr/>
+          </p:nvSpPr>
+          <p:spPr>
+            <a:xfrm>
+              <a:off x="8987790" y="2527617"/>
+              <a:ext cx="3093719" cy="2879725"/>
+            </a:xfrm>
+            <a:prstGeom prst="rect">
+              <a:avLst/>
+            </a:prstGeom>
+            <a:solidFill>
+              <a:schemeClr val="bg1"/>
+            </a:solidFill>
+            <a:ln>
+              <a:noFill/>
+            </a:ln>
+          </p:spPr>
+          <p:style>
+            <a:lnRef idx="2">
+              <a:schemeClr val="accent1">
+                <a:shade val="50000"/>
+              </a:schemeClr>
+            </a:lnRef>
+            <a:fillRef idx="1">
+              <a:schemeClr val="accent1"/>
+            </a:fillRef>
+            <a:effectRef idx="0">
+              <a:schemeClr val="accent1"/>
+            </a:effectRef>
+            <a:fontRef idx="minor">
+              <a:schemeClr val="lt1"/>
+            </a:fontRef>
+          </p:style>
+          <p:txBody>
+            <a:bodyPr rtlCol="0" anchor="ctr"/>
+            <a:lstStyle/>
+            <a:p>
+              <a:pPr algn="ctr"/>
+              <a:endParaRPr lang="en-US"/>
+            </a:p>
+          </p:txBody>
+        </p:sp>
+      </p:grpSp>
+      <p:sp>
+        <p:nvSpPr>
+          <p:cNvPr id="2" name="Title 1"/>
+          <p:cNvSpPr>
+            <a:spLocks noGrp="1"/>
+          </p:cNvSpPr>
+          <p:nvPr>
+            <p:ph type="title"/>
+          </p:nvPr>
+        </p:nvSpPr>
+        <p:spPr/>
+        <p:txBody>
+          <a:bodyPr/>
+          <a:lstStyle/>
+          <a:p>
+            <a:r>
+              <a:rPr lang="en-US" b="1" dirty="0" smtClean="0">
+                <a:solidFill>
+                  <a:srgbClr val="FF0000"/>
+                </a:solidFill>
+              </a:rPr>
+              <a:t>Questions</a:t>
+            </a:r>
+            <a:endParaRPr lang="en-US" b="1" dirty="0">
+              <a:solidFill>
+                <a:srgbClr val="FF0000"/>
+              </a:solidFill>
+            </a:endParaRPr>
+          </a:p>
+        </p:txBody>
+      </p:sp>
+      <p:sp>
+        <p:nvSpPr>
+          <p:cNvPr id="3" name="Content Placeholder 2"/>
+          <p:cNvSpPr>
+            <a:spLocks noGrp="1"/>
+          </p:cNvSpPr>
+          <p:nvPr>
+            <p:ph idx="1"/>
+          </p:nvPr>
+        </p:nvSpPr>
+        <p:spPr/>
+        <p:txBody>
+          <a:bodyPr>
+            <a:normAutofit/>
+          </a:bodyPr>
+          <a:lstStyle/>
+          <a:p>
+            <a:r>
+              <a:rPr lang="en-US" b="1" dirty="0" smtClean="0"/>
+              <a:t>Center(100, 100), Width=10</a:t>
+            </a:r>
+            <a:r>
+              <a:rPr lang="en-US" dirty="0" smtClean="0">
+                <a:solidFill>
+                  <a:srgbClr val="FF0000"/>
+                </a:solidFill>
+              </a:rPr>
+              <a:t>, Viewport: [50, 100, 100, 100]</a:t>
+            </a:r>
+          </a:p>
+          <a:p>
+            <a:r>
+              <a:rPr lang="en-US" dirty="0" err="1" smtClean="0"/>
+              <a:t>WCx</a:t>
+            </a:r>
+            <a:r>
+              <a:rPr lang="en-US" dirty="0" smtClean="0"/>
+              <a:t>, </a:t>
+            </a:r>
+            <a:r>
+              <a:rPr lang="en-US" dirty="0" err="1" smtClean="0"/>
+              <a:t>WCy</a:t>
+            </a:r>
+            <a:endParaRPr lang="en-US" dirty="0" smtClean="0"/>
+          </a:p>
+          <a:p>
+            <a:pPr lvl="1"/>
+            <a:r>
+              <a:rPr lang="en-US" b="1" dirty="0">
+                <a:solidFill>
+                  <a:srgbClr val="00B050"/>
+                </a:solidFill>
+              </a:rPr>
+              <a:t>(50, 100): </a:t>
+            </a:r>
+            <a:r>
+              <a:rPr lang="en-US" b="1" dirty="0" smtClean="0">
+                <a:solidFill>
+                  <a:srgbClr val="FF0000"/>
+                </a:solidFill>
+              </a:rPr>
+              <a:t>Red</a:t>
+            </a:r>
+            <a:r>
+              <a:rPr lang="en-US" b="1" dirty="0">
+                <a:solidFill>
+                  <a:srgbClr val="FF0000"/>
+                </a:solidFill>
+              </a:rPr>
+              <a:t>: </a:t>
+            </a:r>
+            <a:r>
+              <a:rPr lang="en-US" b="1" dirty="0" err="1">
+                <a:solidFill>
+                  <a:srgbClr val="FF0000"/>
+                </a:solidFill>
+              </a:rPr>
+              <a:t>DCx</a:t>
+            </a:r>
+            <a:r>
+              <a:rPr lang="en-US" b="1" dirty="0">
+                <a:solidFill>
+                  <a:srgbClr val="FF0000"/>
+                </a:solidFill>
+              </a:rPr>
+              <a:t> = 0, </a:t>
+            </a:r>
+            <a:r>
+              <a:rPr lang="en-US" b="1" dirty="0" err="1">
+                <a:solidFill>
+                  <a:srgbClr val="FF0000"/>
+                </a:solidFill>
+              </a:rPr>
+              <a:t>DCy</a:t>
+            </a:r>
+            <a:r>
+              <a:rPr lang="en-US" b="1" dirty="0">
+                <a:solidFill>
+                  <a:srgbClr val="FF0000"/>
+                </a:solidFill>
+              </a:rPr>
+              <a:t>= </a:t>
+            </a:r>
+            <a:r>
+              <a:rPr lang="en-US" b="1" dirty="0" smtClean="0">
+                <a:solidFill>
+                  <a:srgbClr val="FF0000"/>
+                </a:solidFill>
+              </a:rPr>
+              <a:t>0</a:t>
+            </a:r>
+          </a:p>
+          <a:p>
+            <a:r>
+              <a:rPr lang="en-US" dirty="0" smtClean="0"/>
+              <a:t>Lower-left = (100-10, 100-10) = (90, 90)</a:t>
+            </a:r>
+            <a:endParaRPr lang="en-US" dirty="0"/>
+          </a:p>
+          <a:p>
+            <a:endParaRPr lang="en-US" b="1" dirty="0">
+              <a:solidFill>
+                <a:srgbClr val="FF0000"/>
+              </a:solidFill>
+            </a:endParaRPr>
+          </a:p>
+          <a:p>
+            <a:endParaRPr lang="en-US" dirty="0"/>
+          </a:p>
+        </p:txBody>
+      </p:sp>
+      <p:sp>
+        <p:nvSpPr>
+          <p:cNvPr id="19" name="Flowchart: Summing Junction 18"/>
+          <p:cNvSpPr/>
+          <p:nvPr/>
+        </p:nvSpPr>
+        <p:spPr>
+          <a:xfrm>
+            <a:off x="7874635" y="3181825"/>
+            <a:ext cx="180340" cy="188756"/>
+          </a:xfrm>
+          <a:prstGeom prst="flowChartSummingJunction">
+            <a:avLst/>
+          </a:prstGeom>
+          <a:solidFill>
+            <a:schemeClr val="accent1">
+              <a:alpha val="12000"/>
+            </a:schemeClr>
+          </a:solidFill>
+          <a:ln w="25400">
+            <a:solidFill>
+              <a:schemeClr val="accent6">
+                <a:lumMod val="75000"/>
+              </a:schemeClr>
+            </a:solidFill>
+          </a:ln>
+        </p:spPr>
+        <p:style>
+          <a:lnRef idx="2">
+            <a:schemeClr val="accent1">
+              <a:shade val="50000"/>
+            </a:schemeClr>
+          </a:lnRef>
+          <a:fillRef idx="1">
+            <a:schemeClr val="accent1"/>
+          </a:fillRef>
+          <a:effectRef idx="0">
+            <a:schemeClr val="accent1"/>
+          </a:effectRef>
+          <a:fontRef idx="minor">
+            <a:schemeClr val="lt1"/>
+          </a:fontRef>
+        </p:style>
+        <p:txBody>
+          <a:bodyPr rtlCol="0" anchor="ctr"/>
+          <a:lstStyle/>
+          <a:p>
+            <a:pPr algn="ctr"/>
+            <a:endParaRPr lang="en-US"/>
+          </a:p>
+        </p:txBody>
+      </p:sp>
+      <p:grpSp>
+        <p:nvGrpSpPr>
+          <p:cNvPr id="25" name="Group 24"/>
+          <p:cNvGrpSpPr/>
+          <p:nvPr/>
+        </p:nvGrpSpPr>
+        <p:grpSpPr>
+          <a:xfrm>
+            <a:off x="1681160" y="4001294"/>
+            <a:ext cx="4001136" cy="2403396"/>
+            <a:chOff x="3433760" y="3487264"/>
+            <a:chExt cx="4001136" cy="2403396"/>
+          </a:xfrm>
+        </p:grpSpPr>
+        <p:grpSp>
+          <p:nvGrpSpPr>
+            <p:cNvPr id="24" name="Group 23"/>
+            <p:cNvGrpSpPr/>
+            <p:nvPr/>
+          </p:nvGrpSpPr>
+          <p:grpSpPr>
+            <a:xfrm>
+              <a:off x="3433760" y="3487264"/>
+              <a:ext cx="3958911" cy="2403396"/>
+              <a:chOff x="2239960" y="3370581"/>
+              <a:chExt cx="3958911" cy="2403396"/>
+            </a:xfrm>
+          </p:grpSpPr>
+          <p:sp>
+            <p:nvSpPr>
+              <p:cNvPr id="12" name="Rectangle 11"/>
+              <p:cNvSpPr/>
+              <p:nvPr/>
+            </p:nvSpPr>
+            <p:spPr>
+              <a:xfrm>
+                <a:off x="3408045" y="3370581"/>
+                <a:ext cx="2286000" cy="2286000"/>
+              </a:xfrm>
+              <a:prstGeom prst="rect">
+                <a:avLst/>
+              </a:prstGeom>
+              <a:solidFill>
+                <a:srgbClr val="FF0000"/>
+              </a:solidFill>
+            </p:spPr>
+            <p:style>
+              <a:lnRef idx="2">
+                <a:schemeClr val="accent1">
+                  <a:shade val="50000"/>
+                </a:schemeClr>
+              </a:lnRef>
+              <a:fillRef idx="1">
+                <a:schemeClr val="accent1"/>
+              </a:fillRef>
+              <a:effectRef idx="0">
+                <a:schemeClr val="accent1"/>
+              </a:effectRef>
+              <a:fontRef idx="minor">
+                <a:schemeClr val="lt1"/>
+              </a:fontRef>
+            </p:style>
+            <p:txBody>
+              <a:bodyPr rtlCol="0" anchor="ctr"/>
+              <a:lstStyle/>
+              <a:p>
+                <a:pPr algn="ctr"/>
+                <a:endParaRPr lang="en-US"/>
+              </a:p>
+            </p:txBody>
+          </p:sp>
+          <p:sp>
+            <p:nvSpPr>
+              <p:cNvPr id="14" name="Flowchart: Or 13"/>
+              <p:cNvSpPr/>
+              <p:nvPr/>
+            </p:nvSpPr>
+            <p:spPr>
+              <a:xfrm>
+                <a:off x="4446270" y="4418331"/>
+                <a:ext cx="209550" cy="190500"/>
+              </a:xfrm>
+              <a:prstGeom prst="flowChartOr">
+                <a:avLst/>
+              </a:prstGeom>
+              <a:solidFill>
+                <a:schemeClr val="accent1">
+                  <a:alpha val="0"/>
+                </a:schemeClr>
+              </a:solidFill>
+              <a:ln w="31750">
+                <a:solidFill>
+                  <a:schemeClr val="tx1"/>
+                </a:solidFill>
+              </a:ln>
+            </p:spPr>
+            <p:style>
+              <a:lnRef idx="2">
+                <a:schemeClr val="accent1">
+                  <a:shade val="50000"/>
+                </a:schemeClr>
+              </a:lnRef>
+              <a:fillRef idx="1">
+                <a:schemeClr val="accent1"/>
+              </a:fillRef>
+              <a:effectRef idx="0">
+                <a:schemeClr val="accent1"/>
+              </a:effectRef>
+              <a:fontRef idx="minor">
+                <a:schemeClr val="lt1"/>
+              </a:fontRef>
+            </p:style>
+            <p:txBody>
+              <a:bodyPr rtlCol="0" anchor="ctr"/>
+              <a:lstStyle/>
+              <a:p>
+                <a:pPr algn="ctr"/>
+                <a:endParaRPr lang="en-US"/>
+              </a:p>
+            </p:txBody>
+          </p:sp>
+          <p:sp>
+            <p:nvSpPr>
+              <p:cNvPr id="16" name="Left Brace 15"/>
+              <p:cNvSpPr/>
+              <p:nvPr/>
+            </p:nvSpPr>
+            <p:spPr>
+              <a:xfrm>
+                <a:off x="2870834" y="3409315"/>
+                <a:ext cx="418465" cy="2064623"/>
+              </a:xfrm>
+              <a:prstGeom prst="leftBrace">
+                <a:avLst>
+                  <a:gd name="adj1" fmla="val 140029"/>
+                  <a:gd name="adj2" fmla="val 50000"/>
+                </a:avLst>
+              </a:prstGeom>
+              <a:ln w="25400">
+                <a:solidFill>
+                  <a:schemeClr val="tx1"/>
+                </a:solidFill>
+              </a:ln>
+            </p:spPr>
+            <p:style>
+              <a:lnRef idx="1">
+                <a:schemeClr val="accent1"/>
+              </a:lnRef>
+              <a:fillRef idx="0">
+                <a:schemeClr val="accent1"/>
+              </a:fillRef>
+              <a:effectRef idx="0">
+                <a:schemeClr val="accent1"/>
+              </a:effectRef>
+              <a:fontRef idx="minor">
+                <a:schemeClr val="tx1"/>
+              </a:fontRef>
+            </p:style>
+            <p:txBody>
+              <a:bodyPr rtlCol="0" anchor="ctr"/>
+              <a:lstStyle/>
+              <a:p>
+                <a:pPr algn="ctr"/>
+                <a:endParaRPr lang="en-US"/>
+              </a:p>
+            </p:txBody>
+          </p:sp>
+          <p:sp>
+            <p:nvSpPr>
+              <p:cNvPr id="17" name="Left Brace 16"/>
+              <p:cNvSpPr/>
+              <p:nvPr/>
+            </p:nvSpPr>
+            <p:spPr>
+              <a:xfrm rot="5400000" flipH="1">
+                <a:off x="4356814" y="2480926"/>
+                <a:ext cx="349726" cy="2247266"/>
+              </a:xfrm>
+              <a:prstGeom prst="leftBrace">
+                <a:avLst>
+                  <a:gd name="adj1" fmla="val 140029"/>
+                  <a:gd name="adj2" fmla="val 50000"/>
+                </a:avLst>
+              </a:prstGeom>
+              <a:ln w="25400">
+                <a:solidFill>
+                  <a:schemeClr val="tx1"/>
+                </a:solidFill>
+              </a:ln>
+            </p:spPr>
+            <p:style>
+              <a:lnRef idx="1">
+                <a:schemeClr val="accent1"/>
+              </a:lnRef>
+              <a:fillRef idx="0">
+                <a:schemeClr val="accent1"/>
+              </a:fillRef>
+              <a:effectRef idx="0">
+                <a:schemeClr val="accent1"/>
+              </a:effectRef>
+              <a:fontRef idx="minor">
+                <a:schemeClr val="tx1"/>
+              </a:fontRef>
+            </p:style>
+            <p:txBody>
+              <a:bodyPr rtlCol="0" anchor="ctr"/>
+              <a:lstStyle/>
+              <a:p>
+                <a:pPr algn="ctr"/>
+                <a:endParaRPr lang="en-US"/>
+              </a:p>
+            </p:txBody>
+          </p:sp>
+          <p:sp>
+            <p:nvSpPr>
+              <p:cNvPr id="18" name="Flowchart: Summing Junction 17"/>
+              <p:cNvSpPr/>
+              <p:nvPr/>
+            </p:nvSpPr>
+            <p:spPr>
+              <a:xfrm>
+                <a:off x="3289299" y="5503466"/>
+                <a:ext cx="314960" cy="270511"/>
+              </a:xfrm>
+              <a:prstGeom prst="flowChartSummingJunction">
+                <a:avLst/>
+              </a:prstGeom>
+              <a:solidFill>
+                <a:schemeClr val="accent1">
+                  <a:alpha val="12000"/>
+                </a:schemeClr>
+              </a:solidFill>
+              <a:ln w="76200">
+                <a:solidFill>
+                  <a:schemeClr val="accent6">
+                    <a:lumMod val="75000"/>
+                  </a:schemeClr>
+                </a:solidFill>
+              </a:ln>
+            </p:spPr>
+            <p:style>
+              <a:lnRef idx="2">
+                <a:schemeClr val="accent1">
+                  <a:shade val="50000"/>
+                </a:schemeClr>
+              </a:lnRef>
+              <a:fillRef idx="1">
+                <a:schemeClr val="accent1"/>
+              </a:fillRef>
+              <a:effectRef idx="0">
+                <a:schemeClr val="accent1"/>
+              </a:effectRef>
+              <a:fontRef idx="minor">
+                <a:schemeClr val="lt1"/>
+              </a:fontRef>
+            </p:style>
+            <p:txBody>
+              <a:bodyPr rtlCol="0" anchor="ctr"/>
+              <a:lstStyle/>
+              <a:p>
+                <a:pPr algn="ctr"/>
+                <a:endParaRPr lang="en-US"/>
+              </a:p>
+            </p:txBody>
+          </p:sp>
+          <p:sp>
+            <p:nvSpPr>
+              <p:cNvPr id="20" name="Content Placeholder 2"/>
+              <p:cNvSpPr txBox="1">
+                <a:spLocks/>
+              </p:cNvSpPr>
+              <p:nvPr/>
+            </p:nvSpPr>
+            <p:spPr>
+              <a:xfrm>
+                <a:off x="4446270" y="4574105"/>
+                <a:ext cx="1752601" cy="687229"/>
+              </a:xfrm>
+              <a:prstGeom prst="rect">
+                <a:avLst/>
+              </a:prstGeom>
+            </p:spPr>
+            <p:txBody>
+              <a:bodyPr vert="horz" lIns="91440" tIns="45720" rIns="91440" bIns="45720" rtlCol="0">
+                <a:normAutofit/>
+              </a:bodyPr>
+              <a:lstStyle>
+                <a:lvl1pPr marL="228600" indent="-228600" algn="l" defTabSz="914400" rtl="0" eaLnBrk="1" latinLnBrk="0" hangingPunct="1">
+                  <a:lnSpc>
+                    <a:spcPct val="90000"/>
+                  </a:lnSpc>
+                  <a:spcBef>
+                    <a:spcPts val="1000"/>
+                  </a:spcBef>
+                  <a:buFont typeface="Arial" panose="020B0604020202020204" pitchFamily="34" charset="0"/>
+                  <a:buChar char="•"/>
+                  <a:defRPr sz="2800" kern="1200">
+                    <a:solidFill>
+                      <a:schemeClr val="tx1"/>
+                    </a:solidFill>
+                    <a:latin typeface="+mn-lt"/>
+                    <a:ea typeface="+mn-ea"/>
+                    <a:cs typeface="+mn-cs"/>
+                  </a:defRPr>
+                </a:lvl1pPr>
+                <a:lvl2pPr marL="685800" indent="-228600" algn="l" defTabSz="914400" rtl="0" eaLnBrk="1" latinLnBrk="0" hangingPunct="1">
+                  <a:lnSpc>
+                    <a:spcPct val="90000"/>
+                  </a:lnSpc>
+                  <a:spcBef>
+                    <a:spcPts val="500"/>
+                  </a:spcBef>
+                  <a:buFont typeface="Arial" panose="020B0604020202020204" pitchFamily="34" charset="0"/>
+                  <a:buChar char="•"/>
+                  <a:defRPr sz="2400" kern="1200">
+                    <a:solidFill>
+                      <a:schemeClr val="tx1"/>
+                    </a:solidFill>
+                    <a:latin typeface="+mn-lt"/>
+                    <a:ea typeface="+mn-ea"/>
+                    <a:cs typeface="+mn-cs"/>
+                  </a:defRPr>
+                </a:lvl2pPr>
+                <a:lvl3pPr marL="1143000" indent="-228600" algn="l" defTabSz="914400" rtl="0" eaLnBrk="1" latinLnBrk="0" hangingPunct="1">
+                  <a:lnSpc>
+                    <a:spcPct val="90000"/>
+                  </a:lnSpc>
+                  <a:spcBef>
+                    <a:spcPts val="500"/>
+                  </a:spcBef>
+                  <a:buFont typeface="Arial" panose="020B0604020202020204" pitchFamily="34" charset="0"/>
+                  <a:buChar char="•"/>
+                  <a:defRPr sz="2000" kern="1200">
+                    <a:solidFill>
+                      <a:schemeClr val="tx1"/>
+                    </a:solidFill>
+                    <a:latin typeface="+mn-lt"/>
+                    <a:ea typeface="+mn-ea"/>
+                    <a:cs typeface="+mn-cs"/>
+                  </a:defRPr>
+                </a:lvl3pPr>
+                <a:lvl4pPr marL="1600200" indent="-228600" algn="l" defTabSz="914400" rtl="0" eaLnBrk="1" latinLnBrk="0" hangingPunct="1">
+                  <a:lnSpc>
+                    <a:spcPct val="90000"/>
+                  </a:lnSpc>
+                  <a:spcBef>
+                    <a:spcPts val="500"/>
+                  </a:spcBef>
+                  <a:buFont typeface="Arial" panose="020B0604020202020204" pitchFamily="34" charset="0"/>
+                  <a:buChar char="•"/>
+                  <a:defRPr sz="1800" kern="1200">
+                    <a:solidFill>
+                      <a:schemeClr val="tx1"/>
+                    </a:solidFill>
+                    <a:latin typeface="+mn-lt"/>
+                    <a:ea typeface="+mn-ea"/>
+                    <a:cs typeface="+mn-cs"/>
+                  </a:defRPr>
+                </a:lvl4pPr>
+                <a:lvl5pPr marL="2057400" indent="-228600" algn="l" defTabSz="914400" rtl="0" eaLnBrk="1" latinLnBrk="0" hangingPunct="1">
+                  <a:lnSpc>
+                    <a:spcPct val="90000"/>
+                  </a:lnSpc>
+                  <a:spcBef>
+                    <a:spcPts val="500"/>
+                  </a:spcBef>
+                  <a:buFont typeface="Arial" panose="020B0604020202020204" pitchFamily="34" charset="0"/>
+                  <a:buChar char="•"/>
+                  <a:defRPr sz="1800" kern="1200">
+                    <a:solidFill>
+                      <a:schemeClr val="tx1"/>
+                    </a:solidFill>
+                    <a:latin typeface="+mn-lt"/>
+                    <a:ea typeface="+mn-ea"/>
+                    <a:cs typeface="+mn-cs"/>
+                  </a:defRPr>
+                </a:lvl5pPr>
+                <a:lvl6pPr marL="2514600" indent="-228600" algn="l" defTabSz="914400" rtl="0" eaLnBrk="1" latinLnBrk="0" hangingPunct="1">
+                  <a:lnSpc>
+                    <a:spcPct val="90000"/>
+                  </a:lnSpc>
+                  <a:spcBef>
+                    <a:spcPts val="500"/>
+                  </a:spcBef>
+                  <a:buFont typeface="Arial" panose="020B0604020202020204" pitchFamily="34" charset="0"/>
+                  <a:buChar char="•"/>
+                  <a:defRPr sz="1800" kern="1200">
+                    <a:solidFill>
+                      <a:schemeClr val="tx1"/>
+                    </a:solidFill>
+                    <a:latin typeface="+mn-lt"/>
+                    <a:ea typeface="+mn-ea"/>
+                    <a:cs typeface="+mn-cs"/>
+                  </a:defRPr>
+                </a:lvl6pPr>
+                <a:lvl7pPr marL="2971800" indent="-228600" algn="l" defTabSz="914400" rtl="0" eaLnBrk="1" latinLnBrk="0" hangingPunct="1">
+                  <a:lnSpc>
+                    <a:spcPct val="90000"/>
+                  </a:lnSpc>
+                  <a:spcBef>
+                    <a:spcPts val="500"/>
+                  </a:spcBef>
+                  <a:buFont typeface="Arial" panose="020B0604020202020204" pitchFamily="34" charset="0"/>
+                  <a:buChar char="•"/>
+                  <a:defRPr sz="1800" kern="1200">
+                    <a:solidFill>
+                      <a:schemeClr val="tx1"/>
+                    </a:solidFill>
+                    <a:latin typeface="+mn-lt"/>
+                    <a:ea typeface="+mn-ea"/>
+                    <a:cs typeface="+mn-cs"/>
+                  </a:defRPr>
+                </a:lvl7pPr>
+                <a:lvl8pPr marL="3429000" indent="-228600" algn="l" defTabSz="914400" rtl="0" eaLnBrk="1" latinLnBrk="0" hangingPunct="1">
+                  <a:lnSpc>
+                    <a:spcPct val="90000"/>
+                  </a:lnSpc>
+                  <a:spcBef>
+                    <a:spcPts val="500"/>
+                  </a:spcBef>
+                  <a:buFont typeface="Arial" panose="020B0604020202020204" pitchFamily="34" charset="0"/>
+                  <a:buChar char="•"/>
+                  <a:defRPr sz="1800" kern="1200">
+                    <a:solidFill>
+                      <a:schemeClr val="tx1"/>
+                    </a:solidFill>
+                    <a:latin typeface="+mn-lt"/>
+                    <a:ea typeface="+mn-ea"/>
+                    <a:cs typeface="+mn-cs"/>
+                  </a:defRPr>
+                </a:lvl8pPr>
+                <a:lvl9pPr marL="3886200" indent="-228600" algn="l" defTabSz="914400" rtl="0" eaLnBrk="1" latinLnBrk="0" hangingPunct="1">
+                  <a:lnSpc>
+                    <a:spcPct val="90000"/>
+                  </a:lnSpc>
+                  <a:spcBef>
+                    <a:spcPts val="500"/>
+                  </a:spcBef>
+                  <a:buFont typeface="Arial" panose="020B0604020202020204" pitchFamily="34" charset="0"/>
+                  <a:buChar char="•"/>
+                  <a:defRPr sz="1800" kern="1200">
+                    <a:solidFill>
+                      <a:schemeClr val="tx1"/>
+                    </a:solidFill>
+                    <a:latin typeface="+mn-lt"/>
+                    <a:ea typeface="+mn-ea"/>
+                    <a:cs typeface="+mn-cs"/>
+                  </a:defRPr>
+                </a:lvl9pPr>
+              </a:lstStyle>
+              <a:p>
+                <a:pPr marL="0" indent="0">
+                  <a:buNone/>
+                </a:pPr>
+                <a:r>
+                  <a:rPr lang="en-US" dirty="0" smtClean="0"/>
+                  <a:t>(100, 100)</a:t>
+                </a:r>
+                <a:endParaRPr lang="en-US" dirty="0"/>
+              </a:p>
+            </p:txBody>
+          </p:sp>
+          <p:sp>
+            <p:nvSpPr>
+              <p:cNvPr id="22" name="Content Placeholder 2"/>
+              <p:cNvSpPr txBox="1">
+                <a:spLocks/>
+              </p:cNvSpPr>
+              <p:nvPr/>
+            </p:nvSpPr>
+            <p:spPr>
+              <a:xfrm>
+                <a:off x="2239960" y="4255372"/>
+                <a:ext cx="1752601" cy="687229"/>
+              </a:xfrm>
+              <a:prstGeom prst="rect">
+                <a:avLst/>
+              </a:prstGeom>
+            </p:spPr>
+            <p:txBody>
+              <a:bodyPr vert="horz" lIns="91440" tIns="45720" rIns="91440" bIns="45720" rtlCol="0">
+                <a:normAutofit/>
+              </a:bodyPr>
+              <a:lstStyle>
+                <a:lvl1pPr marL="228600" indent="-228600" algn="l" defTabSz="914400" rtl="0" eaLnBrk="1" latinLnBrk="0" hangingPunct="1">
+                  <a:lnSpc>
+                    <a:spcPct val="90000"/>
+                  </a:lnSpc>
+                  <a:spcBef>
+                    <a:spcPts val="1000"/>
+                  </a:spcBef>
+                  <a:buFont typeface="Arial" panose="020B0604020202020204" pitchFamily="34" charset="0"/>
+                  <a:buChar char="•"/>
+                  <a:defRPr sz="2800" kern="1200">
+                    <a:solidFill>
+                      <a:schemeClr val="tx1"/>
+                    </a:solidFill>
+                    <a:latin typeface="+mn-lt"/>
+                    <a:ea typeface="+mn-ea"/>
+                    <a:cs typeface="+mn-cs"/>
+                  </a:defRPr>
+                </a:lvl1pPr>
+                <a:lvl2pPr marL="685800" indent="-228600" algn="l" defTabSz="914400" rtl="0" eaLnBrk="1" latinLnBrk="0" hangingPunct="1">
+                  <a:lnSpc>
+                    <a:spcPct val="90000"/>
+                  </a:lnSpc>
+                  <a:spcBef>
+                    <a:spcPts val="500"/>
+                  </a:spcBef>
+                  <a:buFont typeface="Arial" panose="020B0604020202020204" pitchFamily="34" charset="0"/>
+                  <a:buChar char="•"/>
+                  <a:defRPr sz="2400" kern="1200">
+                    <a:solidFill>
+                      <a:schemeClr val="tx1"/>
+                    </a:solidFill>
+                    <a:latin typeface="+mn-lt"/>
+                    <a:ea typeface="+mn-ea"/>
+                    <a:cs typeface="+mn-cs"/>
+                  </a:defRPr>
+                </a:lvl2pPr>
+                <a:lvl3pPr marL="1143000" indent="-228600" algn="l" defTabSz="914400" rtl="0" eaLnBrk="1" latinLnBrk="0" hangingPunct="1">
+                  <a:lnSpc>
+                    <a:spcPct val="90000"/>
+                  </a:lnSpc>
+                  <a:spcBef>
+                    <a:spcPts val="500"/>
+                  </a:spcBef>
+                  <a:buFont typeface="Arial" panose="020B0604020202020204" pitchFamily="34" charset="0"/>
+                  <a:buChar char="•"/>
+                  <a:defRPr sz="2000" kern="1200">
+                    <a:solidFill>
+                      <a:schemeClr val="tx1"/>
+                    </a:solidFill>
+                    <a:latin typeface="+mn-lt"/>
+                    <a:ea typeface="+mn-ea"/>
+                    <a:cs typeface="+mn-cs"/>
+                  </a:defRPr>
+                </a:lvl3pPr>
+                <a:lvl4pPr marL="1600200" indent="-228600" algn="l" defTabSz="914400" rtl="0" eaLnBrk="1" latinLnBrk="0" hangingPunct="1">
+                  <a:lnSpc>
+                    <a:spcPct val="90000"/>
+                  </a:lnSpc>
+                  <a:spcBef>
+                    <a:spcPts val="500"/>
+                  </a:spcBef>
+                  <a:buFont typeface="Arial" panose="020B0604020202020204" pitchFamily="34" charset="0"/>
+                  <a:buChar char="•"/>
+                  <a:defRPr sz="1800" kern="1200">
+                    <a:solidFill>
+                      <a:schemeClr val="tx1"/>
+                    </a:solidFill>
+                    <a:latin typeface="+mn-lt"/>
+                    <a:ea typeface="+mn-ea"/>
+                    <a:cs typeface="+mn-cs"/>
+                  </a:defRPr>
+                </a:lvl4pPr>
+                <a:lvl5pPr marL="2057400" indent="-228600" algn="l" defTabSz="914400" rtl="0" eaLnBrk="1" latinLnBrk="0" hangingPunct="1">
+                  <a:lnSpc>
+                    <a:spcPct val="90000"/>
+                  </a:lnSpc>
+                  <a:spcBef>
+                    <a:spcPts val="500"/>
+                  </a:spcBef>
+                  <a:buFont typeface="Arial" panose="020B0604020202020204" pitchFamily="34" charset="0"/>
+                  <a:buChar char="•"/>
+                  <a:defRPr sz="1800" kern="1200">
+                    <a:solidFill>
+                      <a:schemeClr val="tx1"/>
+                    </a:solidFill>
+                    <a:latin typeface="+mn-lt"/>
+                    <a:ea typeface="+mn-ea"/>
+                    <a:cs typeface="+mn-cs"/>
+                  </a:defRPr>
+                </a:lvl5pPr>
+                <a:lvl6pPr marL="2514600" indent="-228600" algn="l" defTabSz="914400" rtl="0" eaLnBrk="1" latinLnBrk="0" hangingPunct="1">
+                  <a:lnSpc>
+                    <a:spcPct val="90000"/>
+                  </a:lnSpc>
+                  <a:spcBef>
+                    <a:spcPts val="500"/>
+                  </a:spcBef>
+                  <a:buFont typeface="Arial" panose="020B0604020202020204" pitchFamily="34" charset="0"/>
+                  <a:buChar char="•"/>
+                  <a:defRPr sz="1800" kern="1200">
+                    <a:solidFill>
+                      <a:schemeClr val="tx1"/>
+                    </a:solidFill>
+                    <a:latin typeface="+mn-lt"/>
+                    <a:ea typeface="+mn-ea"/>
+                    <a:cs typeface="+mn-cs"/>
+                  </a:defRPr>
+                </a:lvl6pPr>
+                <a:lvl7pPr marL="2971800" indent="-228600" algn="l" defTabSz="914400" rtl="0" eaLnBrk="1" latinLnBrk="0" hangingPunct="1">
+                  <a:lnSpc>
+                    <a:spcPct val="90000"/>
+                  </a:lnSpc>
+                  <a:spcBef>
+                    <a:spcPts val="500"/>
+                  </a:spcBef>
+                  <a:buFont typeface="Arial" panose="020B0604020202020204" pitchFamily="34" charset="0"/>
+                  <a:buChar char="•"/>
+                  <a:defRPr sz="1800" kern="1200">
+                    <a:solidFill>
+                      <a:schemeClr val="tx1"/>
+                    </a:solidFill>
+                    <a:latin typeface="+mn-lt"/>
+                    <a:ea typeface="+mn-ea"/>
+                    <a:cs typeface="+mn-cs"/>
+                  </a:defRPr>
+                </a:lvl7pPr>
+                <a:lvl8pPr marL="3429000" indent="-228600" algn="l" defTabSz="914400" rtl="0" eaLnBrk="1" latinLnBrk="0" hangingPunct="1">
+                  <a:lnSpc>
+                    <a:spcPct val="90000"/>
+                  </a:lnSpc>
+                  <a:spcBef>
+                    <a:spcPts val="500"/>
+                  </a:spcBef>
+                  <a:buFont typeface="Arial" panose="020B0604020202020204" pitchFamily="34" charset="0"/>
+                  <a:buChar char="•"/>
+                  <a:defRPr sz="1800" kern="1200">
+                    <a:solidFill>
+                      <a:schemeClr val="tx1"/>
+                    </a:solidFill>
+                    <a:latin typeface="+mn-lt"/>
+                    <a:ea typeface="+mn-ea"/>
+                    <a:cs typeface="+mn-cs"/>
+                  </a:defRPr>
+                </a:lvl8pPr>
+                <a:lvl9pPr marL="3886200" indent="-228600" algn="l" defTabSz="914400" rtl="0" eaLnBrk="1" latinLnBrk="0" hangingPunct="1">
+                  <a:lnSpc>
+                    <a:spcPct val="90000"/>
+                  </a:lnSpc>
+                  <a:spcBef>
+                    <a:spcPts val="500"/>
+                  </a:spcBef>
+                  <a:buFont typeface="Arial" panose="020B0604020202020204" pitchFamily="34" charset="0"/>
+                  <a:buChar char="•"/>
+                  <a:defRPr sz="1800" kern="1200">
+                    <a:solidFill>
+                      <a:schemeClr val="tx1"/>
+                    </a:solidFill>
+                    <a:latin typeface="+mn-lt"/>
+                    <a:ea typeface="+mn-ea"/>
+                    <a:cs typeface="+mn-cs"/>
+                  </a:defRPr>
+                </a:lvl9pPr>
+              </a:lstStyle>
+              <a:p>
+                <a:pPr marL="0" indent="0">
+                  <a:buNone/>
+                </a:pPr>
+                <a:r>
+                  <a:rPr lang="en-US" dirty="0" smtClean="0"/>
+                  <a:t>10</a:t>
+                </a:r>
+                <a:endParaRPr lang="en-US" dirty="0"/>
+              </a:p>
+            </p:txBody>
+          </p:sp>
+        </p:grpSp>
+        <p:sp>
+          <p:nvSpPr>
+            <p:cNvPr id="21" name="Content Placeholder 2"/>
+            <p:cNvSpPr txBox="1">
+              <a:spLocks/>
+            </p:cNvSpPr>
+            <p:nvPr/>
+          </p:nvSpPr>
+          <p:spPr>
+            <a:xfrm>
+              <a:off x="5682295" y="3808534"/>
+              <a:ext cx="1752601" cy="687229"/>
+            </a:xfrm>
+            <a:prstGeom prst="rect">
+              <a:avLst/>
+            </a:prstGeom>
+          </p:spPr>
+          <p:txBody>
+            <a:bodyPr vert="horz" lIns="91440" tIns="45720" rIns="91440" bIns="45720" rtlCol="0">
+              <a:normAutofit/>
+            </a:bodyPr>
+            <a:lstStyle>
+              <a:lvl1pPr marL="228600" indent="-228600" algn="l" defTabSz="914400" rtl="0" eaLnBrk="1" latinLnBrk="0" hangingPunct="1">
+                <a:lnSpc>
+                  <a:spcPct val="90000"/>
+                </a:lnSpc>
+                <a:spcBef>
+                  <a:spcPts val="1000"/>
+                </a:spcBef>
+                <a:buFont typeface="Arial" panose="020B0604020202020204" pitchFamily="34" charset="0"/>
+                <a:buChar char="•"/>
+                <a:defRPr sz="2800" kern="1200">
+                  <a:solidFill>
+                    <a:schemeClr val="tx1"/>
+                  </a:solidFill>
+                  <a:latin typeface="+mn-lt"/>
+                  <a:ea typeface="+mn-ea"/>
+                  <a:cs typeface="+mn-cs"/>
+                </a:defRPr>
+              </a:lvl1pPr>
+              <a:lvl2pPr marL="685800" indent="-228600" algn="l" defTabSz="914400" rtl="0" eaLnBrk="1" latinLnBrk="0" hangingPunct="1">
+                <a:lnSpc>
+                  <a:spcPct val="90000"/>
+                </a:lnSpc>
+                <a:spcBef>
+                  <a:spcPts val="500"/>
+                </a:spcBef>
+                <a:buFont typeface="Arial" panose="020B0604020202020204" pitchFamily="34" charset="0"/>
+                <a:buChar char="•"/>
+                <a:defRPr sz="2400" kern="1200">
+                  <a:solidFill>
+                    <a:schemeClr val="tx1"/>
+                  </a:solidFill>
+                  <a:latin typeface="+mn-lt"/>
+                  <a:ea typeface="+mn-ea"/>
+                  <a:cs typeface="+mn-cs"/>
+                </a:defRPr>
+              </a:lvl2pPr>
+              <a:lvl3pPr marL="1143000" indent="-228600" algn="l" defTabSz="914400" rtl="0" eaLnBrk="1" latinLnBrk="0" hangingPunct="1">
+                <a:lnSpc>
+                  <a:spcPct val="90000"/>
+                </a:lnSpc>
+                <a:spcBef>
+                  <a:spcPts val="500"/>
+                </a:spcBef>
+                <a:buFont typeface="Arial" panose="020B0604020202020204" pitchFamily="34" charset="0"/>
+                <a:buChar char="•"/>
+                <a:defRPr sz="2000" kern="1200">
+                  <a:solidFill>
+                    <a:schemeClr val="tx1"/>
+                  </a:solidFill>
+                  <a:latin typeface="+mn-lt"/>
+                  <a:ea typeface="+mn-ea"/>
+                  <a:cs typeface="+mn-cs"/>
+                </a:defRPr>
+              </a:lvl3pPr>
+              <a:lvl4pPr marL="1600200" indent="-228600" algn="l" defTabSz="914400" rtl="0" eaLnBrk="1" latinLnBrk="0" hangingPunct="1">
+                <a:lnSpc>
+                  <a:spcPct val="90000"/>
+                </a:lnSpc>
+                <a:spcBef>
+                  <a:spcPts val="500"/>
+                </a:spcBef>
+                <a:buFont typeface="Arial" panose="020B0604020202020204" pitchFamily="34" charset="0"/>
+                <a:buChar char="•"/>
+                <a:defRPr sz="1800" kern="1200">
+                  <a:solidFill>
+                    <a:schemeClr val="tx1"/>
+                  </a:solidFill>
+                  <a:latin typeface="+mn-lt"/>
+                  <a:ea typeface="+mn-ea"/>
+                  <a:cs typeface="+mn-cs"/>
+                </a:defRPr>
+              </a:lvl4pPr>
+              <a:lvl5pPr marL="2057400" indent="-228600" algn="l" defTabSz="914400" rtl="0" eaLnBrk="1" latinLnBrk="0" hangingPunct="1">
+                <a:lnSpc>
+                  <a:spcPct val="90000"/>
+                </a:lnSpc>
+                <a:spcBef>
+                  <a:spcPts val="500"/>
+                </a:spcBef>
+                <a:buFont typeface="Arial" panose="020B0604020202020204" pitchFamily="34" charset="0"/>
+                <a:buChar char="•"/>
+                <a:defRPr sz="1800" kern="1200">
+                  <a:solidFill>
+                    <a:schemeClr val="tx1"/>
+                  </a:solidFill>
+                  <a:latin typeface="+mn-lt"/>
+                  <a:ea typeface="+mn-ea"/>
+                  <a:cs typeface="+mn-cs"/>
+                </a:defRPr>
+              </a:lvl5pPr>
+              <a:lvl6pPr marL="2514600" indent="-228600" algn="l" defTabSz="914400" rtl="0" eaLnBrk="1" latinLnBrk="0" hangingPunct="1">
+                <a:lnSpc>
+                  <a:spcPct val="90000"/>
+                </a:lnSpc>
+                <a:spcBef>
+                  <a:spcPts val="500"/>
+                </a:spcBef>
+                <a:buFont typeface="Arial" panose="020B0604020202020204" pitchFamily="34" charset="0"/>
+                <a:buChar char="•"/>
+                <a:defRPr sz="1800" kern="1200">
+                  <a:solidFill>
+                    <a:schemeClr val="tx1"/>
+                  </a:solidFill>
+                  <a:latin typeface="+mn-lt"/>
+                  <a:ea typeface="+mn-ea"/>
+                  <a:cs typeface="+mn-cs"/>
+                </a:defRPr>
+              </a:lvl6pPr>
+              <a:lvl7pPr marL="2971800" indent="-228600" algn="l" defTabSz="914400" rtl="0" eaLnBrk="1" latinLnBrk="0" hangingPunct="1">
+                <a:lnSpc>
+                  <a:spcPct val="90000"/>
+                </a:lnSpc>
+                <a:spcBef>
+                  <a:spcPts val="500"/>
+                </a:spcBef>
+                <a:buFont typeface="Arial" panose="020B0604020202020204" pitchFamily="34" charset="0"/>
+                <a:buChar char="•"/>
+                <a:defRPr sz="1800" kern="1200">
+                  <a:solidFill>
+                    <a:schemeClr val="tx1"/>
+                  </a:solidFill>
+                  <a:latin typeface="+mn-lt"/>
+                  <a:ea typeface="+mn-ea"/>
+                  <a:cs typeface="+mn-cs"/>
+                </a:defRPr>
+              </a:lvl7pPr>
+              <a:lvl8pPr marL="3429000" indent="-228600" algn="l" defTabSz="914400" rtl="0" eaLnBrk="1" latinLnBrk="0" hangingPunct="1">
+                <a:lnSpc>
+                  <a:spcPct val="90000"/>
+                </a:lnSpc>
+                <a:spcBef>
+                  <a:spcPts val="500"/>
+                </a:spcBef>
+                <a:buFont typeface="Arial" panose="020B0604020202020204" pitchFamily="34" charset="0"/>
+                <a:buChar char="•"/>
+                <a:defRPr sz="1800" kern="1200">
+                  <a:solidFill>
+                    <a:schemeClr val="tx1"/>
+                  </a:solidFill>
+                  <a:latin typeface="+mn-lt"/>
+                  <a:ea typeface="+mn-ea"/>
+                  <a:cs typeface="+mn-cs"/>
+                </a:defRPr>
+              </a:lvl8pPr>
+              <a:lvl9pPr marL="3886200" indent="-228600" algn="l" defTabSz="914400" rtl="0" eaLnBrk="1" latinLnBrk="0" hangingPunct="1">
+                <a:lnSpc>
+                  <a:spcPct val="90000"/>
+                </a:lnSpc>
+                <a:spcBef>
+                  <a:spcPts val="500"/>
+                </a:spcBef>
+                <a:buFont typeface="Arial" panose="020B0604020202020204" pitchFamily="34" charset="0"/>
+                <a:buChar char="•"/>
+                <a:defRPr sz="1800" kern="1200">
+                  <a:solidFill>
+                    <a:schemeClr val="tx1"/>
+                  </a:solidFill>
+                  <a:latin typeface="+mn-lt"/>
+                  <a:ea typeface="+mn-ea"/>
+                  <a:cs typeface="+mn-cs"/>
+                </a:defRPr>
+              </a:lvl9pPr>
+            </a:lstStyle>
+            <a:p>
+              <a:pPr marL="0" indent="0">
+                <a:buNone/>
+              </a:pPr>
+              <a:r>
+                <a:rPr lang="en-US" dirty="0" smtClean="0"/>
+                <a:t>10</a:t>
+              </a:r>
+              <a:endParaRPr lang="en-US" dirty="0"/>
+            </a:p>
+          </p:txBody>
+        </p:sp>
+      </p:grpSp>
+    </p:spTree>
+    <p:extLst>
+      <p:ext uri="{BB962C8B-B14F-4D97-AF65-F5344CB8AC3E}">
+        <p14:creationId xmlns:p14="http://schemas.microsoft.com/office/powerpoint/2010/main" val="2919949474"/>
+      </p:ext>
+    </p:extLst>
+  </p:cSld>
+  <p:clrMapOvr>
+    <a:masterClrMapping/>
+  </p:clrMapOvr>
+  <p:timing>
+    <p:tnLst>
+      <p:par>
+        <p:cTn id="1" dur="indefinite" restart="never" nodeType="tmRoot"/>
+      </p:par>
+    </p:tnLst>
+  </p:timing>
+</p:sld>
+</file>
+
+<file path=ppt/slides/slide47.xml><?xml version="1.0" encoding="utf-8"?>
+<p:sld xmlns:a="http://schemas.openxmlformats.org/drawingml/2006/main" xmlns:r="http://schemas.openxmlformats.org/officeDocument/2006/relationships" xmlns:p="http://schemas.openxmlformats.org/presentationml/2006/main">
+  <p:cSld>
+    <p:spTree>
+      <p:nvGrpSpPr>
+        <p:cNvPr id="1" name=""/>
+        <p:cNvGrpSpPr/>
+        <p:nvPr/>
+      </p:nvGrpSpPr>
+      <p:grpSpPr>
+        <a:xfrm>
+          <a:off x="0" y="0"/>
+          <a:ext cx="0" cy="0"/>
+          <a:chOff x="0" y="0"/>
+          <a:chExt cx="0" cy="0"/>
+        </a:xfrm>
+      </p:grpSpPr>
+      <p:sp>
+        <p:nvSpPr>
+          <p:cNvPr id="2" name="Title 1"/>
+          <p:cNvSpPr>
+            <a:spLocks noGrp="1"/>
+          </p:cNvSpPr>
+          <p:nvPr>
+            <p:ph type="title"/>
+          </p:nvPr>
+        </p:nvSpPr>
+        <p:spPr/>
+        <p:txBody>
+          <a:bodyPr/>
+          <a:lstStyle/>
+          <a:p>
+            <a:r>
+              <a:rPr lang="en-US" b="1" dirty="0" smtClean="0">
+                <a:solidFill>
+                  <a:srgbClr val="FF0000"/>
+                </a:solidFill>
+              </a:rPr>
+              <a:t>Questions</a:t>
+            </a:r>
+            <a:endParaRPr lang="en-US" b="1" dirty="0">
+              <a:solidFill>
+                <a:srgbClr val="FF0000"/>
+              </a:solidFill>
+            </a:endParaRPr>
+          </a:p>
+        </p:txBody>
+      </p:sp>
+      <p:sp>
+        <p:nvSpPr>
+          <p:cNvPr id="3" name="Content Placeholder 2"/>
+          <p:cNvSpPr>
+            <a:spLocks noGrp="1"/>
+          </p:cNvSpPr>
+          <p:nvPr>
+            <p:ph idx="1"/>
+          </p:nvPr>
+        </p:nvSpPr>
+        <p:spPr/>
+        <p:txBody>
+          <a:bodyPr>
+            <a:normAutofit/>
+          </a:bodyPr>
+          <a:lstStyle/>
+          <a:p>
+            <a:r>
+              <a:rPr lang="en-US" dirty="0" smtClean="0"/>
+              <a:t>Center(50</a:t>
+            </a:r>
+            <a:r>
+              <a:rPr lang="en-US" dirty="0"/>
+              <a:t>, 50), </a:t>
+            </a:r>
+            <a:r>
+              <a:rPr lang="en-US" dirty="0" smtClean="0"/>
+              <a:t>Width=100 </a:t>
+            </a:r>
+            <a:r>
+              <a:rPr lang="en-US" dirty="0" smtClean="0">
+                <a:solidFill>
+                  <a:schemeClr val="accent2"/>
+                </a:solidFill>
+              </a:rPr>
+              <a:t>[100</a:t>
+            </a:r>
+            <a:r>
+              <a:rPr lang="en-US" dirty="0">
+                <a:solidFill>
+                  <a:schemeClr val="accent2"/>
+                </a:solidFill>
+              </a:rPr>
+              <a:t>, 200, 400, </a:t>
+            </a:r>
+            <a:r>
+              <a:rPr lang="en-US" dirty="0" smtClean="0">
+                <a:solidFill>
+                  <a:schemeClr val="accent2"/>
+                </a:solidFill>
+              </a:rPr>
+              <a:t>600]</a:t>
+            </a:r>
+            <a:endParaRPr lang="en-US" dirty="0"/>
+          </a:p>
+          <a:p>
+            <a:pPr lvl="1"/>
+            <a:r>
+              <a:rPr lang="en-US" b="1" dirty="0" smtClean="0">
+                <a:solidFill>
+                  <a:srgbClr val="0070C0"/>
+                </a:solidFill>
+              </a:rPr>
+              <a:t>(</a:t>
+            </a:r>
+            <a:r>
+              <a:rPr lang="en-US" b="1" dirty="0">
+                <a:solidFill>
+                  <a:srgbClr val="0070C0"/>
+                </a:solidFill>
+              </a:rPr>
+              <a:t>300, 400): </a:t>
+            </a:r>
+            <a:r>
+              <a:rPr lang="en-US" b="1" dirty="0" smtClean="0">
+                <a:solidFill>
+                  <a:schemeClr val="accent2"/>
+                </a:solidFill>
+              </a:rPr>
+              <a:t>Orange</a:t>
+            </a:r>
+            <a:r>
+              <a:rPr lang="en-US" b="1" dirty="0">
+                <a:solidFill>
+                  <a:schemeClr val="accent2"/>
+                </a:solidFill>
+              </a:rPr>
+              <a:t>: </a:t>
+            </a:r>
+            <a:r>
+              <a:rPr lang="en-US" b="1" dirty="0" err="1">
+                <a:solidFill>
+                  <a:schemeClr val="accent2"/>
+                </a:solidFill>
+              </a:rPr>
+              <a:t>DCx</a:t>
+            </a:r>
+            <a:r>
+              <a:rPr lang="en-US" b="1" dirty="0">
+                <a:solidFill>
+                  <a:schemeClr val="accent2"/>
+                </a:solidFill>
+              </a:rPr>
+              <a:t> = 200, </a:t>
+            </a:r>
+            <a:r>
+              <a:rPr lang="en-US" b="1" dirty="0" err="1" smtClean="0">
+                <a:solidFill>
+                  <a:schemeClr val="accent2"/>
+                </a:solidFill>
+              </a:rPr>
+              <a:t>DCy</a:t>
+            </a:r>
+            <a:r>
+              <a:rPr lang="en-US" b="1" dirty="0" smtClean="0">
+                <a:solidFill>
+                  <a:schemeClr val="accent2"/>
+                </a:solidFill>
+              </a:rPr>
+              <a:t>=200</a:t>
+            </a:r>
+          </a:p>
+          <a:p>
+            <a:pPr lvl="1"/>
+            <a:r>
+              <a:rPr lang="en-US" b="1" dirty="0" smtClean="0">
+                <a:solidFill>
+                  <a:schemeClr val="accent2"/>
+                </a:solidFill>
+              </a:rPr>
+              <a:t>Percent coverage in DC</a:t>
+            </a:r>
+          </a:p>
+          <a:p>
+            <a:pPr lvl="2"/>
+            <a:r>
+              <a:rPr lang="en-US" b="1" dirty="0" smtClean="0">
+                <a:solidFill>
+                  <a:schemeClr val="accent2"/>
+                </a:solidFill>
+              </a:rPr>
+              <a:t>X = 200 / 400 = 50%</a:t>
+            </a:r>
+          </a:p>
+          <a:p>
+            <a:pPr lvl="2"/>
+            <a:r>
+              <a:rPr lang="en-US" b="1" dirty="0" smtClean="0">
+                <a:solidFill>
+                  <a:schemeClr val="accent2"/>
+                </a:solidFill>
+              </a:rPr>
+              <a:t>Y = 200 / 600 = 33.33%</a:t>
+            </a:r>
+          </a:p>
+          <a:p>
+            <a:pPr lvl="1"/>
+            <a:r>
+              <a:rPr lang="en-US" dirty="0" smtClean="0"/>
+              <a:t>Amount in WC</a:t>
+            </a:r>
+          </a:p>
+          <a:p>
+            <a:pPr lvl="2"/>
+            <a:r>
+              <a:rPr lang="en-US" dirty="0" smtClean="0"/>
+              <a:t>X = 50% * Width = 50% * 100 = 50</a:t>
+            </a:r>
+          </a:p>
+          <a:p>
+            <a:pPr lvl="2"/>
+            <a:r>
+              <a:rPr lang="en-US" dirty="0" smtClean="0"/>
+              <a:t>Y = 33.3% * Height = 33.33% * 150 = 50</a:t>
+            </a:r>
+          </a:p>
+          <a:p>
+            <a:r>
+              <a:rPr lang="en-US" dirty="0" smtClean="0"/>
+              <a:t>WC: Lower-left = </a:t>
+            </a:r>
+            <a:r>
+              <a:rPr lang="en-US" sz="2000" dirty="0" smtClean="0"/>
+              <a:t>(50-100/2, 50-150/2)</a:t>
+            </a:r>
+            <a:r>
+              <a:rPr lang="en-US" dirty="0" smtClean="0"/>
+              <a:t> = (0, -25)</a:t>
+            </a:r>
+          </a:p>
+          <a:p>
+            <a:r>
+              <a:rPr lang="en-US" dirty="0" err="1" smtClean="0"/>
+              <a:t>WCx</a:t>
+            </a:r>
+            <a:r>
+              <a:rPr lang="en-US" dirty="0" smtClean="0"/>
+              <a:t>, </a:t>
+            </a:r>
+            <a:r>
+              <a:rPr lang="en-US" dirty="0" err="1" smtClean="0"/>
+              <a:t>WCy</a:t>
+            </a:r>
+            <a:r>
+              <a:rPr lang="en-US" dirty="0" smtClean="0"/>
+              <a:t> = (50, 25)</a:t>
+            </a:r>
+          </a:p>
+          <a:p>
+            <a:endParaRPr lang="en-US" dirty="0" smtClean="0"/>
+          </a:p>
+          <a:p>
+            <a:pPr marL="0" indent="0">
+              <a:buNone/>
+            </a:pPr>
+            <a:endParaRPr lang="en-US" b="1" dirty="0" smtClean="0">
+              <a:solidFill>
+                <a:schemeClr val="accent2"/>
+              </a:solidFill>
+            </a:endParaRPr>
+          </a:p>
+          <a:p>
+            <a:endParaRPr lang="en-US" b="1" dirty="0">
+              <a:solidFill>
+                <a:schemeClr val="accent2"/>
+              </a:solidFill>
+            </a:endParaRPr>
+          </a:p>
+          <a:p>
+            <a:pPr marL="1371600" lvl="3" indent="0">
+              <a:buNone/>
+            </a:pPr>
+            <a:endParaRPr lang="en-US" b="1" dirty="0">
+              <a:solidFill>
+                <a:srgbClr val="FF0000"/>
+              </a:solidFill>
+            </a:endParaRPr>
+          </a:p>
+          <a:p>
+            <a:endParaRPr lang="en-US" dirty="0"/>
+          </a:p>
+        </p:txBody>
+      </p:sp>
+      <p:grpSp>
+        <p:nvGrpSpPr>
+          <p:cNvPr id="4" name="Group 3"/>
+          <p:cNvGrpSpPr/>
+          <p:nvPr/>
+        </p:nvGrpSpPr>
+        <p:grpSpPr>
+          <a:xfrm>
+            <a:off x="6972297" y="2402691"/>
+            <a:ext cx="4381503" cy="3197205"/>
+            <a:chOff x="3467098" y="3197394"/>
+            <a:chExt cx="4381503" cy="3197205"/>
+          </a:xfrm>
+        </p:grpSpPr>
+        <p:sp>
+          <p:nvSpPr>
+            <p:cNvPr id="12" name="Rectangle 11"/>
+            <p:cNvSpPr/>
+            <p:nvPr/>
+          </p:nvSpPr>
+          <p:spPr>
+            <a:xfrm>
+              <a:off x="4903153" y="3197394"/>
+              <a:ext cx="2385694" cy="3197205"/>
+            </a:xfrm>
+            <a:prstGeom prst="rect">
+              <a:avLst/>
+            </a:prstGeom>
+            <a:solidFill>
+              <a:schemeClr val="accent2"/>
+            </a:solidFill>
+          </p:spPr>
+          <p:style>
+            <a:lnRef idx="2">
+              <a:schemeClr val="accent1">
+                <a:shade val="50000"/>
+              </a:schemeClr>
+            </a:lnRef>
+            <a:fillRef idx="1">
+              <a:schemeClr val="accent1"/>
+            </a:fillRef>
+            <a:effectRef idx="0">
+              <a:schemeClr val="accent1"/>
+            </a:effectRef>
+            <a:fontRef idx="minor">
+              <a:schemeClr val="lt1"/>
+            </a:fontRef>
+          </p:style>
+          <p:txBody>
+            <a:bodyPr rtlCol="0" anchor="ctr"/>
+            <a:lstStyle/>
+            <a:p>
+              <a:pPr algn="ctr"/>
+              <a:endParaRPr lang="en-US"/>
+            </a:p>
+          </p:txBody>
+        </p:sp>
+        <p:sp>
+          <p:nvSpPr>
+            <p:cNvPr id="14" name="Flowchart: Or 13"/>
+            <p:cNvSpPr/>
+            <p:nvPr/>
+          </p:nvSpPr>
+          <p:spPr>
+            <a:xfrm>
+              <a:off x="5991225" y="4700746"/>
+              <a:ext cx="209550" cy="190500"/>
+            </a:xfrm>
+            <a:prstGeom prst="flowChartOr">
+              <a:avLst/>
+            </a:prstGeom>
+            <a:solidFill>
+              <a:schemeClr val="accent1">
+                <a:alpha val="0"/>
+              </a:schemeClr>
+            </a:solidFill>
+            <a:ln w="31750">
+              <a:solidFill>
+                <a:schemeClr val="tx1"/>
+              </a:solidFill>
+            </a:ln>
+          </p:spPr>
+          <p:style>
+            <a:lnRef idx="2">
+              <a:schemeClr val="accent1">
+                <a:shade val="50000"/>
+              </a:schemeClr>
+            </a:lnRef>
+            <a:fillRef idx="1">
+              <a:schemeClr val="accent1"/>
+            </a:fillRef>
+            <a:effectRef idx="0">
+              <a:schemeClr val="accent1"/>
+            </a:effectRef>
+            <a:fontRef idx="minor">
+              <a:schemeClr val="lt1"/>
+            </a:fontRef>
+          </p:style>
+          <p:txBody>
+            <a:bodyPr rtlCol="0" anchor="ctr"/>
+            <a:lstStyle/>
+            <a:p>
+              <a:pPr algn="ctr"/>
+              <a:endParaRPr lang="en-US"/>
+            </a:p>
+          </p:txBody>
+        </p:sp>
+        <p:sp>
+          <p:nvSpPr>
+            <p:cNvPr id="16" name="Left Brace 15"/>
+            <p:cNvSpPr/>
+            <p:nvPr/>
+          </p:nvSpPr>
+          <p:spPr>
+            <a:xfrm>
+              <a:off x="4330541" y="3276758"/>
+              <a:ext cx="418465" cy="3117841"/>
+            </a:xfrm>
+            <a:prstGeom prst="leftBrace">
+              <a:avLst>
+                <a:gd name="adj1" fmla="val 140029"/>
+                <a:gd name="adj2" fmla="val 50000"/>
+              </a:avLst>
+            </a:prstGeom>
+            <a:ln w="25400">
+              <a:solidFill>
+                <a:schemeClr val="tx1"/>
+              </a:solidFill>
+            </a:ln>
+          </p:spPr>
+          <p:style>
+            <a:lnRef idx="1">
+              <a:schemeClr val="accent1"/>
+            </a:lnRef>
+            <a:fillRef idx="0">
+              <a:schemeClr val="accent1"/>
+            </a:fillRef>
+            <a:effectRef idx="0">
+              <a:schemeClr val="accent1"/>
+            </a:effectRef>
+            <a:fontRef idx="minor">
+              <a:schemeClr val="tx1"/>
+            </a:fontRef>
+          </p:style>
+          <p:txBody>
+            <a:bodyPr rtlCol="0" anchor="ctr"/>
+            <a:lstStyle/>
+            <a:p>
+              <a:pPr algn="ctr"/>
+              <a:endParaRPr lang="en-US"/>
+            </a:p>
+          </p:txBody>
+        </p:sp>
+        <p:sp>
+          <p:nvSpPr>
+            <p:cNvPr id="17" name="Left Brace 16"/>
+            <p:cNvSpPr/>
+            <p:nvPr/>
+          </p:nvSpPr>
+          <p:spPr>
+            <a:xfrm rot="5400000" flipH="1">
+              <a:off x="5921137" y="2380445"/>
+              <a:ext cx="349726" cy="2247266"/>
+            </a:xfrm>
+            <a:prstGeom prst="leftBrace">
+              <a:avLst>
+                <a:gd name="adj1" fmla="val 140029"/>
+                <a:gd name="adj2" fmla="val 50000"/>
+              </a:avLst>
+            </a:prstGeom>
+            <a:ln w="25400">
+              <a:solidFill>
+                <a:schemeClr val="tx1"/>
+              </a:solidFill>
+            </a:ln>
+          </p:spPr>
+          <p:style>
+            <a:lnRef idx="1">
+              <a:schemeClr val="accent1"/>
+            </a:lnRef>
+            <a:fillRef idx="0">
+              <a:schemeClr val="accent1"/>
+            </a:fillRef>
+            <a:effectRef idx="0">
+              <a:schemeClr val="accent1"/>
+            </a:effectRef>
+            <a:fontRef idx="minor">
+              <a:schemeClr val="tx1"/>
+            </a:fontRef>
+          </p:style>
+          <p:txBody>
+            <a:bodyPr rtlCol="0" anchor="ctr"/>
+            <a:lstStyle/>
+            <a:p>
+              <a:pPr algn="ctr"/>
+              <a:endParaRPr lang="en-US"/>
+            </a:p>
+          </p:txBody>
+        </p:sp>
+        <p:sp>
+          <p:nvSpPr>
+            <p:cNvPr id="18" name="Flowchart: Summing Junction 17"/>
+            <p:cNvSpPr/>
+            <p:nvPr/>
+          </p:nvSpPr>
+          <p:spPr>
+            <a:xfrm>
+              <a:off x="5991225" y="5210922"/>
+              <a:ext cx="314960" cy="270511"/>
+            </a:xfrm>
+            <a:prstGeom prst="flowChartSummingJunction">
+              <a:avLst/>
+            </a:prstGeom>
+            <a:solidFill>
+              <a:schemeClr val="accent1">
+                <a:lumMod val="50000"/>
+                <a:alpha val="12000"/>
+              </a:schemeClr>
+            </a:solidFill>
+            <a:ln w="76200">
+              <a:solidFill>
+                <a:srgbClr val="0070C0"/>
+              </a:solidFill>
+            </a:ln>
+          </p:spPr>
+          <p:style>
+            <a:lnRef idx="2">
+              <a:schemeClr val="accent1">
+                <a:shade val="50000"/>
+              </a:schemeClr>
+            </a:lnRef>
+            <a:fillRef idx="1">
+              <a:schemeClr val="accent1"/>
+            </a:fillRef>
+            <a:effectRef idx="0">
+              <a:schemeClr val="accent1"/>
+            </a:effectRef>
+            <a:fontRef idx="minor">
+              <a:schemeClr val="lt1"/>
+            </a:fontRef>
+          </p:style>
+          <p:txBody>
+            <a:bodyPr rtlCol="0" anchor="ctr"/>
+            <a:lstStyle/>
+            <a:p>
+              <a:pPr algn="ctr"/>
+              <a:endParaRPr lang="en-US"/>
+            </a:p>
+          </p:txBody>
+        </p:sp>
+        <p:sp>
+          <p:nvSpPr>
+            <p:cNvPr id="20" name="Content Placeholder 2"/>
+            <p:cNvSpPr txBox="1">
+              <a:spLocks/>
+            </p:cNvSpPr>
+            <p:nvPr/>
+          </p:nvSpPr>
+          <p:spPr>
+            <a:xfrm>
+              <a:off x="6096000" y="4345616"/>
+              <a:ext cx="1752601" cy="687229"/>
+            </a:xfrm>
+            <a:prstGeom prst="rect">
+              <a:avLst/>
+            </a:prstGeom>
+          </p:spPr>
+          <p:txBody>
+            <a:bodyPr vert="horz" lIns="91440" tIns="45720" rIns="91440" bIns="45720" rtlCol="0">
+              <a:normAutofit/>
+            </a:bodyPr>
+            <a:lstStyle>
+              <a:lvl1pPr marL="228600" indent="-228600" algn="l" defTabSz="914400" rtl="0" eaLnBrk="1" latinLnBrk="0" hangingPunct="1">
+                <a:lnSpc>
+                  <a:spcPct val="90000"/>
+                </a:lnSpc>
+                <a:spcBef>
+                  <a:spcPts val="1000"/>
+                </a:spcBef>
+                <a:buFont typeface="Arial" panose="020B0604020202020204" pitchFamily="34" charset="0"/>
+                <a:buChar char="•"/>
+                <a:defRPr sz="2800" kern="1200">
+                  <a:solidFill>
+                    <a:schemeClr val="tx1"/>
+                  </a:solidFill>
+                  <a:latin typeface="+mn-lt"/>
+                  <a:ea typeface="+mn-ea"/>
+                  <a:cs typeface="+mn-cs"/>
+                </a:defRPr>
+              </a:lvl1pPr>
+              <a:lvl2pPr marL="685800" indent="-228600" algn="l" defTabSz="914400" rtl="0" eaLnBrk="1" latinLnBrk="0" hangingPunct="1">
+                <a:lnSpc>
+                  <a:spcPct val="90000"/>
+                </a:lnSpc>
+                <a:spcBef>
+                  <a:spcPts val="500"/>
+                </a:spcBef>
+                <a:buFont typeface="Arial" panose="020B0604020202020204" pitchFamily="34" charset="0"/>
+                <a:buChar char="•"/>
+                <a:defRPr sz="2400" kern="1200">
+                  <a:solidFill>
+                    <a:schemeClr val="tx1"/>
+                  </a:solidFill>
+                  <a:latin typeface="+mn-lt"/>
+                  <a:ea typeface="+mn-ea"/>
+                  <a:cs typeface="+mn-cs"/>
+                </a:defRPr>
+              </a:lvl2pPr>
+              <a:lvl3pPr marL="1143000" indent="-228600" algn="l" defTabSz="914400" rtl="0" eaLnBrk="1" latinLnBrk="0" hangingPunct="1">
+                <a:lnSpc>
+                  <a:spcPct val="90000"/>
+                </a:lnSpc>
+                <a:spcBef>
+                  <a:spcPts val="500"/>
+                </a:spcBef>
+                <a:buFont typeface="Arial" panose="020B0604020202020204" pitchFamily="34" charset="0"/>
+                <a:buChar char="•"/>
+                <a:defRPr sz="2000" kern="1200">
+                  <a:solidFill>
+                    <a:schemeClr val="tx1"/>
+                  </a:solidFill>
+                  <a:latin typeface="+mn-lt"/>
+                  <a:ea typeface="+mn-ea"/>
+                  <a:cs typeface="+mn-cs"/>
+                </a:defRPr>
+              </a:lvl3pPr>
+              <a:lvl4pPr marL="1600200" indent="-228600" algn="l" defTabSz="914400" rtl="0" eaLnBrk="1" latinLnBrk="0" hangingPunct="1">
+                <a:lnSpc>
+                  <a:spcPct val="90000"/>
+                </a:lnSpc>
+                <a:spcBef>
+                  <a:spcPts val="500"/>
+                </a:spcBef>
+                <a:buFont typeface="Arial" panose="020B0604020202020204" pitchFamily="34" charset="0"/>
+                <a:buChar char="•"/>
+                <a:defRPr sz="1800" kern="1200">
+                  <a:solidFill>
+                    <a:schemeClr val="tx1"/>
+                  </a:solidFill>
+                  <a:latin typeface="+mn-lt"/>
+                  <a:ea typeface="+mn-ea"/>
+                  <a:cs typeface="+mn-cs"/>
+                </a:defRPr>
+              </a:lvl4pPr>
+              <a:lvl5pPr marL="2057400" indent="-228600" algn="l" defTabSz="914400" rtl="0" eaLnBrk="1" latinLnBrk="0" hangingPunct="1">
+                <a:lnSpc>
+                  <a:spcPct val="90000"/>
+                </a:lnSpc>
+                <a:spcBef>
+                  <a:spcPts val="500"/>
+                </a:spcBef>
+                <a:buFont typeface="Arial" panose="020B0604020202020204" pitchFamily="34" charset="0"/>
+                <a:buChar char="•"/>
+                <a:defRPr sz="1800" kern="1200">
+                  <a:solidFill>
+                    <a:schemeClr val="tx1"/>
+                  </a:solidFill>
+                  <a:latin typeface="+mn-lt"/>
+                  <a:ea typeface="+mn-ea"/>
+                  <a:cs typeface="+mn-cs"/>
+                </a:defRPr>
+              </a:lvl5pPr>
+              <a:lvl6pPr marL="2514600" indent="-228600" algn="l" defTabSz="914400" rtl="0" eaLnBrk="1" latinLnBrk="0" hangingPunct="1">
+                <a:lnSpc>
+                  <a:spcPct val="90000"/>
+                </a:lnSpc>
+                <a:spcBef>
+                  <a:spcPts val="500"/>
+                </a:spcBef>
+                <a:buFont typeface="Arial" panose="020B0604020202020204" pitchFamily="34" charset="0"/>
+                <a:buChar char="•"/>
+                <a:defRPr sz="1800" kern="1200">
+                  <a:solidFill>
+                    <a:schemeClr val="tx1"/>
+                  </a:solidFill>
+                  <a:latin typeface="+mn-lt"/>
+                  <a:ea typeface="+mn-ea"/>
+                  <a:cs typeface="+mn-cs"/>
+                </a:defRPr>
+              </a:lvl6pPr>
+              <a:lvl7pPr marL="2971800" indent="-228600" algn="l" defTabSz="914400" rtl="0" eaLnBrk="1" latinLnBrk="0" hangingPunct="1">
+                <a:lnSpc>
+                  <a:spcPct val="90000"/>
+                </a:lnSpc>
+                <a:spcBef>
+                  <a:spcPts val="500"/>
+                </a:spcBef>
+                <a:buFont typeface="Arial" panose="020B0604020202020204" pitchFamily="34" charset="0"/>
+                <a:buChar char="•"/>
+                <a:defRPr sz="1800" kern="1200">
+                  <a:solidFill>
+                    <a:schemeClr val="tx1"/>
+                  </a:solidFill>
+                  <a:latin typeface="+mn-lt"/>
+                  <a:ea typeface="+mn-ea"/>
+                  <a:cs typeface="+mn-cs"/>
+                </a:defRPr>
+              </a:lvl7pPr>
+              <a:lvl8pPr marL="3429000" indent="-228600" algn="l" defTabSz="914400" rtl="0" eaLnBrk="1" latinLnBrk="0" hangingPunct="1">
+                <a:lnSpc>
+                  <a:spcPct val="90000"/>
+                </a:lnSpc>
+                <a:spcBef>
+                  <a:spcPts val="500"/>
+                </a:spcBef>
+                <a:buFont typeface="Arial" panose="020B0604020202020204" pitchFamily="34" charset="0"/>
+                <a:buChar char="•"/>
+                <a:defRPr sz="1800" kern="1200">
+                  <a:solidFill>
+                    <a:schemeClr val="tx1"/>
+                  </a:solidFill>
+                  <a:latin typeface="+mn-lt"/>
+                  <a:ea typeface="+mn-ea"/>
+                  <a:cs typeface="+mn-cs"/>
+                </a:defRPr>
+              </a:lvl8pPr>
+              <a:lvl9pPr marL="3886200" indent="-228600" algn="l" defTabSz="914400" rtl="0" eaLnBrk="1" latinLnBrk="0" hangingPunct="1">
+                <a:lnSpc>
+                  <a:spcPct val="90000"/>
+                </a:lnSpc>
+                <a:spcBef>
+                  <a:spcPts val="500"/>
+                </a:spcBef>
+                <a:buFont typeface="Arial" panose="020B0604020202020204" pitchFamily="34" charset="0"/>
+                <a:buChar char="•"/>
+                <a:defRPr sz="1800" kern="1200">
+                  <a:solidFill>
+                    <a:schemeClr val="tx1"/>
+                  </a:solidFill>
+                  <a:latin typeface="+mn-lt"/>
+                  <a:ea typeface="+mn-ea"/>
+                  <a:cs typeface="+mn-cs"/>
+                </a:defRPr>
+              </a:lvl9pPr>
+            </a:lstStyle>
+            <a:p>
+              <a:pPr marL="0" indent="0">
+                <a:buNone/>
+              </a:pPr>
+              <a:r>
+                <a:rPr lang="en-US" dirty="0" smtClean="0"/>
+                <a:t>(50, 50)</a:t>
+              </a:r>
+              <a:endParaRPr lang="en-US" dirty="0"/>
+            </a:p>
+          </p:txBody>
+        </p:sp>
+        <p:sp>
+          <p:nvSpPr>
+            <p:cNvPr id="22" name="Content Placeholder 2"/>
+            <p:cNvSpPr txBox="1">
+              <a:spLocks/>
+            </p:cNvSpPr>
+            <p:nvPr/>
+          </p:nvSpPr>
+          <p:spPr>
+            <a:xfrm>
+              <a:off x="3467098" y="4658948"/>
+              <a:ext cx="1752601" cy="687229"/>
+            </a:xfrm>
+            <a:prstGeom prst="rect">
+              <a:avLst/>
+            </a:prstGeom>
+          </p:spPr>
+          <p:txBody>
+            <a:bodyPr vert="horz" lIns="91440" tIns="45720" rIns="91440" bIns="45720" rtlCol="0">
+              <a:normAutofit/>
+            </a:bodyPr>
+            <a:lstStyle>
+              <a:lvl1pPr marL="228600" indent="-228600" algn="l" defTabSz="914400" rtl="0" eaLnBrk="1" latinLnBrk="0" hangingPunct="1">
+                <a:lnSpc>
+                  <a:spcPct val="90000"/>
+                </a:lnSpc>
+                <a:spcBef>
+                  <a:spcPts val="1000"/>
+                </a:spcBef>
+                <a:buFont typeface="Arial" panose="020B0604020202020204" pitchFamily="34" charset="0"/>
+                <a:buChar char="•"/>
+                <a:defRPr sz="2800" kern="1200">
+                  <a:solidFill>
+                    <a:schemeClr val="tx1"/>
+                  </a:solidFill>
+                  <a:latin typeface="+mn-lt"/>
+                  <a:ea typeface="+mn-ea"/>
+                  <a:cs typeface="+mn-cs"/>
+                </a:defRPr>
+              </a:lvl1pPr>
+              <a:lvl2pPr marL="685800" indent="-228600" algn="l" defTabSz="914400" rtl="0" eaLnBrk="1" latinLnBrk="0" hangingPunct="1">
+                <a:lnSpc>
+                  <a:spcPct val="90000"/>
+                </a:lnSpc>
+                <a:spcBef>
+                  <a:spcPts val="500"/>
+                </a:spcBef>
+                <a:buFont typeface="Arial" panose="020B0604020202020204" pitchFamily="34" charset="0"/>
+                <a:buChar char="•"/>
+                <a:defRPr sz="2400" kern="1200">
+                  <a:solidFill>
+                    <a:schemeClr val="tx1"/>
+                  </a:solidFill>
+                  <a:latin typeface="+mn-lt"/>
+                  <a:ea typeface="+mn-ea"/>
+                  <a:cs typeface="+mn-cs"/>
+                </a:defRPr>
+              </a:lvl2pPr>
+              <a:lvl3pPr marL="1143000" indent="-228600" algn="l" defTabSz="914400" rtl="0" eaLnBrk="1" latinLnBrk="0" hangingPunct="1">
+                <a:lnSpc>
+                  <a:spcPct val="90000"/>
+                </a:lnSpc>
+                <a:spcBef>
+                  <a:spcPts val="500"/>
+                </a:spcBef>
+                <a:buFont typeface="Arial" panose="020B0604020202020204" pitchFamily="34" charset="0"/>
+                <a:buChar char="•"/>
+                <a:defRPr sz="2000" kern="1200">
+                  <a:solidFill>
+                    <a:schemeClr val="tx1"/>
+                  </a:solidFill>
+                  <a:latin typeface="+mn-lt"/>
+                  <a:ea typeface="+mn-ea"/>
+                  <a:cs typeface="+mn-cs"/>
+                </a:defRPr>
+              </a:lvl3pPr>
+              <a:lvl4pPr marL="1600200" indent="-228600" algn="l" defTabSz="914400" rtl="0" eaLnBrk="1" latinLnBrk="0" hangingPunct="1">
+                <a:lnSpc>
+                  <a:spcPct val="90000"/>
+                </a:lnSpc>
+                <a:spcBef>
+                  <a:spcPts val="500"/>
+                </a:spcBef>
+                <a:buFont typeface="Arial" panose="020B0604020202020204" pitchFamily="34" charset="0"/>
+                <a:buChar char="•"/>
+                <a:defRPr sz="1800" kern="1200">
+                  <a:solidFill>
+                    <a:schemeClr val="tx1"/>
+                  </a:solidFill>
+                  <a:latin typeface="+mn-lt"/>
+                  <a:ea typeface="+mn-ea"/>
+                  <a:cs typeface="+mn-cs"/>
+                </a:defRPr>
+              </a:lvl4pPr>
+              <a:lvl5pPr marL="2057400" indent="-228600" algn="l" defTabSz="914400" rtl="0" eaLnBrk="1" latinLnBrk="0" hangingPunct="1">
+                <a:lnSpc>
+                  <a:spcPct val="90000"/>
+                </a:lnSpc>
+                <a:spcBef>
+                  <a:spcPts val="500"/>
+                </a:spcBef>
+                <a:buFont typeface="Arial" panose="020B0604020202020204" pitchFamily="34" charset="0"/>
+                <a:buChar char="•"/>
+                <a:defRPr sz="1800" kern="1200">
+                  <a:solidFill>
+                    <a:schemeClr val="tx1"/>
+                  </a:solidFill>
+                  <a:latin typeface="+mn-lt"/>
+                  <a:ea typeface="+mn-ea"/>
+                  <a:cs typeface="+mn-cs"/>
+                </a:defRPr>
+              </a:lvl5pPr>
+              <a:lvl6pPr marL="2514600" indent="-228600" algn="l" defTabSz="914400" rtl="0" eaLnBrk="1" latinLnBrk="0" hangingPunct="1">
+                <a:lnSpc>
+                  <a:spcPct val="90000"/>
+                </a:lnSpc>
+                <a:spcBef>
+                  <a:spcPts val="500"/>
+                </a:spcBef>
+                <a:buFont typeface="Arial" panose="020B0604020202020204" pitchFamily="34" charset="0"/>
+                <a:buChar char="•"/>
+                <a:defRPr sz="1800" kern="1200">
+                  <a:solidFill>
+                    <a:schemeClr val="tx1"/>
+                  </a:solidFill>
+                  <a:latin typeface="+mn-lt"/>
+                  <a:ea typeface="+mn-ea"/>
+                  <a:cs typeface="+mn-cs"/>
+                </a:defRPr>
+              </a:lvl6pPr>
+              <a:lvl7pPr marL="2971800" indent="-228600" algn="l" defTabSz="914400" rtl="0" eaLnBrk="1" latinLnBrk="0" hangingPunct="1">
+                <a:lnSpc>
+                  <a:spcPct val="90000"/>
+                </a:lnSpc>
+                <a:spcBef>
+                  <a:spcPts val="500"/>
+                </a:spcBef>
+                <a:buFont typeface="Arial" panose="020B0604020202020204" pitchFamily="34" charset="0"/>
+                <a:buChar char="•"/>
+                <a:defRPr sz="1800" kern="1200">
+                  <a:solidFill>
+                    <a:schemeClr val="tx1"/>
+                  </a:solidFill>
+                  <a:latin typeface="+mn-lt"/>
+                  <a:ea typeface="+mn-ea"/>
+                  <a:cs typeface="+mn-cs"/>
+                </a:defRPr>
+              </a:lvl7pPr>
+              <a:lvl8pPr marL="3429000" indent="-228600" algn="l" defTabSz="914400" rtl="0" eaLnBrk="1" latinLnBrk="0" hangingPunct="1">
+                <a:lnSpc>
+                  <a:spcPct val="90000"/>
+                </a:lnSpc>
+                <a:spcBef>
+                  <a:spcPts val="500"/>
+                </a:spcBef>
+                <a:buFont typeface="Arial" panose="020B0604020202020204" pitchFamily="34" charset="0"/>
+                <a:buChar char="•"/>
+                <a:defRPr sz="1800" kern="1200">
+                  <a:solidFill>
+                    <a:schemeClr val="tx1"/>
+                  </a:solidFill>
+                  <a:latin typeface="+mn-lt"/>
+                  <a:ea typeface="+mn-ea"/>
+                  <a:cs typeface="+mn-cs"/>
+                </a:defRPr>
+              </a:lvl8pPr>
+              <a:lvl9pPr marL="3886200" indent="-228600" algn="l" defTabSz="914400" rtl="0" eaLnBrk="1" latinLnBrk="0" hangingPunct="1">
+                <a:lnSpc>
+                  <a:spcPct val="90000"/>
+                </a:lnSpc>
+                <a:spcBef>
+                  <a:spcPts val="500"/>
+                </a:spcBef>
+                <a:buFont typeface="Arial" panose="020B0604020202020204" pitchFamily="34" charset="0"/>
+                <a:buChar char="•"/>
+                <a:defRPr sz="1800" kern="1200">
+                  <a:solidFill>
+                    <a:schemeClr val="tx1"/>
+                  </a:solidFill>
+                  <a:latin typeface="+mn-lt"/>
+                  <a:ea typeface="+mn-ea"/>
+                  <a:cs typeface="+mn-cs"/>
+                </a:defRPr>
+              </a:lvl9pPr>
+            </a:lstStyle>
+            <a:p>
+              <a:pPr marL="0" indent="0">
+                <a:buNone/>
+              </a:pPr>
+              <a:r>
+                <a:rPr lang="en-US" dirty="0" smtClean="0"/>
+                <a:t>150</a:t>
+              </a:r>
+              <a:endParaRPr lang="en-US" dirty="0"/>
+            </a:p>
+          </p:txBody>
+        </p:sp>
+        <p:sp>
+          <p:nvSpPr>
+            <p:cNvPr id="21" name="Content Placeholder 2"/>
+            <p:cNvSpPr txBox="1">
+              <a:spLocks/>
+            </p:cNvSpPr>
+            <p:nvPr/>
+          </p:nvSpPr>
+          <p:spPr>
+            <a:xfrm>
+              <a:off x="5674676" y="3742451"/>
+              <a:ext cx="1752601" cy="687229"/>
+            </a:xfrm>
+            <a:prstGeom prst="rect">
+              <a:avLst/>
+            </a:prstGeom>
+          </p:spPr>
+          <p:txBody>
+            <a:bodyPr vert="horz" lIns="91440" tIns="45720" rIns="91440" bIns="45720" rtlCol="0">
+              <a:normAutofit/>
+            </a:bodyPr>
+            <a:lstStyle>
+              <a:lvl1pPr marL="228600" indent="-228600" algn="l" defTabSz="914400" rtl="0" eaLnBrk="1" latinLnBrk="0" hangingPunct="1">
+                <a:lnSpc>
+                  <a:spcPct val="90000"/>
+                </a:lnSpc>
+                <a:spcBef>
+                  <a:spcPts val="1000"/>
+                </a:spcBef>
+                <a:buFont typeface="Arial" panose="020B0604020202020204" pitchFamily="34" charset="0"/>
+                <a:buChar char="•"/>
+                <a:defRPr sz="2800" kern="1200">
+                  <a:solidFill>
+                    <a:schemeClr val="tx1"/>
+                  </a:solidFill>
+                  <a:latin typeface="+mn-lt"/>
+                  <a:ea typeface="+mn-ea"/>
+                  <a:cs typeface="+mn-cs"/>
+                </a:defRPr>
+              </a:lvl1pPr>
+              <a:lvl2pPr marL="685800" indent="-228600" algn="l" defTabSz="914400" rtl="0" eaLnBrk="1" latinLnBrk="0" hangingPunct="1">
+                <a:lnSpc>
+                  <a:spcPct val="90000"/>
+                </a:lnSpc>
+                <a:spcBef>
+                  <a:spcPts val="500"/>
+                </a:spcBef>
+                <a:buFont typeface="Arial" panose="020B0604020202020204" pitchFamily="34" charset="0"/>
+                <a:buChar char="•"/>
+                <a:defRPr sz="2400" kern="1200">
+                  <a:solidFill>
+                    <a:schemeClr val="tx1"/>
+                  </a:solidFill>
+                  <a:latin typeface="+mn-lt"/>
+                  <a:ea typeface="+mn-ea"/>
+                  <a:cs typeface="+mn-cs"/>
+                </a:defRPr>
+              </a:lvl2pPr>
+              <a:lvl3pPr marL="1143000" indent="-228600" algn="l" defTabSz="914400" rtl="0" eaLnBrk="1" latinLnBrk="0" hangingPunct="1">
+                <a:lnSpc>
+                  <a:spcPct val="90000"/>
+                </a:lnSpc>
+                <a:spcBef>
+                  <a:spcPts val="500"/>
+                </a:spcBef>
+                <a:buFont typeface="Arial" panose="020B0604020202020204" pitchFamily="34" charset="0"/>
+                <a:buChar char="•"/>
+                <a:defRPr sz="2000" kern="1200">
+                  <a:solidFill>
+                    <a:schemeClr val="tx1"/>
+                  </a:solidFill>
+                  <a:latin typeface="+mn-lt"/>
+                  <a:ea typeface="+mn-ea"/>
+                  <a:cs typeface="+mn-cs"/>
+                </a:defRPr>
+              </a:lvl3pPr>
+              <a:lvl4pPr marL="1600200" indent="-228600" algn="l" defTabSz="914400" rtl="0" eaLnBrk="1" latinLnBrk="0" hangingPunct="1">
+                <a:lnSpc>
+                  <a:spcPct val="90000"/>
+                </a:lnSpc>
+                <a:spcBef>
+                  <a:spcPts val="500"/>
+                </a:spcBef>
+                <a:buFont typeface="Arial" panose="020B0604020202020204" pitchFamily="34" charset="0"/>
+                <a:buChar char="•"/>
+                <a:defRPr sz="1800" kern="1200">
+                  <a:solidFill>
+                    <a:schemeClr val="tx1"/>
+                  </a:solidFill>
+                  <a:latin typeface="+mn-lt"/>
+                  <a:ea typeface="+mn-ea"/>
+                  <a:cs typeface="+mn-cs"/>
+                </a:defRPr>
+              </a:lvl4pPr>
+              <a:lvl5pPr marL="2057400" indent="-228600" algn="l" defTabSz="914400" rtl="0" eaLnBrk="1" latinLnBrk="0" hangingPunct="1">
+                <a:lnSpc>
+                  <a:spcPct val="90000"/>
+                </a:lnSpc>
+                <a:spcBef>
+                  <a:spcPts val="500"/>
+                </a:spcBef>
+                <a:buFont typeface="Arial" panose="020B0604020202020204" pitchFamily="34" charset="0"/>
+                <a:buChar char="•"/>
+                <a:defRPr sz="1800" kern="1200">
+                  <a:solidFill>
+                    <a:schemeClr val="tx1"/>
+                  </a:solidFill>
+                  <a:latin typeface="+mn-lt"/>
+                  <a:ea typeface="+mn-ea"/>
+                  <a:cs typeface="+mn-cs"/>
+                </a:defRPr>
+              </a:lvl5pPr>
+              <a:lvl6pPr marL="2514600" indent="-228600" algn="l" defTabSz="914400" rtl="0" eaLnBrk="1" latinLnBrk="0" hangingPunct="1">
+                <a:lnSpc>
+                  <a:spcPct val="90000"/>
+                </a:lnSpc>
+                <a:spcBef>
+                  <a:spcPts val="500"/>
+                </a:spcBef>
+                <a:buFont typeface="Arial" panose="020B0604020202020204" pitchFamily="34" charset="0"/>
+                <a:buChar char="•"/>
+                <a:defRPr sz="1800" kern="1200">
+                  <a:solidFill>
+                    <a:schemeClr val="tx1"/>
+                  </a:solidFill>
+                  <a:latin typeface="+mn-lt"/>
+                  <a:ea typeface="+mn-ea"/>
+                  <a:cs typeface="+mn-cs"/>
+                </a:defRPr>
+              </a:lvl6pPr>
+              <a:lvl7pPr marL="2971800" indent="-228600" algn="l" defTabSz="914400" rtl="0" eaLnBrk="1" latinLnBrk="0" hangingPunct="1">
+                <a:lnSpc>
+                  <a:spcPct val="90000"/>
+                </a:lnSpc>
+                <a:spcBef>
+                  <a:spcPts val="500"/>
+                </a:spcBef>
+                <a:buFont typeface="Arial" panose="020B0604020202020204" pitchFamily="34" charset="0"/>
+                <a:buChar char="•"/>
+                <a:defRPr sz="1800" kern="1200">
+                  <a:solidFill>
+                    <a:schemeClr val="tx1"/>
+                  </a:solidFill>
+                  <a:latin typeface="+mn-lt"/>
+                  <a:ea typeface="+mn-ea"/>
+                  <a:cs typeface="+mn-cs"/>
+                </a:defRPr>
+              </a:lvl7pPr>
+              <a:lvl8pPr marL="3429000" indent="-228600" algn="l" defTabSz="914400" rtl="0" eaLnBrk="1" latinLnBrk="0" hangingPunct="1">
+                <a:lnSpc>
+                  <a:spcPct val="90000"/>
+                </a:lnSpc>
+                <a:spcBef>
+                  <a:spcPts val="500"/>
+                </a:spcBef>
+                <a:buFont typeface="Arial" panose="020B0604020202020204" pitchFamily="34" charset="0"/>
+                <a:buChar char="•"/>
+                <a:defRPr sz="1800" kern="1200">
+                  <a:solidFill>
+                    <a:schemeClr val="tx1"/>
+                  </a:solidFill>
+                  <a:latin typeface="+mn-lt"/>
+                  <a:ea typeface="+mn-ea"/>
+                  <a:cs typeface="+mn-cs"/>
+                </a:defRPr>
+              </a:lvl8pPr>
+              <a:lvl9pPr marL="3886200" indent="-228600" algn="l" defTabSz="914400" rtl="0" eaLnBrk="1" latinLnBrk="0" hangingPunct="1">
+                <a:lnSpc>
+                  <a:spcPct val="90000"/>
+                </a:lnSpc>
+                <a:spcBef>
+                  <a:spcPts val="500"/>
+                </a:spcBef>
+                <a:buFont typeface="Arial" panose="020B0604020202020204" pitchFamily="34" charset="0"/>
+                <a:buChar char="•"/>
+                <a:defRPr sz="1800" kern="1200">
+                  <a:solidFill>
+                    <a:schemeClr val="tx1"/>
+                  </a:solidFill>
+                  <a:latin typeface="+mn-lt"/>
+                  <a:ea typeface="+mn-ea"/>
+                  <a:cs typeface="+mn-cs"/>
+                </a:defRPr>
+              </a:lvl9pPr>
+            </a:lstStyle>
+            <a:p>
+              <a:pPr marL="0" indent="0">
+                <a:buNone/>
+              </a:pPr>
+              <a:r>
+                <a:rPr lang="en-US" dirty="0" smtClean="0"/>
+                <a:t>100</a:t>
+              </a:r>
+              <a:endParaRPr lang="en-US" dirty="0"/>
+            </a:p>
+          </p:txBody>
+        </p:sp>
+      </p:grpSp>
+    </p:spTree>
+    <p:extLst>
+      <p:ext uri="{BB962C8B-B14F-4D97-AF65-F5344CB8AC3E}">
+        <p14:creationId xmlns:p14="http://schemas.microsoft.com/office/powerpoint/2010/main" val="1399201435"/>
+      </p:ext>
+    </p:extLst>
+  </p:cSld>
+  <p:clrMapOvr>
+    <a:masterClrMapping/>
+  </p:clrMapOvr>
+  <p:timing>
+    <p:tnLst>
+      <p:par>
+        <p:cTn id="1" dur="indefinite" restart="never" nodeType="tmRoot"/>
+      </p:par>
+    </p:tnLst>
+  </p:timing>
+</p:sld>
+</file>
+
+<file path=ppt/slides/slide48.xml><?xml version="1.0" encoding="utf-8"?>
+<p:sld xmlns:a="http://schemas.openxmlformats.org/drawingml/2006/main" xmlns:r="http://schemas.openxmlformats.org/officeDocument/2006/relationships" xmlns:p="http://schemas.openxmlformats.org/presentationml/2006/main">
+  <p:cSld>
+    <p:spTree>
+      <p:nvGrpSpPr>
+        <p:cNvPr id="1" name=""/>
+        <p:cNvGrpSpPr/>
+        <p:nvPr/>
+      </p:nvGrpSpPr>
+      <p:grpSpPr>
+        <a:xfrm>
+          <a:off x="0" y="0"/>
+          <a:ext cx="0" cy="0"/>
+          <a:chOff x="0" y="0"/>
+          <a:chExt cx="0" cy="0"/>
+        </a:xfrm>
+      </p:grpSpPr>
+      <p:sp>
+        <p:nvSpPr>
+          <p:cNvPr id="2" name="Title 1"/>
+          <p:cNvSpPr>
+            <a:spLocks noGrp="1"/>
+          </p:cNvSpPr>
+          <p:nvPr>
+            <p:ph type="title"/>
+          </p:nvPr>
+        </p:nvSpPr>
+        <p:spPr/>
+        <p:txBody>
+          <a:bodyPr/>
+          <a:lstStyle/>
+          <a:p>
+            <a:r>
+              <a:rPr lang="en-US" b="1" dirty="0" smtClean="0">
+                <a:solidFill>
+                  <a:srgbClr val="FF0000"/>
+                </a:solidFill>
+              </a:rPr>
+              <a:t>Summary</a:t>
+            </a:r>
+            <a:endParaRPr lang="en-US" b="1" dirty="0">
+              <a:solidFill>
+                <a:srgbClr val="FF0000"/>
+              </a:solidFill>
+            </a:endParaRPr>
+          </a:p>
+        </p:txBody>
+      </p:sp>
+      <p:sp>
+        <p:nvSpPr>
+          <p:cNvPr id="3" name="Content Placeholder 2"/>
+          <p:cNvSpPr>
+            <a:spLocks noGrp="1"/>
+          </p:cNvSpPr>
+          <p:nvPr>
+            <p:ph idx="1"/>
+          </p:nvPr>
+        </p:nvSpPr>
+        <p:spPr/>
+        <p:txBody>
+          <a:bodyPr>
+            <a:normAutofit/>
+          </a:bodyPr>
+          <a:lstStyle/>
+          <a:p>
+            <a:endParaRPr lang="en-US" dirty="0" smtClean="0"/>
+          </a:p>
+          <a:p>
+            <a:endParaRPr lang="en-US" dirty="0"/>
+          </a:p>
+          <a:p>
+            <a:endParaRPr lang="en-US" dirty="0" smtClean="0"/>
+          </a:p>
+          <a:p>
+            <a:endParaRPr lang="en-US" dirty="0"/>
+          </a:p>
+          <a:p>
+            <a:endParaRPr lang="en-US" dirty="0" smtClean="0"/>
+          </a:p>
+          <a:p>
+            <a:r>
+              <a:rPr lang="en-US" smtClean="0"/>
+              <a:t>DCx</a:t>
+            </a:r>
+            <a:r>
+              <a:rPr lang="en-US" dirty="0" smtClean="0"/>
+              <a:t> = </a:t>
+            </a:r>
+            <a:r>
+              <a:rPr lang="en-US" dirty="0" err="1" smtClean="0"/>
+              <a:t>mouseX</a:t>
+            </a:r>
+            <a:r>
+              <a:rPr lang="en-US" dirty="0" smtClean="0"/>
+              <a:t> – </a:t>
+            </a:r>
+            <a:r>
+              <a:rPr lang="en-US" dirty="0" err="1" smtClean="0"/>
+              <a:t>ViewportOrgX</a:t>
+            </a:r>
+            <a:endParaRPr lang="en-US" dirty="0" smtClean="0"/>
+          </a:p>
+          <a:p>
+            <a:r>
+              <a:rPr lang="en-US" dirty="0" err="1" smtClean="0"/>
+              <a:t>WCx</a:t>
+            </a:r>
+            <a:r>
+              <a:rPr lang="en-US" dirty="0" smtClean="0"/>
+              <a:t> = </a:t>
+            </a:r>
+            <a:r>
+              <a:rPr lang="en-US" dirty="0" err="1" smtClean="0"/>
+              <a:t>LLx</a:t>
+            </a:r>
+            <a:r>
+              <a:rPr lang="en-US" dirty="0" smtClean="0"/>
+              <a:t> + WC-Width * </a:t>
+            </a:r>
+            <a:r>
+              <a:rPr lang="en-US" dirty="0" err="1" smtClean="0"/>
+              <a:t>DCx</a:t>
+            </a:r>
+            <a:r>
+              <a:rPr lang="en-US" dirty="0" smtClean="0"/>
+              <a:t> / </a:t>
+            </a:r>
+            <a:r>
+              <a:rPr lang="en-US" dirty="0" err="1" smtClean="0"/>
+              <a:t>ViewportWidth</a:t>
+            </a:r>
+            <a:endParaRPr lang="en-US" dirty="0"/>
+          </a:p>
+          <a:p>
+            <a:pPr lvl="1"/>
+            <a:r>
+              <a:rPr lang="en-US" dirty="0" err="1" smtClean="0"/>
+              <a:t>LLx</a:t>
+            </a:r>
+            <a:r>
+              <a:rPr lang="en-US" dirty="0" smtClean="0"/>
+              <a:t> = lower-left-x = Camera-X – (WC-Width / 2)</a:t>
+            </a:r>
+            <a:endParaRPr lang="en-US" dirty="0" smtClean="0"/>
+          </a:p>
+          <a:p>
+            <a:pPr marL="0" indent="0">
+              <a:buNone/>
+            </a:pPr>
+            <a:endParaRPr lang="en-US" b="1" dirty="0" smtClean="0">
+              <a:solidFill>
+                <a:schemeClr val="accent2"/>
+              </a:solidFill>
+            </a:endParaRPr>
+          </a:p>
+          <a:p>
+            <a:endParaRPr lang="en-US" b="1" dirty="0">
+              <a:solidFill>
+                <a:schemeClr val="accent2"/>
+              </a:solidFill>
+            </a:endParaRPr>
+          </a:p>
+          <a:p>
+            <a:pPr marL="1371600" lvl="3" indent="0">
+              <a:buNone/>
+            </a:pPr>
+            <a:endParaRPr lang="en-US" b="1" dirty="0">
+              <a:solidFill>
+                <a:srgbClr val="FF0000"/>
+              </a:solidFill>
+            </a:endParaRPr>
+          </a:p>
+          <a:p>
+            <a:endParaRPr lang="en-US" dirty="0"/>
+          </a:p>
+        </p:txBody>
+      </p:sp>
+      <p:sp>
+        <p:nvSpPr>
+          <p:cNvPr id="13" name="Content Placeholder 2"/>
+          <p:cNvSpPr txBox="1">
+            <a:spLocks/>
+          </p:cNvSpPr>
+          <p:nvPr/>
+        </p:nvSpPr>
+        <p:spPr>
+          <a:xfrm>
+            <a:off x="5029200" y="630918"/>
+            <a:ext cx="5992586" cy="3459389"/>
+          </a:xfrm>
+          <a:prstGeom prst="rect">
+            <a:avLst/>
+          </a:prstGeom>
+        </p:spPr>
+        <p:txBody>
+          <a:bodyPr vert="horz" lIns="91440" tIns="45720" rIns="91440" bIns="45720" rtlCol="0">
+            <a:normAutofit fontScale="85000" lnSpcReduction="20000"/>
+          </a:bodyPr>
+          <a:lstStyle>
+            <a:lvl1pPr marL="228600" indent="-228600" algn="l" defTabSz="914400" rtl="0" eaLnBrk="1" latinLnBrk="0" hangingPunct="1">
+              <a:lnSpc>
+                <a:spcPct val="90000"/>
+              </a:lnSpc>
+              <a:spcBef>
+                <a:spcPts val="1000"/>
+              </a:spcBef>
+              <a:buFont typeface="Arial" panose="020B0604020202020204" pitchFamily="34" charset="0"/>
+              <a:buChar char="•"/>
+              <a:defRPr sz="2800" kern="1200">
+                <a:solidFill>
+                  <a:schemeClr val="tx1"/>
+                </a:solidFill>
+                <a:latin typeface="+mn-lt"/>
+                <a:ea typeface="+mn-ea"/>
+                <a:cs typeface="+mn-cs"/>
+              </a:defRPr>
+            </a:lvl1pPr>
+            <a:lvl2pPr marL="685800" indent="-228600" algn="l" defTabSz="914400" rtl="0" eaLnBrk="1" latinLnBrk="0" hangingPunct="1">
+              <a:lnSpc>
+                <a:spcPct val="90000"/>
+              </a:lnSpc>
+              <a:spcBef>
+                <a:spcPts val="500"/>
+              </a:spcBef>
+              <a:buFont typeface="Arial" panose="020B0604020202020204" pitchFamily="34" charset="0"/>
+              <a:buChar char="•"/>
+              <a:defRPr sz="2400" kern="1200">
+                <a:solidFill>
+                  <a:schemeClr val="tx1"/>
+                </a:solidFill>
+                <a:latin typeface="+mn-lt"/>
+                <a:ea typeface="+mn-ea"/>
+                <a:cs typeface="+mn-cs"/>
+              </a:defRPr>
+            </a:lvl2pPr>
+            <a:lvl3pPr marL="1143000" indent="-228600" algn="l" defTabSz="914400" rtl="0" eaLnBrk="1" latinLnBrk="0" hangingPunct="1">
+              <a:lnSpc>
+                <a:spcPct val="90000"/>
+              </a:lnSpc>
+              <a:spcBef>
+                <a:spcPts val="500"/>
+              </a:spcBef>
+              <a:buFont typeface="Arial" panose="020B0604020202020204" pitchFamily="34" charset="0"/>
+              <a:buChar char="•"/>
+              <a:defRPr sz="2000" kern="1200">
+                <a:solidFill>
+                  <a:schemeClr val="tx1"/>
+                </a:solidFill>
+                <a:latin typeface="+mn-lt"/>
+                <a:ea typeface="+mn-ea"/>
+                <a:cs typeface="+mn-cs"/>
+              </a:defRPr>
+            </a:lvl3pPr>
+            <a:lvl4pPr marL="1600200" indent="-228600" algn="l" defTabSz="914400" rtl="0" eaLnBrk="1" latinLnBrk="0" hangingPunct="1">
+              <a:lnSpc>
+                <a:spcPct val="90000"/>
+              </a:lnSpc>
+              <a:spcBef>
+                <a:spcPts val="500"/>
+              </a:spcBef>
+              <a:buFont typeface="Arial" panose="020B0604020202020204" pitchFamily="34" charset="0"/>
+              <a:buChar char="•"/>
+              <a:defRPr sz="1800" kern="1200">
+                <a:solidFill>
+                  <a:schemeClr val="tx1"/>
+                </a:solidFill>
+                <a:latin typeface="+mn-lt"/>
+                <a:ea typeface="+mn-ea"/>
+                <a:cs typeface="+mn-cs"/>
+              </a:defRPr>
+            </a:lvl4pPr>
+            <a:lvl5pPr marL="2057400" indent="-228600" algn="l" defTabSz="914400" rtl="0" eaLnBrk="1" latinLnBrk="0" hangingPunct="1">
+              <a:lnSpc>
+                <a:spcPct val="90000"/>
+              </a:lnSpc>
+              <a:spcBef>
+                <a:spcPts val="500"/>
+              </a:spcBef>
+              <a:buFont typeface="Arial" panose="020B0604020202020204" pitchFamily="34" charset="0"/>
+              <a:buChar char="•"/>
+              <a:defRPr sz="1800" kern="1200">
+                <a:solidFill>
+                  <a:schemeClr val="tx1"/>
+                </a:solidFill>
+                <a:latin typeface="+mn-lt"/>
+                <a:ea typeface="+mn-ea"/>
+                <a:cs typeface="+mn-cs"/>
+              </a:defRPr>
+            </a:lvl5pPr>
+            <a:lvl6pPr marL="2514600" indent="-228600" algn="l" defTabSz="914400" rtl="0" eaLnBrk="1" latinLnBrk="0" hangingPunct="1">
+              <a:lnSpc>
+                <a:spcPct val="90000"/>
+              </a:lnSpc>
+              <a:spcBef>
+                <a:spcPts val="500"/>
+              </a:spcBef>
+              <a:buFont typeface="Arial" panose="020B0604020202020204" pitchFamily="34" charset="0"/>
+              <a:buChar char="•"/>
+              <a:defRPr sz="1800" kern="1200">
+                <a:solidFill>
+                  <a:schemeClr val="tx1"/>
+                </a:solidFill>
+                <a:latin typeface="+mn-lt"/>
+                <a:ea typeface="+mn-ea"/>
+                <a:cs typeface="+mn-cs"/>
+              </a:defRPr>
+            </a:lvl6pPr>
+            <a:lvl7pPr marL="2971800" indent="-228600" algn="l" defTabSz="914400" rtl="0" eaLnBrk="1" latinLnBrk="0" hangingPunct="1">
+              <a:lnSpc>
+                <a:spcPct val="90000"/>
+              </a:lnSpc>
+              <a:spcBef>
+                <a:spcPts val="500"/>
+              </a:spcBef>
+              <a:buFont typeface="Arial" panose="020B0604020202020204" pitchFamily="34" charset="0"/>
+              <a:buChar char="•"/>
+              <a:defRPr sz="1800" kern="1200">
+                <a:solidFill>
+                  <a:schemeClr val="tx1"/>
+                </a:solidFill>
+                <a:latin typeface="+mn-lt"/>
+                <a:ea typeface="+mn-ea"/>
+                <a:cs typeface="+mn-cs"/>
+              </a:defRPr>
+            </a:lvl7pPr>
+            <a:lvl8pPr marL="3429000" indent="-228600" algn="l" defTabSz="914400" rtl="0" eaLnBrk="1" latinLnBrk="0" hangingPunct="1">
+              <a:lnSpc>
+                <a:spcPct val="90000"/>
+              </a:lnSpc>
+              <a:spcBef>
+                <a:spcPts val="500"/>
+              </a:spcBef>
+              <a:buFont typeface="Arial" panose="020B0604020202020204" pitchFamily="34" charset="0"/>
+              <a:buChar char="•"/>
+              <a:defRPr sz="1800" kern="1200">
+                <a:solidFill>
+                  <a:schemeClr val="tx1"/>
+                </a:solidFill>
+                <a:latin typeface="+mn-lt"/>
+                <a:ea typeface="+mn-ea"/>
+                <a:cs typeface="+mn-cs"/>
+              </a:defRPr>
+            </a:lvl8pPr>
+            <a:lvl9pPr marL="3886200" indent="-228600" algn="l" defTabSz="914400" rtl="0" eaLnBrk="1" latinLnBrk="0" hangingPunct="1">
+              <a:lnSpc>
+                <a:spcPct val="90000"/>
+              </a:lnSpc>
+              <a:spcBef>
+                <a:spcPts val="500"/>
+              </a:spcBef>
+              <a:buFont typeface="Arial" panose="020B0604020202020204" pitchFamily="34" charset="0"/>
+              <a:buChar char="•"/>
+              <a:defRPr sz="1800" kern="1200">
+                <a:solidFill>
+                  <a:schemeClr val="tx1"/>
+                </a:solidFill>
+                <a:latin typeface="+mn-lt"/>
+                <a:ea typeface="+mn-ea"/>
+                <a:cs typeface="+mn-cs"/>
+              </a:defRPr>
+            </a:lvl9pPr>
+          </a:lstStyle>
+          <a:p>
+            <a:r>
+              <a:rPr lang="en-US" dirty="0" smtClean="0"/>
+              <a:t>Center(50, 50), Width=100 </a:t>
+            </a:r>
+            <a:r>
+              <a:rPr lang="en-US" dirty="0" smtClean="0">
+                <a:solidFill>
+                  <a:schemeClr val="accent2"/>
+                </a:solidFill>
+              </a:rPr>
+              <a:t>[100, 200, 400, 600]</a:t>
+            </a:r>
+            <a:endParaRPr lang="en-US" dirty="0" smtClean="0"/>
+          </a:p>
+          <a:p>
+            <a:pPr lvl="1"/>
+            <a:r>
+              <a:rPr lang="en-US" b="1" dirty="0" smtClean="0">
+                <a:solidFill>
+                  <a:srgbClr val="0070C0"/>
+                </a:solidFill>
+              </a:rPr>
+              <a:t>(300, 400): </a:t>
+            </a:r>
+            <a:r>
+              <a:rPr lang="en-US" b="1" dirty="0" smtClean="0">
+                <a:solidFill>
+                  <a:schemeClr val="accent2"/>
+                </a:solidFill>
+              </a:rPr>
+              <a:t>Orange: </a:t>
+            </a:r>
+            <a:r>
+              <a:rPr lang="en-US" b="1" dirty="0" err="1" smtClean="0">
+                <a:solidFill>
+                  <a:schemeClr val="accent2"/>
+                </a:solidFill>
+              </a:rPr>
+              <a:t>DCx</a:t>
+            </a:r>
+            <a:r>
+              <a:rPr lang="en-US" b="1" dirty="0" smtClean="0">
+                <a:solidFill>
+                  <a:schemeClr val="accent2"/>
+                </a:solidFill>
+              </a:rPr>
+              <a:t> = 200, </a:t>
+            </a:r>
+            <a:r>
+              <a:rPr lang="en-US" b="1" dirty="0" err="1" smtClean="0">
+                <a:solidFill>
+                  <a:schemeClr val="accent2"/>
+                </a:solidFill>
+              </a:rPr>
+              <a:t>DCy</a:t>
+            </a:r>
+            <a:r>
+              <a:rPr lang="en-US" b="1" dirty="0" smtClean="0">
+                <a:solidFill>
+                  <a:schemeClr val="accent2"/>
+                </a:solidFill>
+              </a:rPr>
+              <a:t>=200</a:t>
+            </a:r>
+          </a:p>
+          <a:p>
+            <a:pPr lvl="1"/>
+            <a:r>
+              <a:rPr lang="en-US" b="1" dirty="0" smtClean="0">
+                <a:solidFill>
+                  <a:schemeClr val="accent2"/>
+                </a:solidFill>
+              </a:rPr>
+              <a:t>Percent coverage in DC</a:t>
+            </a:r>
+          </a:p>
+          <a:p>
+            <a:pPr lvl="2"/>
+            <a:r>
+              <a:rPr lang="en-US" b="1" dirty="0" smtClean="0">
+                <a:solidFill>
+                  <a:schemeClr val="accent2"/>
+                </a:solidFill>
+              </a:rPr>
+              <a:t>X = 200 / 400 = 50%</a:t>
+            </a:r>
+          </a:p>
+          <a:p>
+            <a:pPr lvl="2"/>
+            <a:r>
+              <a:rPr lang="en-US" b="1" dirty="0" smtClean="0">
+                <a:solidFill>
+                  <a:schemeClr val="accent2"/>
+                </a:solidFill>
+              </a:rPr>
+              <a:t>Y = 200 / 600 = 33.33%</a:t>
+            </a:r>
+          </a:p>
+          <a:p>
+            <a:pPr lvl="1"/>
+            <a:r>
+              <a:rPr lang="en-US" dirty="0" smtClean="0"/>
+              <a:t>Amount in WC</a:t>
+            </a:r>
+          </a:p>
+          <a:p>
+            <a:pPr lvl="2"/>
+            <a:r>
+              <a:rPr lang="en-US" dirty="0" smtClean="0"/>
+              <a:t>X = 50% * Width = 50% * 100 = 50</a:t>
+            </a:r>
+          </a:p>
+          <a:p>
+            <a:pPr lvl="2"/>
+            <a:r>
+              <a:rPr lang="en-US" dirty="0" smtClean="0"/>
+              <a:t>Y = 33.3% * Height = 33.33% * 150 = 50</a:t>
+            </a:r>
+          </a:p>
+          <a:p>
+            <a:r>
+              <a:rPr lang="en-US" dirty="0" smtClean="0"/>
+              <a:t>WC: Lower-left = </a:t>
+            </a:r>
+            <a:r>
+              <a:rPr lang="en-US" sz="2000" dirty="0" smtClean="0"/>
+              <a:t>(50-100/2, 50-150/2)</a:t>
+            </a:r>
+            <a:r>
+              <a:rPr lang="en-US" dirty="0" smtClean="0"/>
+              <a:t> = (0, -25)</a:t>
+            </a:r>
+          </a:p>
+          <a:p>
+            <a:r>
+              <a:rPr lang="en-US" dirty="0" err="1" smtClean="0"/>
+              <a:t>WCx</a:t>
+            </a:r>
+            <a:r>
+              <a:rPr lang="en-US" dirty="0" smtClean="0"/>
+              <a:t>, </a:t>
+            </a:r>
+            <a:r>
+              <a:rPr lang="en-US" dirty="0" err="1" smtClean="0"/>
+              <a:t>WCy</a:t>
+            </a:r>
+            <a:r>
+              <a:rPr lang="en-US" dirty="0" smtClean="0"/>
+              <a:t> = (50, 25)</a:t>
+            </a:r>
+          </a:p>
+          <a:p>
+            <a:pPr marL="0" indent="0">
+              <a:buFont typeface="Arial" panose="020B0604020202020204" pitchFamily="34" charset="0"/>
+              <a:buNone/>
+            </a:pPr>
+            <a:endParaRPr lang="en-US" b="1" dirty="0" smtClean="0">
+              <a:solidFill>
+                <a:schemeClr val="accent2"/>
+              </a:solidFill>
+            </a:endParaRPr>
+          </a:p>
+          <a:p>
+            <a:endParaRPr lang="en-US" b="1" dirty="0" smtClean="0">
+              <a:solidFill>
+                <a:schemeClr val="accent2"/>
+              </a:solidFill>
+            </a:endParaRPr>
+          </a:p>
+          <a:p>
+            <a:pPr marL="1371600" lvl="3" indent="0">
+              <a:buFont typeface="Arial" panose="020B0604020202020204" pitchFamily="34" charset="0"/>
+              <a:buNone/>
+            </a:pPr>
+            <a:endParaRPr lang="en-US" b="1" dirty="0" smtClean="0">
+              <a:solidFill>
+                <a:srgbClr val="FF0000"/>
+              </a:solidFill>
+            </a:endParaRPr>
+          </a:p>
+          <a:p>
+            <a:endParaRPr lang="en-US" dirty="0"/>
+          </a:p>
+        </p:txBody>
+      </p:sp>
+    </p:spTree>
+    <p:extLst>
+      <p:ext uri="{BB962C8B-B14F-4D97-AF65-F5344CB8AC3E}">
+        <p14:creationId xmlns:p14="http://schemas.microsoft.com/office/powerpoint/2010/main" val="1493849930"/>
+      </p:ext>
+    </p:extLst>
+  </p:cSld>
+  <p:clrMapOvr>
+    <a:masterClrMapping/>
+  </p:clrMapOvr>
+  <p:timing>
+    <p:tnLst>
+      <p:par>
+        <p:cTn id="1" dur="indefinite" restart="never" nodeType="tmRoot"/>
+      </p:par>
+    </p:tnLst>
+  </p:timing>
+</p:sld>
+</file>
+
+<file path=ppt/slides/slide49.xml><?xml version="1.0" encoding="utf-8"?>
 <p:sld xmlns:a="http://schemas.openxmlformats.org/drawingml/2006/main" xmlns:r="http://schemas.openxmlformats.org/officeDocument/2006/relationships" xmlns:p="http://schemas.openxmlformats.org/presentationml/2006/main">
   <p:cSld>
     <p:spTree>
@@ -10005,7 +16022,7 @@
 </p:sld>
 </file>
 
-<file path=ppt/slides/slide42.xml><?xml version="1.0" encoding="utf-8"?>
+<file path=ppt/slides/slide5.xml><?xml version="1.0" encoding="utf-8"?>
 <p:sld xmlns:a="http://schemas.openxmlformats.org/drawingml/2006/main" xmlns:r="http://schemas.openxmlformats.org/officeDocument/2006/relationships" xmlns:p="http://schemas.openxmlformats.org/presentationml/2006/main">
   <p:cSld>
     <p:spTree>
@@ -10039,6 +16056,87 @@
           <a:p>
             <a:r>
               <a:rPr lang="en-US" dirty="0" smtClean="0"/>
+              <a:t>7.1: Camera Manipulations Project</a:t>
+            </a:r>
+            <a:endParaRPr lang="en-US" dirty="0"/>
+          </a:p>
+        </p:txBody>
+      </p:sp>
+      <p:pic>
+        <p:nvPicPr>
+          <p:cNvPr id="4" name="Content Placeholder 3">
+            <a:hlinkClick r:id="rId2"/>
+          </p:cNvPr>
+          <p:cNvPicPr>
+            <a:picLocks noGrp="1" noChangeAspect="1"/>
+          </p:cNvPicPr>
+          <p:nvPr>
+            <p:ph idx="1"/>
+          </p:nvPr>
+        </p:nvPicPr>
+        <p:blipFill>
+          <a:blip r:embed="rId3"/>
+          <a:stretch>
+            <a:fillRect/>
+          </a:stretch>
+        </p:blipFill>
+        <p:spPr>
+          <a:xfrm>
+            <a:off x="2238789" y="1570306"/>
+            <a:ext cx="5826243" cy="4351338"/>
+          </a:xfrm>
+          <a:prstGeom prst="rect">
+            <a:avLst/>
+          </a:prstGeom>
+        </p:spPr>
+      </p:pic>
+    </p:spTree>
+    <p:extLst>
+      <p:ext uri="{BB962C8B-B14F-4D97-AF65-F5344CB8AC3E}">
+        <p14:creationId xmlns:p14="http://schemas.microsoft.com/office/powerpoint/2010/main" val="2400896349"/>
+      </p:ext>
+    </p:extLst>
+  </p:cSld>
+  <p:clrMapOvr>
+    <a:masterClrMapping/>
+  </p:clrMapOvr>
+</p:sld>
+</file>
+
+<file path=ppt/slides/slide50.xml><?xml version="1.0" encoding="utf-8"?>
+<p:sld xmlns:a="http://schemas.openxmlformats.org/drawingml/2006/main" xmlns:r="http://schemas.openxmlformats.org/officeDocument/2006/relationships" xmlns:p="http://schemas.openxmlformats.org/presentationml/2006/main">
+  <p:cSld>
+    <p:spTree>
+      <p:nvGrpSpPr>
+        <p:cNvPr id="1" name=""/>
+        <p:cNvGrpSpPr/>
+        <p:nvPr/>
+      </p:nvGrpSpPr>
+      <p:grpSpPr>
+        <a:xfrm>
+          <a:off x="0" y="0"/>
+          <a:ext cx="0" cy="0"/>
+          <a:chOff x="0" y="0"/>
+          <a:chExt cx="0" cy="0"/>
+        </a:xfrm>
+      </p:grpSpPr>
+      <p:sp>
+        <p:nvSpPr>
+          <p:cNvPr id="2" name="Title 1"/>
+          <p:cNvSpPr>
+            <a:spLocks noGrp="1"/>
+          </p:cNvSpPr>
+          <p:nvPr>
+            <p:ph type="title"/>
+          </p:nvPr>
+        </p:nvSpPr>
+        <p:spPr/>
+        <p:txBody>
+          <a:bodyPr/>
+          <a:lstStyle/>
+          <a:p>
+            <a:r>
+              <a:rPr lang="en-US" dirty="0" smtClean="0"/>
               <a:t>7.5: Goals</a:t>
             </a:r>
             <a:endParaRPr lang="en-US" dirty="0"/>
@@ -10105,7 +16203,7 @@
 </p:sld>
 </file>
 
-<file path=ppt/slides/slide43.xml><?xml version="1.0" encoding="utf-8"?>
+<file path=ppt/slides/slide51.xml><?xml version="1.0" encoding="utf-8"?>
 <p:sld xmlns:a="http://schemas.openxmlformats.org/drawingml/2006/main" xmlns:r="http://schemas.openxmlformats.org/officeDocument/2006/relationships" xmlns:p="http://schemas.openxmlformats.org/presentationml/2006/main">
   <p:cSld>
     <p:spTree>
@@ -10510,7 +16608,7 @@
 </p:sld>
 </file>
 
-<file path=ppt/slides/slide44.xml><?xml version="1.0" encoding="utf-8"?>
+<file path=ppt/slides/slide52.xml><?xml version="1.0" encoding="utf-8"?>
 <p:sld xmlns:a="http://schemas.openxmlformats.org/drawingml/2006/main" xmlns:r="http://schemas.openxmlformats.org/officeDocument/2006/relationships" xmlns:p="http://schemas.openxmlformats.org/presentationml/2006/main">
   <p:cSld>
     <p:spTree>
@@ -10689,7 +16787,7 @@
 </p:sld>
 </file>
 
-<file path=ppt/slides/slide45.xml><?xml version="1.0" encoding="utf-8"?>
+<file path=ppt/slides/slide53.xml><?xml version="1.0" encoding="utf-8"?>
 <p:sld xmlns:a="http://schemas.openxmlformats.org/drawingml/2006/main" xmlns:r="http://schemas.openxmlformats.org/officeDocument/2006/relationships" xmlns:p="http://schemas.openxmlformats.org/presentationml/2006/main">
   <p:cSld>
     <p:spTree>
@@ -11024,7 +17122,7 @@
 </p:sld>
 </file>
 
-<file path=ppt/slides/slide46.xml><?xml version="1.0" encoding="utf-8"?>
+<file path=ppt/slides/slide54.xml><?xml version="1.0" encoding="utf-8"?>
 <p:sld xmlns:a="http://schemas.openxmlformats.org/drawingml/2006/main" xmlns:r="http://schemas.openxmlformats.org/officeDocument/2006/relationships" xmlns:p="http://schemas.openxmlformats.org/presentationml/2006/main">
   <p:cSld>
     <p:spTree>
@@ -11145,7 +17243,7 @@
 </p:sld>
 </file>
 
-<file path=ppt/slides/slide47.xml><?xml version="1.0" encoding="utf-8"?>
+<file path=ppt/slides/slide55.xml><?xml version="1.0" encoding="utf-8"?>
 <p:sld xmlns:a="http://schemas.openxmlformats.org/drawingml/2006/main" xmlns:r="http://schemas.openxmlformats.org/officeDocument/2006/relationships" xmlns:p="http://schemas.openxmlformats.org/presentationml/2006/main">
   <p:cSld>
     <p:spTree>
@@ -11281,7 +17379,7 @@
 </p:sld>
 </file>
 
-<file path=ppt/slides/slide48.xml><?xml version="1.0" encoding="utf-8"?>
+<file path=ppt/slides/slide56.xml><?xml version="1.0" encoding="utf-8"?>
 <p:sld xmlns:a="http://schemas.openxmlformats.org/drawingml/2006/main" xmlns:r="http://schemas.openxmlformats.org/officeDocument/2006/relationships" xmlns:p="http://schemas.openxmlformats.org/presentationml/2006/main">
   <p:cSld>
     <p:spTree>
@@ -11444,7 +17542,7 @@
 </p:sld>
 </file>
 
-<file path=ppt/slides/slide49.xml><?xml version="1.0" encoding="utf-8"?>
+<file path=ppt/slides/slide57.xml><?xml version="1.0" encoding="utf-8"?>
 <p:sld xmlns:a="http://schemas.openxmlformats.org/drawingml/2006/main" xmlns:r="http://schemas.openxmlformats.org/officeDocument/2006/relationships" xmlns:p="http://schemas.openxmlformats.org/presentationml/2006/main">
   <p:cSld>
     <p:spTree>
@@ -11690,88 +17788,7 @@
 </p:sld>
 </file>
 
-<file path=ppt/slides/slide5.xml><?xml version="1.0" encoding="utf-8"?>
-<p:sld xmlns:a="http://schemas.openxmlformats.org/drawingml/2006/main" xmlns:r="http://schemas.openxmlformats.org/officeDocument/2006/relationships" xmlns:p="http://schemas.openxmlformats.org/presentationml/2006/main">
-  <p:cSld>
-    <p:spTree>
-      <p:nvGrpSpPr>
-        <p:cNvPr id="1" name=""/>
-        <p:cNvGrpSpPr/>
-        <p:nvPr/>
-      </p:nvGrpSpPr>
-      <p:grpSpPr>
-        <a:xfrm>
-          <a:off x="0" y="0"/>
-          <a:ext cx="0" cy="0"/>
-          <a:chOff x="0" y="0"/>
-          <a:chExt cx="0" cy="0"/>
-        </a:xfrm>
-      </p:grpSpPr>
-      <p:sp>
-        <p:nvSpPr>
-          <p:cNvPr id="2" name="Title 1"/>
-          <p:cNvSpPr>
-            <a:spLocks noGrp="1"/>
-          </p:cNvSpPr>
-          <p:nvPr>
-            <p:ph type="title"/>
-          </p:nvPr>
-        </p:nvSpPr>
-        <p:spPr/>
-        <p:txBody>
-          <a:bodyPr/>
-          <a:lstStyle/>
-          <a:p>
-            <a:r>
-              <a:rPr lang="en-US" dirty="0" smtClean="0"/>
-              <a:t>7.1: Camera Manipulations Project</a:t>
-            </a:r>
-            <a:endParaRPr lang="en-US" dirty="0"/>
-          </a:p>
-        </p:txBody>
-      </p:sp>
-      <p:pic>
-        <p:nvPicPr>
-          <p:cNvPr id="4" name="Content Placeholder 3">
-            <a:hlinkClick r:id="rId2"/>
-          </p:cNvPr>
-          <p:cNvPicPr>
-            <a:picLocks noGrp="1" noChangeAspect="1"/>
-          </p:cNvPicPr>
-          <p:nvPr>
-            <p:ph idx="1"/>
-          </p:nvPr>
-        </p:nvPicPr>
-        <p:blipFill>
-          <a:blip r:embed="rId3"/>
-          <a:stretch>
-            <a:fillRect/>
-          </a:stretch>
-        </p:blipFill>
-        <p:spPr>
-          <a:xfrm>
-            <a:off x="2238789" y="1570306"/>
-            <a:ext cx="5826243" cy="4351338"/>
-          </a:xfrm>
-          <a:prstGeom prst="rect">
-            <a:avLst/>
-          </a:prstGeom>
-        </p:spPr>
-      </p:pic>
-    </p:spTree>
-    <p:extLst>
-      <p:ext uri="{BB962C8B-B14F-4D97-AF65-F5344CB8AC3E}">
-        <p14:creationId xmlns:p14="http://schemas.microsoft.com/office/powerpoint/2010/main" val="2400896349"/>
-      </p:ext>
-    </p:extLst>
-  </p:cSld>
-  <p:clrMapOvr>
-    <a:masterClrMapping/>
-  </p:clrMapOvr>
-</p:sld>
-</file>
-
-<file path=ppt/slides/slide50.xml><?xml version="1.0" encoding="utf-8"?>
+<file path=ppt/slides/slide58.xml><?xml version="1.0" encoding="utf-8"?>
 <p:sld xmlns:a="http://schemas.openxmlformats.org/drawingml/2006/main" xmlns:r="http://schemas.openxmlformats.org/officeDocument/2006/relationships" xmlns:p="http://schemas.openxmlformats.org/presentationml/2006/main">
   <p:cSld>
     <p:spTree>
@@ -11968,7 +17985,7 @@
 </p:sld>
 </file>
 
-<file path=ppt/slides/slide51.xml><?xml version="1.0" encoding="utf-8"?>
+<file path=ppt/slides/slide59.xml><?xml version="1.0" encoding="utf-8"?>
 <p:sld xmlns:a="http://schemas.openxmlformats.org/drawingml/2006/main" xmlns:r="http://schemas.openxmlformats.org/officeDocument/2006/relationships" xmlns:p="http://schemas.openxmlformats.org/presentationml/2006/main">
   <p:cSld>
     <p:spTree>
@@ -12146,7 +18163,95 @@
 </p:sld>
 </file>
 
-<file path=ppt/slides/slide52.xml><?xml version="1.0" encoding="utf-8"?>
+<file path=ppt/slides/slide6.xml><?xml version="1.0" encoding="utf-8"?>
+<p:sld xmlns:a="http://schemas.openxmlformats.org/drawingml/2006/main" xmlns:r="http://schemas.openxmlformats.org/officeDocument/2006/relationships" xmlns:p="http://schemas.openxmlformats.org/presentationml/2006/main">
+  <p:cSld>
+    <p:spTree>
+      <p:nvGrpSpPr>
+        <p:cNvPr id="1" name=""/>
+        <p:cNvGrpSpPr/>
+        <p:nvPr/>
+      </p:nvGrpSpPr>
+      <p:grpSpPr>
+        <a:xfrm>
+          <a:off x="0" y="0"/>
+          <a:ext cx="0" cy="0"/>
+          <a:chOff x="0" y="0"/>
+          <a:chExt cx="0" cy="0"/>
+        </a:xfrm>
+      </p:grpSpPr>
+      <p:sp>
+        <p:nvSpPr>
+          <p:cNvPr id="2" name="Title 1"/>
+          <p:cNvSpPr>
+            <a:spLocks noGrp="1"/>
+          </p:cNvSpPr>
+          <p:nvPr>
+            <p:ph type="title"/>
+          </p:nvPr>
+        </p:nvSpPr>
+        <p:spPr/>
+        <p:txBody>
+          <a:bodyPr/>
+          <a:lstStyle/>
+          <a:p>
+            <a:r>
+              <a:rPr lang="en-US" dirty="0" smtClean="0"/>
+              <a:t>7.1: Goals</a:t>
+            </a:r>
+            <a:endParaRPr lang="en-US" dirty="0"/>
+          </a:p>
+        </p:txBody>
+      </p:sp>
+      <p:sp>
+        <p:nvSpPr>
+          <p:cNvPr id="3" name="Content Placeholder 2"/>
+          <p:cNvSpPr>
+            <a:spLocks noGrp="1"/>
+          </p:cNvSpPr>
+          <p:nvPr>
+            <p:ph idx="1"/>
+          </p:nvPr>
+        </p:nvSpPr>
+        <p:spPr/>
+        <p:txBody>
+          <a:bodyPr/>
+          <a:lstStyle/>
+          <a:p>
+            <a:r>
+              <a:rPr lang="en-US" dirty="0" smtClean="0"/>
+              <a:t>Experience common camera manipulation operations</a:t>
+            </a:r>
+          </a:p>
+          <a:p>
+            <a:r>
+              <a:rPr lang="en-US" dirty="0" smtClean="0"/>
+              <a:t>Understand the mapping from manipulation operations to camera parameters</a:t>
+            </a:r>
+          </a:p>
+          <a:p>
+            <a:r>
+              <a:rPr lang="en-US" dirty="0" smtClean="0"/>
+              <a:t>Implement the manipulation operations</a:t>
+            </a:r>
+            <a:endParaRPr lang="en-US" dirty="0"/>
+          </a:p>
+        </p:txBody>
+      </p:sp>
+    </p:spTree>
+    <p:extLst>
+      <p:ext uri="{BB962C8B-B14F-4D97-AF65-F5344CB8AC3E}">
+        <p14:creationId xmlns:p14="http://schemas.microsoft.com/office/powerpoint/2010/main" val="1737538586"/>
+      </p:ext>
+    </p:extLst>
+  </p:cSld>
+  <p:clrMapOvr>
+    <a:masterClrMapping/>
+  </p:clrMapOvr>
+</p:sld>
+</file>
+
+<file path=ppt/slides/slide60.xml><?xml version="1.0" encoding="utf-8"?>
 <p:sld xmlns:a="http://schemas.openxmlformats.org/drawingml/2006/main" xmlns:r="http://schemas.openxmlformats.org/officeDocument/2006/relationships" xmlns:p="http://schemas.openxmlformats.org/presentationml/2006/main">
   <p:cSld>
     <p:spTree>
@@ -12345,7 +18450,7 @@
 </p:sld>
 </file>
 
-<file path=ppt/slides/slide53.xml><?xml version="1.0" encoding="utf-8"?>
+<file path=ppt/slides/slide61.xml><?xml version="1.0" encoding="utf-8"?>
 <p:sld xmlns:a="http://schemas.openxmlformats.org/drawingml/2006/main" xmlns:r="http://schemas.openxmlformats.org/officeDocument/2006/relationships" xmlns:p="http://schemas.openxmlformats.org/presentationml/2006/main">
   <p:cSld>
     <p:spTree>
@@ -12484,7 +18589,7 @@
 </p:sld>
 </file>
 
-<file path=ppt/slides/slide54.xml><?xml version="1.0" encoding="utf-8"?>
+<file path=ppt/slides/slide62.xml><?xml version="1.0" encoding="utf-8"?>
 <p:sld xmlns:a="http://schemas.openxmlformats.org/drawingml/2006/main" xmlns:r="http://schemas.openxmlformats.org/officeDocument/2006/relationships" xmlns:p="http://schemas.openxmlformats.org/presentationml/2006/main">
   <p:cSld>
     <p:spTree>
@@ -12665,7 +18770,7 @@
 </p:sld>
 </file>
 
-<file path=ppt/slides/slide55.xml><?xml version="1.0" encoding="utf-8"?>
+<file path=ppt/slides/slide63.xml><?xml version="1.0" encoding="utf-8"?>
 <p:sld xmlns:a="http://schemas.openxmlformats.org/drawingml/2006/main" xmlns:r="http://schemas.openxmlformats.org/officeDocument/2006/relationships" xmlns:p="http://schemas.openxmlformats.org/presentationml/2006/main">
   <p:cSld>
     <p:spTree>
@@ -12743,94 +18848,6 @@
     <p:extLst>
       <p:ext uri="{BB962C8B-B14F-4D97-AF65-F5344CB8AC3E}">
         <p14:creationId xmlns:p14="http://schemas.microsoft.com/office/powerpoint/2010/main" val="2419980124"/>
-      </p:ext>
-    </p:extLst>
-  </p:cSld>
-  <p:clrMapOvr>
-    <a:masterClrMapping/>
-  </p:clrMapOvr>
-</p:sld>
-</file>
-
-<file path=ppt/slides/slide6.xml><?xml version="1.0" encoding="utf-8"?>
-<p:sld xmlns:a="http://schemas.openxmlformats.org/drawingml/2006/main" xmlns:r="http://schemas.openxmlformats.org/officeDocument/2006/relationships" xmlns:p="http://schemas.openxmlformats.org/presentationml/2006/main">
-  <p:cSld>
-    <p:spTree>
-      <p:nvGrpSpPr>
-        <p:cNvPr id="1" name=""/>
-        <p:cNvGrpSpPr/>
-        <p:nvPr/>
-      </p:nvGrpSpPr>
-      <p:grpSpPr>
-        <a:xfrm>
-          <a:off x="0" y="0"/>
-          <a:ext cx="0" cy="0"/>
-          <a:chOff x="0" y="0"/>
-          <a:chExt cx="0" cy="0"/>
-        </a:xfrm>
-      </p:grpSpPr>
-      <p:sp>
-        <p:nvSpPr>
-          <p:cNvPr id="2" name="Title 1"/>
-          <p:cNvSpPr>
-            <a:spLocks noGrp="1"/>
-          </p:cNvSpPr>
-          <p:nvPr>
-            <p:ph type="title"/>
-          </p:nvPr>
-        </p:nvSpPr>
-        <p:spPr/>
-        <p:txBody>
-          <a:bodyPr/>
-          <a:lstStyle/>
-          <a:p>
-            <a:r>
-              <a:rPr lang="en-US" dirty="0" smtClean="0"/>
-              <a:t>7.1: Goals</a:t>
-            </a:r>
-            <a:endParaRPr lang="en-US" dirty="0"/>
-          </a:p>
-        </p:txBody>
-      </p:sp>
-      <p:sp>
-        <p:nvSpPr>
-          <p:cNvPr id="3" name="Content Placeholder 2"/>
-          <p:cNvSpPr>
-            <a:spLocks noGrp="1"/>
-          </p:cNvSpPr>
-          <p:nvPr>
-            <p:ph idx="1"/>
-          </p:nvPr>
-        </p:nvSpPr>
-        <p:spPr/>
-        <p:txBody>
-          <a:bodyPr/>
-          <a:lstStyle/>
-          <a:p>
-            <a:r>
-              <a:rPr lang="en-US" dirty="0" smtClean="0"/>
-              <a:t>Experience common camera manipulation operations</a:t>
-            </a:r>
-          </a:p>
-          <a:p>
-            <a:r>
-              <a:rPr lang="en-US" dirty="0" smtClean="0"/>
-              <a:t>Understand the mapping from manipulation operations to camera parameters</a:t>
-            </a:r>
-          </a:p>
-          <a:p>
-            <a:r>
-              <a:rPr lang="en-US" dirty="0" smtClean="0"/>
-              <a:t>Implement the manipulation operations</a:t>
-            </a:r>
-            <a:endParaRPr lang="en-US" dirty="0"/>
-          </a:p>
-        </p:txBody>
-      </p:sp>
-    </p:spTree>
-    <p:extLst>
-      <p:ext uri="{BB962C8B-B14F-4D97-AF65-F5344CB8AC3E}">
-        <p14:creationId xmlns:p14="http://schemas.microsoft.com/office/powerpoint/2010/main" val="1737538586"/>
       </p:ext>
     </p:extLst>
   </p:cSld>

--- a/BookChapterContent/Slides/Chap7.pptx
+++ b/BookChapterContent/Slides/Chap7.pptx
@@ -15407,7 +15407,6 @@
               <a:rPr lang="en-US" dirty="0" smtClean="0"/>
               <a:t> = lower-left-x = Camera-X – (WC-Width / 2)</a:t>
             </a:r>
-            <a:endParaRPr lang="en-US" dirty="0" smtClean="0"/>
           </a:p>
           <a:p>
             <a:pPr marL="0" indent="0">
@@ -15451,8 +15450,8 @@
         </p:nvSpPr>
         <p:spPr>
           <a:xfrm>
-            <a:off x="5029200" y="630918"/>
-            <a:ext cx="5992586" cy="3459389"/>
+            <a:off x="4723075" y="630918"/>
+            <a:ext cx="6298711" cy="3459389"/>
           </a:xfrm>
           <a:prstGeom prst="rect">
             <a:avLst/>
@@ -15460,7 +15459,7 @@
         </p:spPr>
         <p:txBody>
           <a:bodyPr vert="horz" lIns="91440" tIns="45720" rIns="91440" bIns="45720" rtlCol="0">
-            <a:normAutofit fontScale="85000" lnSpcReduction="20000"/>
+            <a:normAutofit fontScale="92500" lnSpcReduction="20000"/>
           </a:bodyPr>
           <a:lstStyle>
             <a:lvl1pPr marL="228600" indent="-228600" algn="l" defTabSz="914400" rtl="0" eaLnBrk="1" latinLnBrk="0" hangingPunct="1">
